--- a/Презентация по проекту.pptx
+++ b/Презентация по проекту.pptx
@@ -2,7 +2,7 @@
 <file path=ppt/presentation.xml><?xml version="1.0" encoding="utf-8"?>
 <p:presentation xmlns:a="http://schemas.openxmlformats.org/drawingml/2006/main" xmlns:r="http://schemas.openxmlformats.org/officeDocument/2006/relationships" xmlns:p="http://schemas.openxmlformats.org/presentationml/2006/main" saveSubsetFonts="1">
   <p:sldMasterIdLst>
-    <p:sldMasterId id="2147483648" r:id="rId1"/>
+    <p:sldMasterId id="2147483660" r:id="rId1"/>
   </p:sldMasterIdLst>
   <p:sldIdLst>
     <p:sldId id="256" r:id="rId2"/>
@@ -16,9 +16,9 @@
   <p:notesSz cx="6858000" cy="9144000"/>
   <p:defaultTextStyle>
     <a:defPPr>
-      <a:defRPr lang="ru-RU"/>
+      <a:defRPr lang="en-US"/>
     </a:defPPr>
-    <a:lvl1pPr marL="0" algn="l" defTabSz="914400" rtl="0" eaLnBrk="1" latinLnBrk="0" hangingPunct="1">
+    <a:lvl1pPr marL="0" algn="l" defTabSz="457200" rtl="0" eaLnBrk="1" latinLnBrk="0" hangingPunct="1">
       <a:defRPr sz="1800" kern="1200">
         <a:solidFill>
           <a:schemeClr val="tx1"/>
@@ -28,7 +28,7 @@
         <a:cs typeface="+mn-cs"/>
       </a:defRPr>
     </a:lvl1pPr>
-    <a:lvl2pPr marL="457200" algn="l" defTabSz="914400" rtl="0" eaLnBrk="1" latinLnBrk="0" hangingPunct="1">
+    <a:lvl2pPr marL="457200" algn="l" defTabSz="457200" rtl="0" eaLnBrk="1" latinLnBrk="0" hangingPunct="1">
       <a:defRPr sz="1800" kern="1200">
         <a:solidFill>
           <a:schemeClr val="tx1"/>
@@ -38,7 +38,7 @@
         <a:cs typeface="+mn-cs"/>
       </a:defRPr>
     </a:lvl2pPr>
-    <a:lvl3pPr marL="914400" algn="l" defTabSz="914400" rtl="0" eaLnBrk="1" latinLnBrk="0" hangingPunct="1">
+    <a:lvl3pPr marL="914400" algn="l" defTabSz="457200" rtl="0" eaLnBrk="1" latinLnBrk="0" hangingPunct="1">
       <a:defRPr sz="1800" kern="1200">
         <a:solidFill>
           <a:schemeClr val="tx1"/>
@@ -48,7 +48,7 @@
         <a:cs typeface="+mn-cs"/>
       </a:defRPr>
     </a:lvl3pPr>
-    <a:lvl4pPr marL="1371600" algn="l" defTabSz="914400" rtl="0" eaLnBrk="1" latinLnBrk="0" hangingPunct="1">
+    <a:lvl4pPr marL="1371600" algn="l" defTabSz="457200" rtl="0" eaLnBrk="1" latinLnBrk="0" hangingPunct="1">
       <a:defRPr sz="1800" kern="1200">
         <a:solidFill>
           <a:schemeClr val="tx1"/>
@@ -58,7 +58,7 @@
         <a:cs typeface="+mn-cs"/>
       </a:defRPr>
     </a:lvl4pPr>
-    <a:lvl5pPr marL="1828800" algn="l" defTabSz="914400" rtl="0" eaLnBrk="1" latinLnBrk="0" hangingPunct="1">
+    <a:lvl5pPr marL="1828800" algn="l" defTabSz="457200" rtl="0" eaLnBrk="1" latinLnBrk="0" hangingPunct="1">
       <a:defRPr sz="1800" kern="1200">
         <a:solidFill>
           <a:schemeClr val="tx1"/>
@@ -68,7 +68,7 @@
         <a:cs typeface="+mn-cs"/>
       </a:defRPr>
     </a:lvl5pPr>
-    <a:lvl6pPr marL="2286000" algn="l" defTabSz="914400" rtl="0" eaLnBrk="1" latinLnBrk="0" hangingPunct="1">
+    <a:lvl6pPr marL="2286000" algn="l" defTabSz="457200" rtl="0" eaLnBrk="1" latinLnBrk="0" hangingPunct="1">
       <a:defRPr sz="1800" kern="1200">
         <a:solidFill>
           <a:schemeClr val="tx1"/>
@@ -78,7 +78,7 @@
         <a:cs typeface="+mn-cs"/>
       </a:defRPr>
     </a:lvl6pPr>
-    <a:lvl7pPr marL="2743200" algn="l" defTabSz="914400" rtl="0" eaLnBrk="1" latinLnBrk="0" hangingPunct="1">
+    <a:lvl7pPr marL="2743200" algn="l" defTabSz="457200" rtl="0" eaLnBrk="1" latinLnBrk="0" hangingPunct="1">
       <a:defRPr sz="1800" kern="1200">
         <a:solidFill>
           <a:schemeClr val="tx1"/>
@@ -88,7 +88,7 @@
         <a:cs typeface="+mn-cs"/>
       </a:defRPr>
     </a:lvl7pPr>
-    <a:lvl8pPr marL="3200400" algn="l" defTabSz="914400" rtl="0" eaLnBrk="1" latinLnBrk="0" hangingPunct="1">
+    <a:lvl8pPr marL="3200400" algn="l" defTabSz="457200" rtl="0" eaLnBrk="1" latinLnBrk="0" hangingPunct="1">
       <a:defRPr sz="1800" kern="1200">
         <a:solidFill>
           <a:schemeClr val="tx1"/>
@@ -98,7 +98,7 @@
         <a:cs typeface="+mn-cs"/>
       </a:defRPr>
     </a:lvl8pPr>
-    <a:lvl9pPr marL="3657600" algn="l" defTabSz="914400" rtl="0" eaLnBrk="1" latinLnBrk="0" hangingPunct="1">
+    <a:lvl9pPr marL="3657600" algn="l" defTabSz="457200" rtl="0" eaLnBrk="1" latinLnBrk="0" hangingPunct="1">
       <a:defRPr sz="1800" kern="1200">
         <a:solidFill>
           <a:schemeClr val="tx1"/>
@@ -109,6 +109,11 @@
       </a:defRPr>
     </a:lvl9pPr>
   </p:defaultTextStyle>
+  <p:extLst>
+    <p:ext uri="{EFAFB233-063F-42B5-8137-9DF3F51BA10A}">
+      <p15:sldGuideLst xmlns:p15="http://schemas.microsoft.com/office/powerpoint/2012/main"/>
+    </p:ext>
+  </p:extLst>
 </p:presentation>
 </file>
 
@@ -131,13 +136,7 @@
       </p:grpSpPr>
       <p:sp>
         <p:nvSpPr>
-          <p:cNvPr id="2" name="Заголовок 1">
-            <a:extLst>
-              <a:ext uri="{FF2B5EF4-FFF2-40B4-BE49-F238E27FC236}">
-                <a16:creationId xmlns:a16="http://schemas.microsoft.com/office/drawing/2014/main" id="{77FD8C57-BB15-460A-A39D-8A63E7765FA2}"/>
-              </a:ext>
-            </a:extLst>
-          </p:cNvPr>
+          <p:cNvPr id="2" name="Title 1"/>
           <p:cNvSpPr>
             <a:spLocks noGrp="1"/>
           </p:cNvSpPr>
@@ -147,15 +146,24 @@
         </p:nvSpPr>
         <p:spPr>
           <a:xfrm>
-            <a:off x="1524000" y="1122363"/>
-            <a:ext cx="9144000" cy="2387600"/>
+            <a:off x="1261872" y="758952"/>
+            <a:ext cx="9418320" cy="4041648"/>
           </a:xfrm>
         </p:spPr>
         <p:txBody>
-          <a:bodyPr anchor="b"/>
+          <a:bodyPr anchor="b">
+            <a:normAutofit/>
+          </a:bodyPr>
           <a:lstStyle>
-            <a:lvl1pPr algn="ctr">
-              <a:defRPr sz="6000"/>
+            <a:lvl1pPr algn="l">
+              <a:lnSpc>
+                <a:spcPct val="85000"/>
+              </a:lnSpc>
+              <a:defRPr sz="7200" baseline="0">
+                <a:solidFill>
+                  <a:schemeClr val="tx1"/>
+                </a:solidFill>
+              </a:defRPr>
             </a:lvl1pPr>
           </a:lstStyle>
           <a:p>
@@ -163,18 +171,13 @@
               <a:rPr lang="ru-RU"/>
               <a:t>Образец заголовка</a:t>
             </a:r>
-          </a:p>
-        </p:txBody>
-      </p:sp>
-      <p:sp>
-        <p:nvSpPr>
-          <p:cNvPr id="3" name="Подзаголовок 2">
-            <a:extLst>
-              <a:ext uri="{FF2B5EF4-FFF2-40B4-BE49-F238E27FC236}">
-                <a16:creationId xmlns:a16="http://schemas.microsoft.com/office/drawing/2014/main" id="{A2B5C963-958D-43EA-B603-72D7814F6B19}"/>
-              </a:ext>
-            </a:extLst>
-          </p:cNvPr>
+            <a:endParaRPr lang="en-US" dirty="0"/>
+          </a:p>
+        </p:txBody>
+      </p:sp>
+      <p:sp>
+        <p:nvSpPr>
+          <p:cNvPr id="3" name="Subtitle 2"/>
           <p:cNvSpPr>
             <a:spLocks noGrp="1"/>
           </p:cNvSpPr>
@@ -184,48 +187,56 @@
         </p:nvSpPr>
         <p:spPr>
           <a:xfrm>
-            <a:off x="1524000" y="3602038"/>
-            <a:ext cx="9144000" cy="1655762"/>
+            <a:off x="1261872" y="4800600"/>
+            <a:ext cx="9418320" cy="1691640"/>
           </a:xfrm>
         </p:spPr>
         <p:txBody>
-          <a:bodyPr/>
+          <a:bodyPr>
+            <a:normAutofit/>
+          </a:bodyPr>
           <a:lstStyle>
-            <a:lvl1pPr marL="0" indent="0" algn="ctr">
-              <a:buNone/>
-              <a:defRPr sz="2400"/>
+            <a:lvl1pPr marL="0" indent="0" algn="l">
+              <a:buNone/>
+              <a:defRPr sz="2200" baseline="0">
+                <a:solidFill>
+                  <a:schemeClr val="tx1">
+                    <a:lumMod val="75000"/>
+                  </a:schemeClr>
+                </a:solidFill>
+              </a:defRPr>
             </a:lvl1pPr>
             <a:lvl2pPr marL="457200" indent="0" algn="ctr">
               <a:buNone/>
-              <a:defRPr sz="2000"/>
+              <a:defRPr sz="2200"/>
             </a:lvl2pPr>
             <a:lvl3pPr marL="914400" indent="0" algn="ctr">
               <a:buNone/>
-              <a:defRPr sz="1800"/>
+              <a:defRPr sz="2200"/>
             </a:lvl3pPr>
             <a:lvl4pPr marL="1371600" indent="0" algn="ctr">
               <a:buNone/>
-              <a:defRPr sz="1600"/>
+              <a:defRPr sz="2000"/>
             </a:lvl4pPr>
             <a:lvl5pPr marL="1828800" indent="0" algn="ctr">
               <a:buNone/>
-              <a:defRPr sz="1600"/>
+              <a:defRPr sz="2000"/>
             </a:lvl5pPr>
             <a:lvl6pPr marL="2286000" indent="0" algn="ctr">
               <a:buNone/>
-              <a:defRPr sz="1600"/>
+              <a:defRPr sz="2000"/>
             </a:lvl6pPr>
             <a:lvl7pPr marL="2743200" indent="0" algn="ctr">
               <a:buNone/>
-              <a:defRPr sz="1600"/>
+              <a:defRPr sz="2000"/>
             </a:lvl7pPr>
             <a:lvl8pPr marL="3200400" indent="0" algn="ctr">
               <a:buNone/>
-              <a:defRPr sz="1600"/>
+              <a:defRPr sz="2000"/>
             </a:lvl8pPr>
             <a:lvl9pPr marL="3657600" indent="0" algn="ctr">
               <a:buNone/>
-              <a:defRPr sz="1600"/>
+              <a:defRPr sz="2000"/>
             </a:lvl9pPr>
           </a:lstStyle>
           <a:p>
@@ -233,18 +244,13 @@
               <a:rPr lang="ru-RU"/>
               <a:t>Образец подзаголовка</a:t>
             </a:r>
-          </a:p>
-        </p:txBody>
-      </p:sp>
-      <p:sp>
-        <p:nvSpPr>
-          <p:cNvPr id="4" name="Дата 3">
-            <a:extLst>
-              <a:ext uri="{FF2B5EF4-FFF2-40B4-BE49-F238E27FC236}">
-                <a16:creationId xmlns:a16="http://schemas.microsoft.com/office/drawing/2014/main" id="{DBC867E5-858C-4BE9-A389-630046EBBE13}"/>
-              </a:ext>
-            </a:extLst>
-          </p:cNvPr>
+            <a:endParaRPr lang="en-US" dirty="0"/>
+          </a:p>
+        </p:txBody>
+      </p:sp>
+      <p:sp>
+        <p:nvSpPr>
+          <p:cNvPr id="4" name="Date Placeholder 3"/>
           <p:cNvSpPr>
             <a:spLocks noGrp="1"/>
           </p:cNvSpPr>
@@ -255,11 +261,21 @@
         <p:spPr/>
         <p:txBody>
           <a:bodyPr/>
-          <a:lstStyle/>
+          <a:lstStyle>
+            <a:lvl1pPr>
+              <a:defRPr>
+                <a:solidFill>
+                  <a:schemeClr val="tx1">
+                    <a:lumMod val="50000"/>
+                  </a:schemeClr>
+                </a:solidFill>
+              </a:defRPr>
+            </a:lvl1pPr>
+          </a:lstStyle>
           <a:p>
             <a:fld id="{191AF15F-3945-47C9-AE07-E35D5231879B}" type="datetimeFigureOut">
               <a:rPr lang="ru-RU" smtClean="0"/>
-              <a:t>12.04.2022</a:t>
+              <a:t>14.04.2022</a:t>
             </a:fld>
             <a:endParaRPr lang="ru-RU"/>
           </a:p>
@@ -267,13 +283,7 @@
       </p:sp>
       <p:sp>
         <p:nvSpPr>
-          <p:cNvPr id="5" name="Нижний колонтитул 4">
-            <a:extLst>
-              <a:ext uri="{FF2B5EF4-FFF2-40B4-BE49-F238E27FC236}">
-                <a16:creationId xmlns:a16="http://schemas.microsoft.com/office/drawing/2014/main" id="{C8FA1172-19B1-4549-A53A-9ED33E8D2A20}"/>
-              </a:ext>
-            </a:extLst>
-          </p:cNvPr>
+          <p:cNvPr id="5" name="Footer Placeholder 4"/>
           <p:cNvSpPr>
             <a:spLocks noGrp="1"/>
           </p:cNvSpPr>
@@ -284,7 +294,17 @@
         <p:spPr/>
         <p:txBody>
           <a:bodyPr/>
-          <a:lstStyle/>
+          <a:lstStyle>
+            <a:lvl1pPr>
+              <a:defRPr>
+                <a:solidFill>
+                  <a:schemeClr val="tx1">
+                    <a:lumMod val="65000"/>
+                  </a:schemeClr>
+                </a:solidFill>
+              </a:defRPr>
+            </a:lvl1pPr>
+          </a:lstStyle>
           <a:p>
             <a:endParaRPr lang="ru-RU"/>
           </a:p>
@@ -292,13 +312,7 @@
       </p:sp>
       <p:sp>
         <p:nvSpPr>
-          <p:cNvPr id="6" name="Номер слайда 5">
-            <a:extLst>
-              <a:ext uri="{FF2B5EF4-FFF2-40B4-BE49-F238E27FC236}">
-                <a16:creationId xmlns:a16="http://schemas.microsoft.com/office/drawing/2014/main" id="{E2C0A188-733D-483F-9144-DFEE0F81617F}"/>
-              </a:ext>
-            </a:extLst>
-          </p:cNvPr>
+          <p:cNvPr id="6" name="Slide Number Placeholder 5"/>
           <p:cNvSpPr>
             <a:spLocks noGrp="1"/>
           </p:cNvSpPr>
@@ -309,7 +323,17 @@
         <p:spPr/>
         <p:txBody>
           <a:bodyPr/>
-          <a:lstStyle/>
+          <a:lstStyle>
+            <a:lvl1pPr>
+              <a:defRPr>
+                <a:solidFill>
+                  <a:schemeClr val="tx1">
+                    <a:lumMod val="65000"/>
+                  </a:schemeClr>
+                </a:solidFill>
+              </a:defRPr>
+            </a:lvl1pPr>
+          </a:lstStyle>
           <a:p>
             <a:fld id="{22554C3F-65F2-4C22-9981-FDBC0F3ADB4A}" type="slidenum">
               <a:rPr lang="ru-RU" smtClean="0"/>
@@ -319,15 +343,53 @@
           </a:p>
         </p:txBody>
       </p:sp>
+      <p:sp>
+        <p:nvSpPr>
+          <p:cNvPr id="7" name="Rectangle 6"/>
+          <p:cNvSpPr/>
+          <p:nvPr/>
+        </p:nvSpPr>
+        <p:spPr>
+          <a:xfrm>
+            <a:off x="0" y="0"/>
+            <a:ext cx="457200" cy="6858000"/>
+          </a:xfrm>
+          <a:prstGeom prst="rect">
+            <a:avLst/>
+          </a:prstGeom>
+          <a:solidFill>
+            <a:schemeClr val="accent1"/>
+          </a:solidFill>
+          <a:ln>
+            <a:noFill/>
+          </a:ln>
+        </p:spPr>
+        <p:style>
+          <a:lnRef idx="2">
+            <a:schemeClr val="accent1">
+              <a:shade val="50000"/>
+            </a:schemeClr>
+          </a:lnRef>
+          <a:fillRef idx="1">
+            <a:schemeClr val="accent1"/>
+          </a:fillRef>
+          <a:effectRef idx="0">
+            <a:schemeClr val="accent1"/>
+          </a:effectRef>
+          <a:fontRef idx="minor">
+            <a:schemeClr val="lt1"/>
+          </a:fontRef>
+        </p:style>
+      </p:sp>
     </p:spTree>
     <p:extLst>
       <p:ext uri="{BB962C8B-B14F-4D97-AF65-F5344CB8AC3E}">
-        <p14:creationId xmlns:p14="http://schemas.microsoft.com/office/powerpoint/2010/main" val="3083731758"/>
+        <p14:creationId xmlns:p14="http://schemas.microsoft.com/office/powerpoint/2010/main" val="2366250377"/>
       </p:ext>
     </p:extLst>
   </p:cSld>
   <p:clrMapOvr>
-    <a:masterClrMapping/>
+    <a:overrideClrMapping bg1="dk1" tx1="lt1" bg2="dk2" tx2="lt2" accent1="accent1" accent2="accent2" accent3="accent3" accent4="accent4" accent5="accent5" accent6="accent6" hlink="hlink" folHlink="folHlink"/>
   </p:clrMapOvr>
 </p:sldLayout>
 </file>
@@ -351,13 +413,7 @@
       </p:grpSpPr>
       <p:sp>
         <p:nvSpPr>
-          <p:cNvPr id="2" name="Заголовок 1">
-            <a:extLst>
-              <a:ext uri="{FF2B5EF4-FFF2-40B4-BE49-F238E27FC236}">
-                <a16:creationId xmlns:a16="http://schemas.microsoft.com/office/drawing/2014/main" id="{F211045C-DDC1-4DC7-A743-693F2E68C231}"/>
-              </a:ext>
-            </a:extLst>
-          </p:cNvPr>
+          <p:cNvPr id="2" name="Title 1"/>
           <p:cNvSpPr>
             <a:spLocks noGrp="1"/>
           </p:cNvSpPr>
@@ -374,18 +430,13 @@
               <a:rPr lang="ru-RU"/>
               <a:t>Образец заголовка</a:t>
             </a:r>
-          </a:p>
-        </p:txBody>
-      </p:sp>
-      <p:sp>
-        <p:nvSpPr>
-          <p:cNvPr id="3" name="Вертикальный текст 2">
-            <a:extLst>
-              <a:ext uri="{FF2B5EF4-FFF2-40B4-BE49-F238E27FC236}">
-                <a16:creationId xmlns:a16="http://schemas.microsoft.com/office/drawing/2014/main" id="{7C92BE54-0E65-45F4-83B6-5409B64FC78E}"/>
-              </a:ext>
-            </a:extLst>
-          </p:cNvPr>
+            <a:endParaRPr lang="en-US" dirty="0"/>
+          </a:p>
+        </p:txBody>
+      </p:sp>
+      <p:sp>
+        <p:nvSpPr>
+          <p:cNvPr id="3" name="Vertical Text Placeholder 2"/>
           <p:cNvSpPr>
             <a:spLocks noGrp="1"/>
           </p:cNvSpPr>
@@ -431,18 +482,13 @@
               <a:rPr lang="ru-RU"/>
               <a:t>Пятый уровень</a:t>
             </a:r>
-          </a:p>
-        </p:txBody>
-      </p:sp>
-      <p:sp>
-        <p:nvSpPr>
-          <p:cNvPr id="4" name="Дата 3">
-            <a:extLst>
-              <a:ext uri="{FF2B5EF4-FFF2-40B4-BE49-F238E27FC236}">
-                <a16:creationId xmlns:a16="http://schemas.microsoft.com/office/drawing/2014/main" id="{86E9A80B-E13D-41DF-A00F-F855B2A2BE7B}"/>
-              </a:ext>
-            </a:extLst>
-          </p:cNvPr>
+            <a:endParaRPr lang="en-US" dirty="0"/>
+          </a:p>
+        </p:txBody>
+      </p:sp>
+      <p:sp>
+        <p:nvSpPr>
+          <p:cNvPr id="4" name="Date Placeholder 3"/>
           <p:cNvSpPr>
             <a:spLocks noGrp="1"/>
           </p:cNvSpPr>
@@ -457,7 +503,7 @@
           <a:p>
             <a:fld id="{191AF15F-3945-47C9-AE07-E35D5231879B}" type="datetimeFigureOut">
               <a:rPr lang="ru-RU" smtClean="0"/>
-              <a:t>12.04.2022</a:t>
+              <a:t>14.04.2022</a:t>
             </a:fld>
             <a:endParaRPr lang="ru-RU"/>
           </a:p>
@@ -465,13 +511,7 @@
       </p:sp>
       <p:sp>
         <p:nvSpPr>
-          <p:cNvPr id="5" name="Нижний колонтитул 4">
-            <a:extLst>
-              <a:ext uri="{FF2B5EF4-FFF2-40B4-BE49-F238E27FC236}">
-                <a16:creationId xmlns:a16="http://schemas.microsoft.com/office/drawing/2014/main" id="{908EDF73-5AE3-496C-941B-446990CADA4C}"/>
-              </a:ext>
-            </a:extLst>
-          </p:cNvPr>
+          <p:cNvPr id="5" name="Footer Placeholder 4"/>
           <p:cNvSpPr>
             <a:spLocks noGrp="1"/>
           </p:cNvSpPr>
@@ -490,13 +530,7 @@
       </p:sp>
       <p:sp>
         <p:nvSpPr>
-          <p:cNvPr id="6" name="Номер слайда 5">
-            <a:extLst>
-              <a:ext uri="{FF2B5EF4-FFF2-40B4-BE49-F238E27FC236}">
-                <a16:creationId xmlns:a16="http://schemas.microsoft.com/office/drawing/2014/main" id="{570B0BB5-4D75-4D47-BF12-CC13485975F7}"/>
-              </a:ext>
-            </a:extLst>
-          </p:cNvPr>
+          <p:cNvPr id="6" name="Slide Number Placeholder 5"/>
           <p:cNvSpPr>
             <a:spLocks noGrp="1"/>
           </p:cNvSpPr>
@@ -520,7 +554,7 @@
     </p:spTree>
     <p:extLst>
       <p:ext uri="{BB962C8B-B14F-4D97-AF65-F5344CB8AC3E}">
-        <p14:creationId xmlns:p14="http://schemas.microsoft.com/office/powerpoint/2010/main" val="2544741381"/>
+        <p14:creationId xmlns:p14="http://schemas.microsoft.com/office/powerpoint/2010/main" val="2786475712"/>
       </p:ext>
     </p:extLst>
   </p:cSld>
@@ -549,13 +583,7 @@
       </p:grpSpPr>
       <p:sp>
         <p:nvSpPr>
-          <p:cNvPr id="2" name="Вертикальный заголовок 1">
-            <a:extLst>
-              <a:ext uri="{FF2B5EF4-FFF2-40B4-BE49-F238E27FC236}">
-                <a16:creationId xmlns:a16="http://schemas.microsoft.com/office/drawing/2014/main" id="{162E5B01-EC96-4370-B1A2-53F81A1C385A}"/>
-              </a:ext>
-            </a:extLst>
-          </p:cNvPr>
+          <p:cNvPr id="2" name="Vertical Title 1"/>
           <p:cNvSpPr>
             <a:spLocks noGrp="1"/>
           </p:cNvSpPr>
@@ -565,8 +593,8 @@
         </p:nvSpPr>
         <p:spPr>
           <a:xfrm>
-            <a:off x="8724900" y="365125"/>
-            <a:ext cx="2628900" cy="5811838"/>
+            <a:off x="8648700" y="381000"/>
+            <a:ext cx="2476500" cy="5897562"/>
           </a:xfrm>
         </p:spPr>
         <p:txBody>
@@ -577,18 +605,13 @@
               <a:rPr lang="ru-RU"/>
               <a:t>Образец заголовка</a:t>
             </a:r>
-          </a:p>
-        </p:txBody>
-      </p:sp>
-      <p:sp>
-        <p:nvSpPr>
-          <p:cNvPr id="3" name="Вертикальный текст 2">
-            <a:extLst>
-              <a:ext uri="{FF2B5EF4-FFF2-40B4-BE49-F238E27FC236}">
-                <a16:creationId xmlns:a16="http://schemas.microsoft.com/office/drawing/2014/main" id="{71C52BC9-E524-4A23-90D5-CE94DED42580}"/>
-              </a:ext>
-            </a:extLst>
-          </p:cNvPr>
+            <a:endParaRPr lang="en-US" dirty="0"/>
+          </a:p>
+        </p:txBody>
+      </p:sp>
+      <p:sp>
+        <p:nvSpPr>
+          <p:cNvPr id="3" name="Vertical Text Placeholder 2"/>
           <p:cNvSpPr>
             <a:spLocks noGrp="1"/>
           </p:cNvSpPr>
@@ -598,8 +621,8 @@
         </p:nvSpPr>
         <p:spPr>
           <a:xfrm>
-            <a:off x="838200" y="365125"/>
-            <a:ext cx="7734300" cy="5811838"/>
+            <a:off x="762000" y="381000"/>
+            <a:ext cx="7734300" cy="5897562"/>
           </a:xfrm>
         </p:spPr>
         <p:txBody>
@@ -639,18 +662,13 @@
               <a:rPr lang="ru-RU"/>
               <a:t>Пятый уровень</a:t>
             </a:r>
-          </a:p>
-        </p:txBody>
-      </p:sp>
-      <p:sp>
-        <p:nvSpPr>
-          <p:cNvPr id="4" name="Дата 3">
-            <a:extLst>
-              <a:ext uri="{FF2B5EF4-FFF2-40B4-BE49-F238E27FC236}">
-                <a16:creationId xmlns:a16="http://schemas.microsoft.com/office/drawing/2014/main" id="{FA0D5053-9AFC-4519-9035-0AA1D0CFFAE0}"/>
-              </a:ext>
-            </a:extLst>
-          </p:cNvPr>
+            <a:endParaRPr lang="en-US" dirty="0"/>
+          </a:p>
+        </p:txBody>
+      </p:sp>
+      <p:sp>
+        <p:nvSpPr>
+          <p:cNvPr id="4" name="Date Placeholder 3"/>
           <p:cNvSpPr>
             <a:spLocks noGrp="1"/>
           </p:cNvSpPr>
@@ -665,7 +683,7 @@
           <a:p>
             <a:fld id="{191AF15F-3945-47C9-AE07-E35D5231879B}" type="datetimeFigureOut">
               <a:rPr lang="ru-RU" smtClean="0"/>
-              <a:t>12.04.2022</a:t>
+              <a:t>14.04.2022</a:t>
             </a:fld>
             <a:endParaRPr lang="ru-RU"/>
           </a:p>
@@ -673,13 +691,7 @@
       </p:sp>
       <p:sp>
         <p:nvSpPr>
-          <p:cNvPr id="5" name="Нижний колонтитул 4">
-            <a:extLst>
-              <a:ext uri="{FF2B5EF4-FFF2-40B4-BE49-F238E27FC236}">
-                <a16:creationId xmlns:a16="http://schemas.microsoft.com/office/drawing/2014/main" id="{C95D4913-6580-4BB7-A02F-884E915BE449}"/>
-              </a:ext>
-            </a:extLst>
-          </p:cNvPr>
+          <p:cNvPr id="5" name="Footer Placeholder 4"/>
           <p:cNvSpPr>
             <a:spLocks noGrp="1"/>
           </p:cNvSpPr>
@@ -698,13 +710,7 @@
       </p:sp>
       <p:sp>
         <p:nvSpPr>
-          <p:cNvPr id="6" name="Номер слайда 5">
-            <a:extLst>
-              <a:ext uri="{FF2B5EF4-FFF2-40B4-BE49-F238E27FC236}">
-                <a16:creationId xmlns:a16="http://schemas.microsoft.com/office/drawing/2014/main" id="{56DA35AF-0B3E-4D5D-A116-AE9E3E888DB9}"/>
-              </a:ext>
-            </a:extLst>
-          </p:cNvPr>
+          <p:cNvPr id="6" name="Slide Number Placeholder 5"/>
           <p:cNvSpPr>
             <a:spLocks noGrp="1"/>
           </p:cNvSpPr>
@@ -728,7 +734,7 @@
     </p:spTree>
     <p:extLst>
       <p:ext uri="{BB962C8B-B14F-4D97-AF65-F5344CB8AC3E}">
-        <p14:creationId xmlns:p14="http://schemas.microsoft.com/office/powerpoint/2010/main" val="3371421627"/>
+        <p14:creationId xmlns:p14="http://schemas.microsoft.com/office/powerpoint/2010/main" val="3048272814"/>
       </p:ext>
     </p:extLst>
   </p:cSld>
@@ -757,13 +763,7 @@
       </p:grpSpPr>
       <p:sp>
         <p:nvSpPr>
-          <p:cNvPr id="2" name="Заголовок 1">
-            <a:extLst>
-              <a:ext uri="{FF2B5EF4-FFF2-40B4-BE49-F238E27FC236}">
-                <a16:creationId xmlns:a16="http://schemas.microsoft.com/office/drawing/2014/main" id="{E6C3916C-2C25-4ADF-87B0-6B2B2D696E4F}"/>
-              </a:ext>
-            </a:extLst>
-          </p:cNvPr>
+          <p:cNvPr id="2" name="Title 1"/>
           <p:cNvSpPr>
             <a:spLocks noGrp="1"/>
           </p:cNvSpPr>
@@ -780,18 +780,13 @@
               <a:rPr lang="ru-RU"/>
               <a:t>Образец заголовка</a:t>
             </a:r>
-          </a:p>
-        </p:txBody>
-      </p:sp>
-      <p:sp>
-        <p:nvSpPr>
-          <p:cNvPr id="3" name="Объект 2">
-            <a:extLst>
-              <a:ext uri="{FF2B5EF4-FFF2-40B4-BE49-F238E27FC236}">
-                <a16:creationId xmlns:a16="http://schemas.microsoft.com/office/drawing/2014/main" id="{0F125518-2BFD-4DB5-88C5-0353810F3EE1}"/>
-              </a:ext>
-            </a:extLst>
-          </p:cNvPr>
+            <a:endParaRPr lang="en-US" dirty="0"/>
+          </a:p>
+        </p:txBody>
+      </p:sp>
+      <p:sp>
+        <p:nvSpPr>
+          <p:cNvPr id="3" name="Content Placeholder 2"/>
           <p:cNvSpPr>
             <a:spLocks noGrp="1"/>
           </p:cNvSpPr>
@@ -837,18 +832,13 @@
               <a:rPr lang="ru-RU"/>
               <a:t>Пятый уровень</a:t>
             </a:r>
-          </a:p>
-        </p:txBody>
-      </p:sp>
-      <p:sp>
-        <p:nvSpPr>
-          <p:cNvPr id="4" name="Дата 3">
-            <a:extLst>
-              <a:ext uri="{FF2B5EF4-FFF2-40B4-BE49-F238E27FC236}">
-                <a16:creationId xmlns:a16="http://schemas.microsoft.com/office/drawing/2014/main" id="{BC6423BB-4700-4698-94A1-56E266AA09B2}"/>
-              </a:ext>
-            </a:extLst>
-          </p:cNvPr>
+            <a:endParaRPr lang="en-US" dirty="0"/>
+          </a:p>
+        </p:txBody>
+      </p:sp>
+      <p:sp>
+        <p:nvSpPr>
+          <p:cNvPr id="4" name="Date Placeholder 3"/>
           <p:cNvSpPr>
             <a:spLocks noGrp="1"/>
           </p:cNvSpPr>
@@ -863,7 +853,7 @@
           <a:p>
             <a:fld id="{191AF15F-3945-47C9-AE07-E35D5231879B}" type="datetimeFigureOut">
               <a:rPr lang="ru-RU" smtClean="0"/>
-              <a:t>12.04.2022</a:t>
+              <a:t>14.04.2022</a:t>
             </a:fld>
             <a:endParaRPr lang="ru-RU"/>
           </a:p>
@@ -871,13 +861,7 @@
       </p:sp>
       <p:sp>
         <p:nvSpPr>
-          <p:cNvPr id="5" name="Нижний колонтитул 4">
-            <a:extLst>
-              <a:ext uri="{FF2B5EF4-FFF2-40B4-BE49-F238E27FC236}">
-                <a16:creationId xmlns:a16="http://schemas.microsoft.com/office/drawing/2014/main" id="{5671C19B-EC0F-4D97-A797-CCBC3F92D2A1}"/>
-              </a:ext>
-            </a:extLst>
-          </p:cNvPr>
+          <p:cNvPr id="5" name="Footer Placeholder 4"/>
           <p:cNvSpPr>
             <a:spLocks noGrp="1"/>
           </p:cNvSpPr>
@@ -896,13 +880,7 @@
       </p:sp>
       <p:sp>
         <p:nvSpPr>
-          <p:cNvPr id="6" name="Номер слайда 5">
-            <a:extLst>
-              <a:ext uri="{FF2B5EF4-FFF2-40B4-BE49-F238E27FC236}">
-                <a16:creationId xmlns:a16="http://schemas.microsoft.com/office/drawing/2014/main" id="{3AA79648-813A-43AA-AE66-B0DA2849FA98}"/>
-              </a:ext>
-            </a:extLst>
-          </p:cNvPr>
+          <p:cNvPr id="6" name="Slide Number Placeholder 5"/>
           <p:cNvSpPr>
             <a:spLocks noGrp="1"/>
           </p:cNvSpPr>
@@ -926,7 +904,7 @@
     </p:spTree>
     <p:extLst>
       <p:ext uri="{BB962C8B-B14F-4D97-AF65-F5344CB8AC3E}">
-        <p14:creationId xmlns:p14="http://schemas.microsoft.com/office/powerpoint/2010/main" val="690879913"/>
+        <p14:creationId xmlns:p14="http://schemas.microsoft.com/office/powerpoint/2010/main" val="1915501561"/>
       </p:ext>
     </p:extLst>
   </p:cSld>
@@ -955,13 +933,7 @@
       </p:grpSpPr>
       <p:sp>
         <p:nvSpPr>
-          <p:cNvPr id="2" name="Заголовок 1">
-            <a:extLst>
-              <a:ext uri="{FF2B5EF4-FFF2-40B4-BE49-F238E27FC236}">
-                <a16:creationId xmlns:a16="http://schemas.microsoft.com/office/drawing/2014/main" id="{1F5D3CA4-E013-47F3-B99C-224BF352BD32}"/>
-              </a:ext>
-            </a:extLst>
-          </p:cNvPr>
+          <p:cNvPr id="2" name="Title 1"/>
           <p:cNvSpPr>
             <a:spLocks noGrp="1"/>
           </p:cNvSpPr>
@@ -971,15 +943,20 @@
         </p:nvSpPr>
         <p:spPr>
           <a:xfrm>
-            <a:off x="831850" y="1709738"/>
-            <a:ext cx="10515600" cy="2852737"/>
+            <a:off x="1261872" y="758952"/>
+            <a:ext cx="9418320" cy="4041648"/>
           </a:xfrm>
         </p:spPr>
         <p:txBody>
-          <a:bodyPr anchor="b"/>
+          <a:bodyPr anchor="b">
+            <a:normAutofit/>
+          </a:bodyPr>
           <a:lstStyle>
             <a:lvl1pPr>
-              <a:defRPr sz="6000"/>
+              <a:lnSpc>
+                <a:spcPct val="85000"/>
+              </a:lnSpc>
+              <a:defRPr sz="7200" b="0"/>
             </a:lvl1pPr>
           </a:lstStyle>
           <a:p>
@@ -987,18 +964,13 @@
               <a:rPr lang="ru-RU"/>
               <a:t>Образец заголовка</a:t>
             </a:r>
-          </a:p>
-        </p:txBody>
-      </p:sp>
-      <p:sp>
-        <p:nvSpPr>
-          <p:cNvPr id="3" name="Текст 2">
-            <a:extLst>
-              <a:ext uri="{FF2B5EF4-FFF2-40B4-BE49-F238E27FC236}">
-                <a16:creationId xmlns:a16="http://schemas.microsoft.com/office/drawing/2014/main" id="{4F963ECE-C8E7-4A07-BB67-34C14D6C4764}"/>
-              </a:ext>
-            </a:extLst>
-          </p:cNvPr>
+            <a:endParaRPr lang="en-US" dirty="0"/>
+          </a:p>
+        </p:txBody>
+      </p:sp>
+      <p:sp>
+        <p:nvSpPr>
+          <p:cNvPr id="3" name="Text Placeholder 2"/>
           <p:cNvSpPr>
             <a:spLocks noGrp="1"/>
           </p:cNvSpPr>
@@ -1008,26 +980,29 @@
         </p:nvSpPr>
         <p:spPr>
           <a:xfrm>
-            <a:off x="831850" y="4589463"/>
-            <a:ext cx="10515600" cy="1500187"/>
+            <a:off x="1261872" y="4800600"/>
+            <a:ext cx="9418320" cy="1691640"/>
           </a:xfrm>
         </p:spPr>
         <p:txBody>
-          <a:bodyPr/>
+          <a:bodyPr anchor="t">
+            <a:normAutofit/>
+          </a:bodyPr>
           <a:lstStyle>
             <a:lvl1pPr marL="0" indent="0">
               <a:buNone/>
-              <a:defRPr sz="2400">
+              <a:defRPr sz="2200">
                 <a:solidFill>
                   <a:schemeClr val="tx1">
-                    <a:tint val="75000"/>
+                    <a:lumMod val="65000"/>
+                    <a:lumOff val="35000"/>
                   </a:schemeClr>
                 </a:solidFill>
               </a:defRPr>
             </a:lvl1pPr>
             <a:lvl2pPr marL="457200" indent="0">
               <a:buNone/>
-              <a:defRPr sz="2000">
+              <a:defRPr sz="1800">
                 <a:solidFill>
                   <a:schemeClr val="tx1">
                     <a:tint val="75000"/>
@@ -1037,7 +1012,7 @@
             </a:lvl2pPr>
             <a:lvl3pPr marL="914400" indent="0">
               <a:buNone/>
-              <a:defRPr sz="1800">
+              <a:defRPr sz="1600">
                 <a:solidFill>
                   <a:schemeClr val="tx1">
                     <a:tint val="75000"/>
@@ -1047,7 +1022,7 @@
             </a:lvl3pPr>
             <a:lvl4pPr marL="1371600" indent="0">
               <a:buNone/>
-              <a:defRPr sz="1600">
+              <a:defRPr sz="1400">
                 <a:solidFill>
                   <a:schemeClr val="tx1">
                     <a:tint val="75000"/>
@@ -1057,7 +1032,7 @@
             </a:lvl4pPr>
             <a:lvl5pPr marL="1828800" indent="0">
               <a:buNone/>
-              <a:defRPr sz="1600">
+              <a:defRPr sz="1400">
                 <a:solidFill>
                   <a:schemeClr val="tx1">
                     <a:tint val="75000"/>
@@ -1067,7 +1042,7 @@
             </a:lvl5pPr>
             <a:lvl6pPr marL="2286000" indent="0">
               <a:buNone/>
-              <a:defRPr sz="1600">
+              <a:defRPr sz="1400">
                 <a:solidFill>
                   <a:schemeClr val="tx1">
                     <a:tint val="75000"/>
@@ -1077,7 +1052,7 @@
             </a:lvl6pPr>
             <a:lvl7pPr marL="2743200" indent="0">
               <a:buNone/>
-              <a:defRPr sz="1600">
+              <a:defRPr sz="1400">
                 <a:solidFill>
                   <a:schemeClr val="tx1">
                     <a:tint val="75000"/>
@@ -1087,7 +1062,7 @@
             </a:lvl7pPr>
             <a:lvl8pPr marL="3200400" indent="0">
               <a:buNone/>
-              <a:defRPr sz="1600">
+              <a:defRPr sz="1400">
                 <a:solidFill>
                   <a:schemeClr val="tx1">
                     <a:tint val="75000"/>
@@ -1097,7 +1072,7 @@
             </a:lvl8pPr>
             <a:lvl9pPr marL="3657600" indent="0">
               <a:buNone/>
-              <a:defRPr sz="1600">
+              <a:defRPr sz="1400">
                 <a:solidFill>
                   <a:schemeClr val="tx1">
                     <a:tint val="75000"/>
@@ -1117,13 +1092,7 @@
       </p:sp>
       <p:sp>
         <p:nvSpPr>
-          <p:cNvPr id="4" name="Дата 3">
-            <a:extLst>
-              <a:ext uri="{FF2B5EF4-FFF2-40B4-BE49-F238E27FC236}">
-                <a16:creationId xmlns:a16="http://schemas.microsoft.com/office/drawing/2014/main" id="{B17CD5D8-EE79-427E-A84A-A6BE67738EFB}"/>
-              </a:ext>
-            </a:extLst>
-          </p:cNvPr>
+          <p:cNvPr id="4" name="Date Placeholder 3"/>
           <p:cNvSpPr>
             <a:spLocks noGrp="1"/>
           </p:cNvSpPr>
@@ -1138,7 +1107,7 @@
           <a:p>
             <a:fld id="{191AF15F-3945-47C9-AE07-E35D5231879B}" type="datetimeFigureOut">
               <a:rPr lang="ru-RU" smtClean="0"/>
-              <a:t>12.04.2022</a:t>
+              <a:t>14.04.2022</a:t>
             </a:fld>
             <a:endParaRPr lang="ru-RU"/>
           </a:p>
@@ -1146,13 +1115,7 @@
       </p:sp>
       <p:sp>
         <p:nvSpPr>
-          <p:cNvPr id="5" name="Нижний колонтитул 4">
-            <a:extLst>
-              <a:ext uri="{FF2B5EF4-FFF2-40B4-BE49-F238E27FC236}">
-                <a16:creationId xmlns:a16="http://schemas.microsoft.com/office/drawing/2014/main" id="{083D75EE-AF78-4F67-8DED-471B4FF86A27}"/>
-              </a:ext>
-            </a:extLst>
-          </p:cNvPr>
+          <p:cNvPr id="5" name="Footer Placeholder 4"/>
           <p:cNvSpPr>
             <a:spLocks noGrp="1"/>
           </p:cNvSpPr>
@@ -1171,13 +1134,7 @@
       </p:sp>
       <p:sp>
         <p:nvSpPr>
-          <p:cNvPr id="6" name="Номер слайда 5">
-            <a:extLst>
-              <a:ext uri="{FF2B5EF4-FFF2-40B4-BE49-F238E27FC236}">
-                <a16:creationId xmlns:a16="http://schemas.microsoft.com/office/drawing/2014/main" id="{1AF07ED2-1E00-4A48-ACFB-196E73799B2B}"/>
-              </a:ext>
-            </a:extLst>
-          </p:cNvPr>
+          <p:cNvPr id="6" name="Slide Number Placeholder 5"/>
           <p:cNvSpPr>
             <a:spLocks noGrp="1"/>
           </p:cNvSpPr>
@@ -1198,10 +1155,48 @@
           </a:p>
         </p:txBody>
       </p:sp>
+      <p:sp>
+        <p:nvSpPr>
+          <p:cNvPr id="7" name="Rectangle 6"/>
+          <p:cNvSpPr/>
+          <p:nvPr/>
+        </p:nvSpPr>
+        <p:spPr>
+          <a:xfrm>
+            <a:off x="0" y="0"/>
+            <a:ext cx="457200" cy="6858000"/>
+          </a:xfrm>
+          <a:prstGeom prst="rect">
+            <a:avLst/>
+          </a:prstGeom>
+          <a:solidFill>
+            <a:schemeClr val="accent1"/>
+          </a:solidFill>
+          <a:ln>
+            <a:noFill/>
+          </a:ln>
+        </p:spPr>
+        <p:style>
+          <a:lnRef idx="2">
+            <a:schemeClr val="accent1">
+              <a:shade val="50000"/>
+            </a:schemeClr>
+          </a:lnRef>
+          <a:fillRef idx="1">
+            <a:schemeClr val="accent1"/>
+          </a:fillRef>
+          <a:effectRef idx="0">
+            <a:schemeClr val="accent1"/>
+          </a:effectRef>
+          <a:fontRef idx="minor">
+            <a:schemeClr val="lt1"/>
+          </a:fontRef>
+        </p:style>
+      </p:sp>
     </p:spTree>
     <p:extLst>
       <p:ext uri="{BB962C8B-B14F-4D97-AF65-F5344CB8AC3E}">
-        <p14:creationId xmlns:p14="http://schemas.microsoft.com/office/powerpoint/2010/main" val="3837865402"/>
+        <p14:creationId xmlns:p14="http://schemas.microsoft.com/office/powerpoint/2010/main" val="1830178301"/>
       </p:ext>
     </p:extLst>
   </p:cSld>
@@ -1230,13 +1225,7 @@
       </p:grpSpPr>
       <p:sp>
         <p:nvSpPr>
-          <p:cNvPr id="2" name="Заголовок 1">
-            <a:extLst>
-              <a:ext uri="{FF2B5EF4-FFF2-40B4-BE49-F238E27FC236}">
-                <a16:creationId xmlns:a16="http://schemas.microsoft.com/office/drawing/2014/main" id="{23C422D9-A416-4C80-BC81-A323679E66DE}"/>
-              </a:ext>
-            </a:extLst>
-          </p:cNvPr>
+          <p:cNvPr id="2" name="Title 1"/>
           <p:cNvSpPr>
             <a:spLocks noGrp="1"/>
           </p:cNvSpPr>
@@ -1253,18 +1242,13 @@
               <a:rPr lang="ru-RU"/>
               <a:t>Образец заголовка</a:t>
             </a:r>
-          </a:p>
-        </p:txBody>
-      </p:sp>
-      <p:sp>
-        <p:nvSpPr>
-          <p:cNvPr id="3" name="Объект 2">
-            <a:extLst>
-              <a:ext uri="{FF2B5EF4-FFF2-40B4-BE49-F238E27FC236}">
-                <a16:creationId xmlns:a16="http://schemas.microsoft.com/office/drawing/2014/main" id="{BCE00FB3-1E6B-4FB9-A0F8-DBB55153F314}"/>
-              </a:ext>
-            </a:extLst>
-          </p:cNvPr>
+            <a:endParaRPr lang="en-US" dirty="0"/>
+          </a:p>
+        </p:txBody>
+      </p:sp>
+      <p:sp>
+        <p:nvSpPr>
+          <p:cNvPr id="3" name="Content Placeholder 2"/>
           <p:cNvSpPr>
             <a:spLocks noGrp="1"/>
           </p:cNvSpPr>
@@ -1274,13 +1258,41 @@
         </p:nvSpPr>
         <p:spPr>
           <a:xfrm>
-            <a:off x="838200" y="1825625"/>
-            <a:ext cx="5181600" cy="4351338"/>
+            <a:off x="1261872" y="1828800"/>
+            <a:ext cx="4480560" cy="4351337"/>
           </a:xfrm>
         </p:spPr>
         <p:txBody>
           <a:bodyPr/>
-          <a:lstStyle/>
+          <a:lstStyle>
+            <a:lvl1pPr>
+              <a:defRPr sz="1800"/>
+            </a:lvl1pPr>
+            <a:lvl2pPr>
+              <a:defRPr sz="1600"/>
+            </a:lvl2pPr>
+            <a:lvl3pPr>
+              <a:defRPr sz="1400"/>
+            </a:lvl3pPr>
+            <a:lvl4pPr>
+              <a:defRPr sz="1400"/>
+            </a:lvl4pPr>
+            <a:lvl5pPr>
+              <a:defRPr sz="1400"/>
+            </a:lvl5pPr>
+            <a:lvl6pPr>
+              <a:defRPr sz="1400"/>
+            </a:lvl6pPr>
+            <a:lvl7pPr>
+              <a:defRPr sz="1400"/>
+            </a:lvl7pPr>
+            <a:lvl8pPr>
+              <a:defRPr sz="1400"/>
+            </a:lvl8pPr>
+            <a:lvl9pPr>
+              <a:defRPr sz="1400"/>
+            </a:lvl9pPr>
+          </a:lstStyle>
           <a:p>
             <a:pPr lvl="0"/>
             <a:r>
@@ -1315,18 +1327,13 @@
               <a:rPr lang="ru-RU"/>
               <a:t>Пятый уровень</a:t>
             </a:r>
-          </a:p>
-        </p:txBody>
-      </p:sp>
-      <p:sp>
-        <p:nvSpPr>
-          <p:cNvPr id="4" name="Объект 3">
-            <a:extLst>
-              <a:ext uri="{FF2B5EF4-FFF2-40B4-BE49-F238E27FC236}">
-                <a16:creationId xmlns:a16="http://schemas.microsoft.com/office/drawing/2014/main" id="{09109492-58AD-4DA8-9D68-C778D6FECAC3}"/>
-              </a:ext>
-            </a:extLst>
-          </p:cNvPr>
+            <a:endParaRPr lang="en-US" dirty="0"/>
+          </a:p>
+        </p:txBody>
+      </p:sp>
+      <p:sp>
+        <p:nvSpPr>
+          <p:cNvPr id="4" name="Content Placeholder 3"/>
           <p:cNvSpPr>
             <a:spLocks noGrp="1"/>
           </p:cNvSpPr>
@@ -1336,13 +1343,41 @@
         </p:nvSpPr>
         <p:spPr>
           <a:xfrm>
-            <a:off x="6172200" y="1825625"/>
-            <a:ext cx="5181600" cy="4351338"/>
+            <a:off x="6126480" y="1828800"/>
+            <a:ext cx="4480560" cy="4351337"/>
           </a:xfrm>
         </p:spPr>
         <p:txBody>
           <a:bodyPr/>
-          <a:lstStyle/>
+          <a:lstStyle>
+            <a:lvl1pPr>
+              <a:defRPr sz="1800"/>
+            </a:lvl1pPr>
+            <a:lvl2pPr>
+              <a:defRPr sz="1600"/>
+            </a:lvl2pPr>
+            <a:lvl3pPr>
+              <a:defRPr sz="1400"/>
+            </a:lvl3pPr>
+            <a:lvl4pPr>
+              <a:defRPr sz="1400"/>
+            </a:lvl4pPr>
+            <a:lvl5pPr>
+              <a:defRPr sz="1400"/>
+            </a:lvl5pPr>
+            <a:lvl6pPr>
+              <a:defRPr sz="1400"/>
+            </a:lvl6pPr>
+            <a:lvl7pPr>
+              <a:defRPr sz="1400"/>
+            </a:lvl7pPr>
+            <a:lvl8pPr>
+              <a:defRPr sz="1400"/>
+            </a:lvl8pPr>
+            <a:lvl9pPr>
+              <a:defRPr sz="1400"/>
+            </a:lvl9pPr>
+          </a:lstStyle>
           <a:p>
             <a:pPr lvl="0"/>
             <a:r>
@@ -1377,18 +1412,13 @@
               <a:rPr lang="ru-RU"/>
               <a:t>Пятый уровень</a:t>
             </a:r>
-          </a:p>
-        </p:txBody>
-      </p:sp>
-      <p:sp>
-        <p:nvSpPr>
-          <p:cNvPr id="5" name="Дата 4">
-            <a:extLst>
-              <a:ext uri="{FF2B5EF4-FFF2-40B4-BE49-F238E27FC236}">
-                <a16:creationId xmlns:a16="http://schemas.microsoft.com/office/drawing/2014/main" id="{AFB1874D-0A25-4843-8321-72E46C679543}"/>
-              </a:ext>
-            </a:extLst>
-          </p:cNvPr>
+            <a:endParaRPr lang="en-US" dirty="0"/>
+          </a:p>
+        </p:txBody>
+      </p:sp>
+      <p:sp>
+        <p:nvSpPr>
+          <p:cNvPr id="5" name="Date Placeholder 4"/>
           <p:cNvSpPr>
             <a:spLocks noGrp="1"/>
           </p:cNvSpPr>
@@ -1403,7 +1433,7 @@
           <a:p>
             <a:fld id="{191AF15F-3945-47C9-AE07-E35D5231879B}" type="datetimeFigureOut">
               <a:rPr lang="ru-RU" smtClean="0"/>
-              <a:t>12.04.2022</a:t>
+              <a:t>14.04.2022</a:t>
             </a:fld>
             <a:endParaRPr lang="ru-RU"/>
           </a:p>
@@ -1411,13 +1441,7 @@
       </p:sp>
       <p:sp>
         <p:nvSpPr>
-          <p:cNvPr id="6" name="Нижний колонтитул 5">
-            <a:extLst>
-              <a:ext uri="{FF2B5EF4-FFF2-40B4-BE49-F238E27FC236}">
-                <a16:creationId xmlns:a16="http://schemas.microsoft.com/office/drawing/2014/main" id="{9687EBB9-33CF-4F00-8B20-09BB61DD8843}"/>
-              </a:ext>
-            </a:extLst>
-          </p:cNvPr>
+          <p:cNvPr id="6" name="Footer Placeholder 5"/>
           <p:cNvSpPr>
             <a:spLocks noGrp="1"/>
           </p:cNvSpPr>
@@ -1436,13 +1460,7 @@
       </p:sp>
       <p:sp>
         <p:nvSpPr>
-          <p:cNvPr id="7" name="Номер слайда 6">
-            <a:extLst>
-              <a:ext uri="{FF2B5EF4-FFF2-40B4-BE49-F238E27FC236}">
-                <a16:creationId xmlns:a16="http://schemas.microsoft.com/office/drawing/2014/main" id="{803EC7E6-073C-4AF1-9B65-CDEA15C73D2F}"/>
-              </a:ext>
-            </a:extLst>
-          </p:cNvPr>
+          <p:cNvPr id="7" name="Slide Number Placeholder 6"/>
           <p:cNvSpPr>
             <a:spLocks noGrp="1"/>
           </p:cNvSpPr>
@@ -1466,7 +1484,7 @@
     </p:spTree>
     <p:extLst>
       <p:ext uri="{BB962C8B-B14F-4D97-AF65-F5344CB8AC3E}">
-        <p14:creationId xmlns:p14="http://schemas.microsoft.com/office/powerpoint/2010/main" val="3041499753"/>
+        <p14:creationId xmlns:p14="http://schemas.microsoft.com/office/powerpoint/2010/main" val="3277779325"/>
       </p:ext>
     </p:extLst>
   </p:cSld>
@@ -1495,65 +1513,58 @@
       </p:grpSpPr>
       <p:sp>
         <p:nvSpPr>
-          <p:cNvPr id="2" name="Заголовок 1">
-            <a:extLst>
-              <a:ext uri="{FF2B5EF4-FFF2-40B4-BE49-F238E27FC236}">
-                <a16:creationId xmlns:a16="http://schemas.microsoft.com/office/drawing/2014/main" id="{79C2FF73-95BB-40FF-9F7A-426088B804AD}"/>
-              </a:ext>
-            </a:extLst>
-          </p:cNvPr>
+          <p:cNvPr id="10" name="Title 9"/>
           <p:cNvSpPr>
             <a:spLocks noGrp="1"/>
           </p:cNvSpPr>
           <p:nvPr>
             <p:ph type="title"/>
+          </p:nvPr>
+        </p:nvSpPr>
+        <p:spPr/>
+        <p:txBody>
+          <a:bodyPr/>
+          <a:lstStyle/>
+          <a:p>
+            <a:r>
+              <a:rPr lang="ru-RU"/>
+              <a:t>Образец заголовка</a:t>
+            </a:r>
+            <a:endParaRPr lang="en-US" dirty="0"/>
+          </a:p>
+        </p:txBody>
+      </p:sp>
+      <p:sp>
+        <p:nvSpPr>
+          <p:cNvPr id="3" name="Text Placeholder 2"/>
+          <p:cNvSpPr>
+            <a:spLocks noGrp="1"/>
+          </p:cNvSpPr>
+          <p:nvPr>
+            <p:ph type="body" idx="1"/>
           </p:nvPr>
         </p:nvSpPr>
         <p:spPr>
           <a:xfrm>
-            <a:off x="839788" y="365125"/>
-            <a:ext cx="10515600" cy="1325563"/>
+            <a:off x="1261872" y="1713655"/>
+            <a:ext cx="4480560" cy="731520"/>
           </a:xfrm>
         </p:spPr>
         <p:txBody>
-          <a:bodyPr/>
-          <a:lstStyle/>
-          <a:p>
-            <a:r>
-              <a:rPr lang="ru-RU"/>
-              <a:t>Образец заголовка</a:t>
-            </a:r>
-          </a:p>
-        </p:txBody>
-      </p:sp>
-      <p:sp>
-        <p:nvSpPr>
-          <p:cNvPr id="3" name="Текст 2">
-            <a:extLst>
-              <a:ext uri="{FF2B5EF4-FFF2-40B4-BE49-F238E27FC236}">
-                <a16:creationId xmlns:a16="http://schemas.microsoft.com/office/drawing/2014/main" id="{1032B9BD-04BB-4D77-A482-DDF9215F927B}"/>
-              </a:ext>
-            </a:extLst>
-          </p:cNvPr>
-          <p:cNvSpPr>
-            <a:spLocks noGrp="1"/>
-          </p:cNvSpPr>
-          <p:nvPr>
-            <p:ph type="body" idx="1"/>
-          </p:nvPr>
-        </p:nvSpPr>
-        <p:spPr>
-          <a:xfrm>
-            <a:off x="839788" y="1681163"/>
-            <a:ext cx="5157787" cy="823912"/>
-          </a:xfrm>
-        </p:spPr>
-        <p:txBody>
-          <a:bodyPr anchor="b"/>
+          <a:bodyPr anchor="b">
+            <a:normAutofit/>
+          </a:bodyPr>
           <a:lstStyle>
             <a:lvl1pPr marL="0" indent="0">
-              <a:buNone/>
-              <a:defRPr sz="2400" b="1"/>
+              <a:spcBef>
+                <a:spcPts val="0"/>
+              </a:spcBef>
+              <a:buNone/>
+              <a:defRPr sz="2000" b="0">
+                <a:solidFill>
+                  <a:schemeClr val="tx2"/>
+                </a:solidFill>
+              </a:defRPr>
             </a:lvl1pPr>
             <a:lvl2pPr marL="457200" indent="0">
               <a:buNone/>
@@ -1599,13 +1610,7 @@
       </p:sp>
       <p:sp>
         <p:nvSpPr>
-          <p:cNvPr id="4" name="Объект 3">
-            <a:extLst>
-              <a:ext uri="{FF2B5EF4-FFF2-40B4-BE49-F238E27FC236}">
-                <a16:creationId xmlns:a16="http://schemas.microsoft.com/office/drawing/2014/main" id="{C776AC2B-9A0F-487F-8A8B-CEE5EC336D2B}"/>
-              </a:ext>
-            </a:extLst>
-          </p:cNvPr>
+          <p:cNvPr id="4" name="Content Placeholder 3"/>
           <p:cNvSpPr>
             <a:spLocks noGrp="1"/>
           </p:cNvSpPr>
@@ -1615,13 +1620,41 @@
         </p:nvSpPr>
         <p:spPr>
           <a:xfrm>
-            <a:off x="839788" y="2505075"/>
-            <a:ext cx="5157787" cy="3684588"/>
+            <a:off x="1261872" y="2507550"/>
+            <a:ext cx="4480560" cy="3664650"/>
           </a:xfrm>
         </p:spPr>
         <p:txBody>
           <a:bodyPr/>
-          <a:lstStyle/>
+          <a:lstStyle>
+            <a:lvl1pPr>
+              <a:defRPr sz="1800"/>
+            </a:lvl1pPr>
+            <a:lvl2pPr>
+              <a:defRPr sz="1600"/>
+            </a:lvl2pPr>
+            <a:lvl3pPr>
+              <a:defRPr sz="1400"/>
+            </a:lvl3pPr>
+            <a:lvl4pPr>
+              <a:defRPr sz="1400"/>
+            </a:lvl4pPr>
+            <a:lvl5pPr>
+              <a:defRPr sz="1400"/>
+            </a:lvl5pPr>
+            <a:lvl6pPr>
+              <a:defRPr sz="1400"/>
+            </a:lvl6pPr>
+            <a:lvl7pPr>
+              <a:defRPr sz="1400"/>
+            </a:lvl7pPr>
+            <a:lvl8pPr>
+              <a:defRPr sz="1400"/>
+            </a:lvl8pPr>
+            <a:lvl9pPr>
+              <a:defRPr sz="1400"/>
+            </a:lvl9pPr>
+          </a:lstStyle>
           <a:p>
             <a:pPr lvl="0"/>
             <a:r>
@@ -1656,18 +1689,13 @@
               <a:rPr lang="ru-RU"/>
               <a:t>Пятый уровень</a:t>
             </a:r>
-          </a:p>
-        </p:txBody>
-      </p:sp>
-      <p:sp>
-        <p:nvSpPr>
-          <p:cNvPr id="5" name="Текст 4">
-            <a:extLst>
-              <a:ext uri="{FF2B5EF4-FFF2-40B4-BE49-F238E27FC236}">
-                <a16:creationId xmlns:a16="http://schemas.microsoft.com/office/drawing/2014/main" id="{531E0831-5D49-434C-BFD1-8871568E181A}"/>
-              </a:ext>
-            </a:extLst>
-          </p:cNvPr>
+            <a:endParaRPr lang="en-US" dirty="0"/>
+          </a:p>
+        </p:txBody>
+      </p:sp>
+      <p:sp>
+        <p:nvSpPr>
+          <p:cNvPr id="5" name="Text Placeholder 4"/>
           <p:cNvSpPr>
             <a:spLocks noGrp="1"/>
           </p:cNvSpPr>
@@ -1677,16 +1705,31 @@
         </p:nvSpPr>
         <p:spPr>
           <a:xfrm>
-            <a:off x="6172200" y="1681163"/>
-            <a:ext cx="5183188" cy="823912"/>
+            <a:off x="6126480" y="1713655"/>
+            <a:ext cx="4480560" cy="731520"/>
           </a:xfrm>
         </p:spPr>
         <p:txBody>
-          <a:bodyPr anchor="b"/>
+          <a:bodyPr anchor="b">
+            <a:normAutofit/>
+          </a:bodyPr>
           <a:lstStyle>
             <a:lvl1pPr marL="0" indent="0">
-              <a:buNone/>
-              <a:defRPr sz="2400" b="1"/>
+              <a:lnSpc>
+                <a:spcPct val="95000"/>
+              </a:lnSpc>
+              <a:spcBef>
+                <a:spcPts val="0"/>
+              </a:spcBef>
+              <a:buNone/>
+              <a:defRPr lang="en-US" sz="2000" b="0" kern="1200" dirty="0">
+                <a:solidFill>
+                  <a:schemeClr val="tx2"/>
+                </a:solidFill>
+                <a:latin typeface="+mn-lt"/>
+                <a:ea typeface="+mn-ea"/>
+                <a:cs typeface="+mn-cs"/>
+              </a:defRPr>
             </a:lvl1pPr>
             <a:lvl2pPr marL="457200" indent="0">
               <a:buNone/>
@@ -1722,7 +1765,16 @@
             </a:lvl9pPr>
           </a:lstStyle>
           <a:p>
-            <a:pPr lvl="0"/>
+            <a:pPr marL="0" lvl="0" indent="0" algn="l" defTabSz="914400" rtl="0" eaLnBrk="1" latinLnBrk="0" hangingPunct="1">
+              <a:lnSpc>
+                <a:spcPct val="90000"/>
+              </a:lnSpc>
+              <a:spcBef>
+                <a:spcPts val="2000"/>
+              </a:spcBef>
+              <a:buFontTx/>
+              <a:buNone/>
+            </a:pPr>
             <a:r>
               <a:rPr lang="ru-RU"/>
               <a:t>Образец текста</a:t>
@@ -1732,13 +1784,7 @@
       </p:sp>
       <p:sp>
         <p:nvSpPr>
-          <p:cNvPr id="6" name="Объект 5">
-            <a:extLst>
-              <a:ext uri="{FF2B5EF4-FFF2-40B4-BE49-F238E27FC236}">
-                <a16:creationId xmlns:a16="http://schemas.microsoft.com/office/drawing/2014/main" id="{8ABC8710-7EFB-4577-AFDD-5E8A8A4C8CB9}"/>
-              </a:ext>
-            </a:extLst>
-          </p:cNvPr>
+          <p:cNvPr id="6" name="Content Placeholder 5"/>
           <p:cNvSpPr>
             <a:spLocks noGrp="1"/>
           </p:cNvSpPr>
@@ -1748,13 +1794,41 @@
         </p:nvSpPr>
         <p:spPr>
           <a:xfrm>
-            <a:off x="6172200" y="2505075"/>
-            <a:ext cx="5183188" cy="3684588"/>
+            <a:off x="6126480" y="2507550"/>
+            <a:ext cx="4480560" cy="3664650"/>
           </a:xfrm>
         </p:spPr>
         <p:txBody>
           <a:bodyPr/>
-          <a:lstStyle/>
+          <a:lstStyle>
+            <a:lvl1pPr>
+              <a:defRPr sz="1800"/>
+            </a:lvl1pPr>
+            <a:lvl2pPr>
+              <a:defRPr sz="1600"/>
+            </a:lvl2pPr>
+            <a:lvl3pPr>
+              <a:defRPr sz="1400"/>
+            </a:lvl3pPr>
+            <a:lvl4pPr>
+              <a:defRPr sz="1400"/>
+            </a:lvl4pPr>
+            <a:lvl5pPr>
+              <a:defRPr sz="1400"/>
+            </a:lvl5pPr>
+            <a:lvl6pPr>
+              <a:defRPr sz="1400"/>
+            </a:lvl6pPr>
+            <a:lvl7pPr>
+              <a:defRPr sz="1400"/>
+            </a:lvl7pPr>
+            <a:lvl8pPr>
+              <a:defRPr sz="1400"/>
+            </a:lvl8pPr>
+            <a:lvl9pPr>
+              <a:defRPr sz="1400"/>
+            </a:lvl9pPr>
+          </a:lstStyle>
           <a:p>
             <a:pPr lvl="0"/>
             <a:r>
@@ -1789,18 +1863,13 @@
               <a:rPr lang="ru-RU"/>
               <a:t>Пятый уровень</a:t>
             </a:r>
-          </a:p>
-        </p:txBody>
-      </p:sp>
-      <p:sp>
-        <p:nvSpPr>
-          <p:cNvPr id="7" name="Дата 6">
-            <a:extLst>
-              <a:ext uri="{FF2B5EF4-FFF2-40B4-BE49-F238E27FC236}">
-                <a16:creationId xmlns:a16="http://schemas.microsoft.com/office/drawing/2014/main" id="{DCB38118-70A1-47AE-A055-DF43CB758C32}"/>
-              </a:ext>
-            </a:extLst>
-          </p:cNvPr>
+            <a:endParaRPr lang="en-US" dirty="0"/>
+          </a:p>
+        </p:txBody>
+      </p:sp>
+      <p:sp>
+        <p:nvSpPr>
+          <p:cNvPr id="7" name="Date Placeholder 6"/>
           <p:cNvSpPr>
             <a:spLocks noGrp="1"/>
           </p:cNvSpPr>
@@ -1815,7 +1884,7 @@
           <a:p>
             <a:fld id="{191AF15F-3945-47C9-AE07-E35D5231879B}" type="datetimeFigureOut">
               <a:rPr lang="ru-RU" smtClean="0"/>
-              <a:t>12.04.2022</a:t>
+              <a:t>14.04.2022</a:t>
             </a:fld>
             <a:endParaRPr lang="ru-RU"/>
           </a:p>
@@ -1823,13 +1892,7 @@
       </p:sp>
       <p:sp>
         <p:nvSpPr>
-          <p:cNvPr id="8" name="Нижний колонтитул 7">
-            <a:extLst>
-              <a:ext uri="{FF2B5EF4-FFF2-40B4-BE49-F238E27FC236}">
-                <a16:creationId xmlns:a16="http://schemas.microsoft.com/office/drawing/2014/main" id="{FCB96ABE-0C81-4E6F-B977-F345580EABBD}"/>
-              </a:ext>
-            </a:extLst>
-          </p:cNvPr>
+          <p:cNvPr id="8" name="Footer Placeholder 7"/>
           <p:cNvSpPr>
             <a:spLocks noGrp="1"/>
           </p:cNvSpPr>
@@ -1848,13 +1911,7 @@
       </p:sp>
       <p:sp>
         <p:nvSpPr>
-          <p:cNvPr id="9" name="Номер слайда 8">
-            <a:extLst>
-              <a:ext uri="{FF2B5EF4-FFF2-40B4-BE49-F238E27FC236}">
-                <a16:creationId xmlns:a16="http://schemas.microsoft.com/office/drawing/2014/main" id="{C7D79314-159E-492E-B779-3768F63A5D72}"/>
-              </a:ext>
-            </a:extLst>
-          </p:cNvPr>
+          <p:cNvPr id="9" name="Slide Number Placeholder 8"/>
           <p:cNvSpPr>
             <a:spLocks noGrp="1"/>
           </p:cNvSpPr>
@@ -1878,7 +1935,7 @@
     </p:spTree>
     <p:extLst>
       <p:ext uri="{BB962C8B-B14F-4D97-AF65-F5344CB8AC3E}">
-        <p14:creationId xmlns:p14="http://schemas.microsoft.com/office/powerpoint/2010/main" val="3068042977"/>
+        <p14:creationId xmlns:p14="http://schemas.microsoft.com/office/powerpoint/2010/main" val="3199993407"/>
       </p:ext>
     </p:extLst>
   </p:cSld>
@@ -1907,13 +1964,7 @@
       </p:grpSpPr>
       <p:sp>
         <p:nvSpPr>
-          <p:cNvPr id="2" name="Заголовок 1">
-            <a:extLst>
-              <a:ext uri="{FF2B5EF4-FFF2-40B4-BE49-F238E27FC236}">
-                <a16:creationId xmlns:a16="http://schemas.microsoft.com/office/drawing/2014/main" id="{EBE1C802-6BF7-4F60-83A6-114CBEA845FA}"/>
-              </a:ext>
-            </a:extLst>
-          </p:cNvPr>
+          <p:cNvPr id="6" name="Title 5"/>
           <p:cNvSpPr>
             <a:spLocks noGrp="1"/>
           </p:cNvSpPr>
@@ -1930,18 +1981,13 @@
               <a:rPr lang="ru-RU"/>
               <a:t>Образец заголовка</a:t>
             </a:r>
-          </a:p>
-        </p:txBody>
-      </p:sp>
-      <p:sp>
-        <p:nvSpPr>
-          <p:cNvPr id="3" name="Дата 2">
-            <a:extLst>
-              <a:ext uri="{FF2B5EF4-FFF2-40B4-BE49-F238E27FC236}">
-                <a16:creationId xmlns:a16="http://schemas.microsoft.com/office/drawing/2014/main" id="{1424BDB5-3151-4A0F-9C70-9F493D72ACE3}"/>
-              </a:ext>
-            </a:extLst>
-          </p:cNvPr>
+            <a:endParaRPr lang="en-US" dirty="0"/>
+          </a:p>
+        </p:txBody>
+      </p:sp>
+      <p:sp>
+        <p:nvSpPr>
+          <p:cNvPr id="3" name="Date Placeholder 2"/>
           <p:cNvSpPr>
             <a:spLocks noGrp="1"/>
           </p:cNvSpPr>
@@ -1956,7 +2002,7 @@
           <a:p>
             <a:fld id="{191AF15F-3945-47C9-AE07-E35D5231879B}" type="datetimeFigureOut">
               <a:rPr lang="ru-RU" smtClean="0"/>
-              <a:t>12.04.2022</a:t>
+              <a:t>14.04.2022</a:t>
             </a:fld>
             <a:endParaRPr lang="ru-RU"/>
           </a:p>
@@ -1964,13 +2010,7 @@
       </p:sp>
       <p:sp>
         <p:nvSpPr>
-          <p:cNvPr id="4" name="Нижний колонтитул 3">
-            <a:extLst>
-              <a:ext uri="{FF2B5EF4-FFF2-40B4-BE49-F238E27FC236}">
-                <a16:creationId xmlns:a16="http://schemas.microsoft.com/office/drawing/2014/main" id="{87C0FE73-7A48-46D5-8C45-4810E97145A1}"/>
-              </a:ext>
-            </a:extLst>
-          </p:cNvPr>
+          <p:cNvPr id="4" name="Footer Placeholder 3"/>
           <p:cNvSpPr>
             <a:spLocks noGrp="1"/>
           </p:cNvSpPr>
@@ -1989,13 +2029,7 @@
       </p:sp>
       <p:sp>
         <p:nvSpPr>
-          <p:cNvPr id="5" name="Номер слайда 4">
-            <a:extLst>
-              <a:ext uri="{FF2B5EF4-FFF2-40B4-BE49-F238E27FC236}">
-                <a16:creationId xmlns:a16="http://schemas.microsoft.com/office/drawing/2014/main" id="{93B2C997-51AF-426A-9D53-106C1E50B898}"/>
-              </a:ext>
-            </a:extLst>
-          </p:cNvPr>
+          <p:cNvPr id="5" name="Slide Number Placeholder 4"/>
           <p:cNvSpPr>
             <a:spLocks noGrp="1"/>
           </p:cNvSpPr>
@@ -2019,7 +2053,7 @@
     </p:spTree>
     <p:extLst>
       <p:ext uri="{BB962C8B-B14F-4D97-AF65-F5344CB8AC3E}">
-        <p14:creationId xmlns:p14="http://schemas.microsoft.com/office/powerpoint/2010/main" val="2526884394"/>
+        <p14:creationId xmlns:p14="http://schemas.microsoft.com/office/powerpoint/2010/main" val="1194266931"/>
       </p:ext>
     </p:extLst>
   </p:cSld>
@@ -2048,13 +2082,7 @@
       </p:grpSpPr>
       <p:sp>
         <p:nvSpPr>
-          <p:cNvPr id="2" name="Дата 1">
-            <a:extLst>
-              <a:ext uri="{FF2B5EF4-FFF2-40B4-BE49-F238E27FC236}">
-                <a16:creationId xmlns:a16="http://schemas.microsoft.com/office/drawing/2014/main" id="{276593E5-7129-4FE5-BEF0-1F6ABDB6632D}"/>
-              </a:ext>
-            </a:extLst>
-          </p:cNvPr>
+          <p:cNvPr id="2" name="Date Placeholder 1"/>
           <p:cNvSpPr>
             <a:spLocks noGrp="1"/>
           </p:cNvSpPr>
@@ -2069,7 +2097,7 @@
           <a:p>
             <a:fld id="{191AF15F-3945-47C9-AE07-E35D5231879B}" type="datetimeFigureOut">
               <a:rPr lang="ru-RU" smtClean="0"/>
-              <a:t>12.04.2022</a:t>
+              <a:t>14.04.2022</a:t>
             </a:fld>
             <a:endParaRPr lang="ru-RU"/>
           </a:p>
@@ -2077,13 +2105,7 @@
       </p:sp>
       <p:sp>
         <p:nvSpPr>
-          <p:cNvPr id="3" name="Нижний колонтитул 2">
-            <a:extLst>
-              <a:ext uri="{FF2B5EF4-FFF2-40B4-BE49-F238E27FC236}">
-                <a16:creationId xmlns:a16="http://schemas.microsoft.com/office/drawing/2014/main" id="{32B9399B-A497-4D90-8B66-ADD54894EF5E}"/>
-              </a:ext>
-            </a:extLst>
-          </p:cNvPr>
+          <p:cNvPr id="3" name="Footer Placeholder 2"/>
           <p:cNvSpPr>
             <a:spLocks noGrp="1"/>
           </p:cNvSpPr>
@@ -2102,13 +2124,7 @@
       </p:sp>
       <p:sp>
         <p:nvSpPr>
-          <p:cNvPr id="4" name="Номер слайда 3">
-            <a:extLst>
-              <a:ext uri="{FF2B5EF4-FFF2-40B4-BE49-F238E27FC236}">
-                <a16:creationId xmlns:a16="http://schemas.microsoft.com/office/drawing/2014/main" id="{F639EB6E-A229-4E8F-91B9-09C7888333D5}"/>
-              </a:ext>
-            </a:extLst>
-          </p:cNvPr>
+          <p:cNvPr id="4" name="Slide Number Placeholder 3"/>
           <p:cNvSpPr>
             <a:spLocks noGrp="1"/>
           </p:cNvSpPr>
@@ -2132,7 +2148,7 @@
     </p:spTree>
     <p:extLst>
       <p:ext uri="{BB962C8B-B14F-4D97-AF65-F5344CB8AC3E}">
-        <p14:creationId xmlns:p14="http://schemas.microsoft.com/office/powerpoint/2010/main" val="2900580208"/>
+        <p14:creationId xmlns:p14="http://schemas.microsoft.com/office/powerpoint/2010/main" val="2942407362"/>
       </p:ext>
     </p:extLst>
   </p:cSld>
@@ -2161,13 +2177,7 @@
       </p:grpSpPr>
       <p:sp>
         <p:nvSpPr>
-          <p:cNvPr id="2" name="Заголовок 1">
-            <a:extLst>
-              <a:ext uri="{FF2B5EF4-FFF2-40B4-BE49-F238E27FC236}">
-                <a16:creationId xmlns:a16="http://schemas.microsoft.com/office/drawing/2014/main" id="{E40C6880-3909-4241-A8D0-38BF0C0EC14B}"/>
-              </a:ext>
-            </a:extLst>
-          </p:cNvPr>
+          <p:cNvPr id="2" name="Title 1"/>
           <p:cNvSpPr>
             <a:spLocks noGrp="1"/>
           </p:cNvSpPr>
@@ -2177,15 +2187,17 @@
         </p:nvSpPr>
         <p:spPr>
           <a:xfrm>
-            <a:off x="839788" y="457200"/>
-            <a:ext cx="3932237" cy="1600200"/>
+            <a:off x="841248" y="457200"/>
+            <a:ext cx="3200400" cy="1600197"/>
           </a:xfrm>
         </p:spPr>
         <p:txBody>
-          <a:bodyPr anchor="b"/>
+          <a:bodyPr anchor="b">
+            <a:normAutofit/>
+          </a:bodyPr>
           <a:lstStyle>
             <a:lvl1pPr>
-              <a:defRPr sz="3200"/>
+              <a:defRPr sz="3200" b="0" baseline="0"/>
             </a:lvl1pPr>
           </a:lstStyle>
           <a:p>
@@ -2193,18 +2205,13 @@
               <a:rPr lang="ru-RU"/>
               <a:t>Образец заголовка</a:t>
             </a:r>
-          </a:p>
-        </p:txBody>
-      </p:sp>
-      <p:sp>
-        <p:nvSpPr>
-          <p:cNvPr id="3" name="Объект 2">
-            <a:extLst>
-              <a:ext uri="{FF2B5EF4-FFF2-40B4-BE49-F238E27FC236}">
-                <a16:creationId xmlns:a16="http://schemas.microsoft.com/office/drawing/2014/main" id="{D7B27D21-43E9-4559-B727-374E93BC5262}"/>
-              </a:ext>
-            </a:extLst>
-          </p:cNvPr>
+            <a:endParaRPr lang="en-US" dirty="0"/>
+          </a:p>
+        </p:txBody>
+      </p:sp>
+      <p:sp>
+        <p:nvSpPr>
+          <p:cNvPr id="3" name="Content Placeholder 2"/>
           <p:cNvSpPr>
             <a:spLocks noGrp="1"/>
           </p:cNvSpPr>
@@ -2214,39 +2221,39 @@
         </p:nvSpPr>
         <p:spPr>
           <a:xfrm>
-            <a:off x="5183188" y="987425"/>
-            <a:ext cx="6172200" cy="4873625"/>
+            <a:off x="4504267" y="685800"/>
+            <a:ext cx="6079066" cy="5486400"/>
           </a:xfrm>
         </p:spPr>
         <p:txBody>
           <a:bodyPr/>
           <a:lstStyle>
             <a:lvl1pPr>
-              <a:defRPr sz="3200"/>
+              <a:defRPr sz="2000"/>
             </a:lvl1pPr>
             <a:lvl2pPr>
-              <a:defRPr sz="2800"/>
+              <a:defRPr sz="1800"/>
             </a:lvl2pPr>
             <a:lvl3pPr>
-              <a:defRPr sz="2400"/>
+              <a:defRPr sz="1600"/>
             </a:lvl3pPr>
             <a:lvl4pPr>
-              <a:defRPr sz="2000"/>
+              <a:defRPr sz="1400"/>
             </a:lvl4pPr>
             <a:lvl5pPr>
-              <a:defRPr sz="2000"/>
+              <a:defRPr sz="1400"/>
             </a:lvl5pPr>
             <a:lvl6pPr>
-              <a:defRPr sz="2000"/>
+              <a:defRPr sz="1400"/>
             </a:lvl6pPr>
             <a:lvl7pPr>
-              <a:defRPr sz="2000"/>
+              <a:defRPr sz="1400"/>
             </a:lvl7pPr>
             <a:lvl8pPr>
-              <a:defRPr sz="2000"/>
+              <a:defRPr sz="1400"/>
             </a:lvl8pPr>
             <a:lvl9pPr>
-              <a:defRPr sz="2000"/>
+              <a:defRPr sz="1400"/>
             </a:lvl9pPr>
           </a:lstStyle>
           <a:p>
@@ -2283,18 +2290,13 @@
               <a:rPr lang="ru-RU"/>
               <a:t>Пятый уровень</a:t>
             </a:r>
-          </a:p>
-        </p:txBody>
-      </p:sp>
-      <p:sp>
-        <p:nvSpPr>
-          <p:cNvPr id="4" name="Текст 3">
-            <a:extLst>
-              <a:ext uri="{FF2B5EF4-FFF2-40B4-BE49-F238E27FC236}">
-                <a16:creationId xmlns:a16="http://schemas.microsoft.com/office/drawing/2014/main" id="{930F7D8D-0FE0-44FF-BE75-4A43C0554B6A}"/>
-              </a:ext>
-            </a:extLst>
-          </p:cNvPr>
+            <a:endParaRPr lang="en-US" dirty="0"/>
+          </a:p>
+        </p:txBody>
+      </p:sp>
+      <p:sp>
+        <p:nvSpPr>
+          <p:cNvPr id="4" name="Text Placeholder 3"/>
           <p:cNvSpPr>
             <a:spLocks noGrp="1"/>
           </p:cNvSpPr>
@@ -2304,48 +2306,56 @@
         </p:nvSpPr>
         <p:spPr>
           <a:xfrm>
-            <a:off x="839788" y="2057400"/>
-            <a:ext cx="3932237" cy="3811588"/>
+            <a:off x="841248" y="2099734"/>
+            <a:ext cx="3200400" cy="3810001"/>
           </a:xfrm>
         </p:spPr>
         <p:txBody>
-          <a:bodyPr/>
+          <a:bodyPr>
+            <a:normAutofit/>
+          </a:bodyPr>
           <a:lstStyle>
             <a:lvl1pPr marL="0" indent="0">
-              <a:buNone/>
-              <a:defRPr sz="1600"/>
+              <a:lnSpc>
+                <a:spcPct val="114000"/>
+              </a:lnSpc>
+              <a:spcBef>
+                <a:spcPts val="800"/>
+              </a:spcBef>
+              <a:buNone/>
+              <a:defRPr sz="1300"/>
             </a:lvl1pPr>
             <a:lvl2pPr marL="457200" indent="0">
               <a:buNone/>
-              <a:defRPr sz="1400"/>
+              <a:defRPr sz="1200"/>
             </a:lvl2pPr>
             <a:lvl3pPr marL="914400" indent="0">
               <a:buNone/>
-              <a:defRPr sz="1200"/>
+              <a:defRPr sz="1000"/>
             </a:lvl3pPr>
             <a:lvl4pPr marL="1371600" indent="0">
               <a:buNone/>
-              <a:defRPr sz="1000"/>
+              <a:defRPr sz="900"/>
             </a:lvl4pPr>
             <a:lvl5pPr marL="1828800" indent="0">
               <a:buNone/>
-              <a:defRPr sz="1000"/>
+              <a:defRPr sz="900"/>
             </a:lvl5pPr>
             <a:lvl6pPr marL="2286000" indent="0">
               <a:buNone/>
-              <a:defRPr sz="1000"/>
+              <a:defRPr sz="900"/>
             </a:lvl6pPr>
             <a:lvl7pPr marL="2743200" indent="0">
               <a:buNone/>
-              <a:defRPr sz="1000"/>
+              <a:defRPr sz="900"/>
             </a:lvl7pPr>
             <a:lvl8pPr marL="3200400" indent="0">
               <a:buNone/>
-              <a:defRPr sz="1000"/>
+              <a:defRPr sz="900"/>
             </a:lvl8pPr>
             <a:lvl9pPr marL="3657600" indent="0">
               <a:buNone/>
-              <a:defRPr sz="1000"/>
+              <a:defRPr sz="900"/>
             </a:lvl9pPr>
           </a:lstStyle>
           <a:p>
@@ -2359,13 +2369,7 @@
       </p:sp>
       <p:sp>
         <p:nvSpPr>
-          <p:cNvPr id="5" name="Дата 4">
-            <a:extLst>
-              <a:ext uri="{FF2B5EF4-FFF2-40B4-BE49-F238E27FC236}">
-                <a16:creationId xmlns:a16="http://schemas.microsoft.com/office/drawing/2014/main" id="{26A029EB-7537-4B00-9FC0-F2D807E25585}"/>
-              </a:ext>
-            </a:extLst>
-          </p:cNvPr>
+          <p:cNvPr id="5" name="Date Placeholder 4"/>
           <p:cNvSpPr>
             <a:spLocks noGrp="1"/>
           </p:cNvSpPr>
@@ -2380,7 +2384,7 @@
           <a:p>
             <a:fld id="{191AF15F-3945-47C9-AE07-E35D5231879B}" type="datetimeFigureOut">
               <a:rPr lang="ru-RU" smtClean="0"/>
-              <a:t>12.04.2022</a:t>
+              <a:t>14.04.2022</a:t>
             </a:fld>
             <a:endParaRPr lang="ru-RU"/>
           </a:p>
@@ -2388,13 +2392,7 @@
       </p:sp>
       <p:sp>
         <p:nvSpPr>
-          <p:cNvPr id="6" name="Нижний колонтитул 5">
-            <a:extLst>
-              <a:ext uri="{FF2B5EF4-FFF2-40B4-BE49-F238E27FC236}">
-                <a16:creationId xmlns:a16="http://schemas.microsoft.com/office/drawing/2014/main" id="{7A1330D8-B143-425A-BE72-1AD8334B5D1F}"/>
-              </a:ext>
-            </a:extLst>
-          </p:cNvPr>
+          <p:cNvPr id="6" name="Footer Placeholder 5"/>
           <p:cNvSpPr>
             <a:spLocks noGrp="1"/>
           </p:cNvSpPr>
@@ -2413,13 +2411,7 @@
       </p:sp>
       <p:sp>
         <p:nvSpPr>
-          <p:cNvPr id="7" name="Номер слайда 6">
-            <a:extLst>
-              <a:ext uri="{FF2B5EF4-FFF2-40B4-BE49-F238E27FC236}">
-                <a16:creationId xmlns:a16="http://schemas.microsoft.com/office/drawing/2014/main" id="{C9886E8F-FEA3-4E49-A8E6-5D64AE4F3310}"/>
-              </a:ext>
-            </a:extLst>
-          </p:cNvPr>
+          <p:cNvPr id="7" name="Slide Number Placeholder 6"/>
           <p:cNvSpPr>
             <a:spLocks noGrp="1"/>
           </p:cNvSpPr>
@@ -2443,7 +2435,7 @@
     </p:spTree>
     <p:extLst>
       <p:ext uri="{BB962C8B-B14F-4D97-AF65-F5344CB8AC3E}">
-        <p14:creationId xmlns:p14="http://schemas.microsoft.com/office/powerpoint/2010/main" val="4132951715"/>
+        <p14:creationId xmlns:p14="http://schemas.microsoft.com/office/powerpoint/2010/main" val="2564186701"/>
       </p:ext>
     </p:extLst>
   </p:cSld>
@@ -2472,31 +2464,69 @@
       </p:grpSpPr>
       <p:sp>
         <p:nvSpPr>
-          <p:cNvPr id="2" name="Заголовок 1">
-            <a:extLst>
-              <a:ext uri="{FF2B5EF4-FFF2-40B4-BE49-F238E27FC236}">
-                <a16:creationId xmlns:a16="http://schemas.microsoft.com/office/drawing/2014/main" id="{891EABE6-8D44-4D87-81FB-FEB4019192C6}"/>
-              </a:ext>
-            </a:extLst>
-          </p:cNvPr>
-          <p:cNvSpPr>
-            <a:spLocks noGrp="1"/>
-          </p:cNvSpPr>
-          <p:nvPr>
-            <p:ph type="title"/>
-          </p:nvPr>
+          <p:cNvPr id="8" name="Rectangle 7"/>
+          <p:cNvSpPr/>
+          <p:nvPr/>
         </p:nvSpPr>
         <p:spPr>
           <a:xfrm>
-            <a:off x="839788" y="457200"/>
-            <a:ext cx="3932237" cy="1600200"/>
+            <a:off x="0" y="5105400"/>
+            <a:ext cx="11292840" cy="1752600"/>
+          </a:xfrm>
+          <a:prstGeom prst="rect">
+            <a:avLst/>
+          </a:prstGeom>
+          <a:solidFill>
+            <a:srgbClr val="000000"/>
+          </a:solidFill>
+          <a:ln>
+            <a:noFill/>
+          </a:ln>
+        </p:spPr>
+        <p:style>
+          <a:lnRef idx="2">
+            <a:schemeClr val="accent1">
+              <a:shade val="50000"/>
+            </a:schemeClr>
+          </a:lnRef>
+          <a:fillRef idx="1">
+            <a:schemeClr val="accent1"/>
+          </a:fillRef>
+          <a:effectRef idx="0">
+            <a:schemeClr val="accent1"/>
+          </a:effectRef>
+          <a:fontRef idx="minor">
+            <a:schemeClr val="lt1"/>
+          </a:fontRef>
+        </p:style>
+      </p:sp>
+      <p:sp>
+        <p:nvSpPr>
+          <p:cNvPr id="2" name="Title 1"/>
+          <p:cNvSpPr>
+            <a:spLocks noGrp="1"/>
+          </p:cNvSpPr>
+          <p:nvPr>
+            <p:ph type="title"/>
+          </p:nvPr>
+        </p:nvSpPr>
+        <p:spPr>
+          <a:xfrm>
+            <a:off x="914400" y="5257800"/>
+            <a:ext cx="9982200" cy="914400"/>
           </a:xfrm>
         </p:spPr>
         <p:txBody>
-          <a:bodyPr anchor="b"/>
+          <a:bodyPr anchor="b">
+            <a:normAutofit/>
+          </a:bodyPr>
           <a:lstStyle>
             <a:lvl1pPr>
-              <a:defRPr sz="3200"/>
+              <a:defRPr sz="2800" b="0">
+                <a:solidFill>
+                  <a:schemeClr val="bg1"/>
+                </a:solidFill>
+              </a:defRPr>
             </a:lvl1pPr>
           </a:lstStyle>
           <a:p>
@@ -2504,20 +2534,15 @@
               <a:rPr lang="ru-RU"/>
               <a:t>Образец заголовка</a:t>
             </a:r>
-          </a:p>
-        </p:txBody>
-      </p:sp>
-      <p:sp>
-        <p:nvSpPr>
-          <p:cNvPr id="3" name="Рисунок 2">
-            <a:extLst>
-              <a:ext uri="{FF2B5EF4-FFF2-40B4-BE49-F238E27FC236}">
-                <a16:creationId xmlns:a16="http://schemas.microsoft.com/office/drawing/2014/main" id="{C5A464E3-9A40-4DDC-9C1C-F329702BEE5D}"/>
-              </a:ext>
-            </a:extLst>
-          </p:cNvPr>
-          <p:cNvSpPr>
-            <a:spLocks noGrp="1"/>
+            <a:endParaRPr lang="en-US" dirty="0"/>
+          </a:p>
+        </p:txBody>
+      </p:sp>
+      <p:sp>
+        <p:nvSpPr>
+          <p:cNvPr id="3" name="Picture Placeholder 2"/>
+          <p:cNvSpPr>
+            <a:spLocks noGrp="1" noChangeAspect="1"/>
           </p:cNvSpPr>
           <p:nvPr>
             <p:ph type="pic" idx="1"/>
@@ -2525,16 +2550,23 @@
         </p:nvSpPr>
         <p:spPr>
           <a:xfrm>
-            <a:off x="5183188" y="987425"/>
-            <a:ext cx="6172200" cy="4873625"/>
+            <a:off x="0" y="0"/>
+            <a:ext cx="11292840" cy="5128923"/>
           </a:xfrm>
+          <a:solidFill>
+            <a:schemeClr val="accent1"/>
+          </a:solidFill>
         </p:spPr>
         <p:txBody>
-          <a:bodyPr/>
+          <a:bodyPr anchor="t"/>
           <a:lstStyle>
             <a:lvl1pPr marL="0" indent="0">
               <a:buNone/>
-              <a:defRPr sz="3200"/>
+              <a:defRPr sz="3200">
+                <a:solidFill>
+                  <a:schemeClr val="bg1"/>
+                </a:solidFill>
+              </a:defRPr>
             </a:lvl1pPr>
             <a:lvl2pPr marL="457200" indent="0">
               <a:buNone/>
@@ -2570,19 +2602,17 @@
             </a:lvl9pPr>
           </a:lstStyle>
           <a:p>
-            <a:endParaRPr lang="ru-RU"/>
-          </a:p>
-        </p:txBody>
-      </p:sp>
-      <p:sp>
-        <p:nvSpPr>
-          <p:cNvPr id="4" name="Текст 3">
-            <a:extLst>
-              <a:ext uri="{FF2B5EF4-FFF2-40B4-BE49-F238E27FC236}">
-                <a16:creationId xmlns:a16="http://schemas.microsoft.com/office/drawing/2014/main" id="{1938E54F-BD50-410C-8F8E-0C02445D47CA}"/>
-              </a:ext>
-            </a:extLst>
-          </p:cNvPr>
+            <a:r>
+              <a:rPr lang="ru-RU"/>
+              <a:t>Вставка рисунка</a:t>
+            </a:r>
+            <a:endParaRPr lang="en-US" dirty="0"/>
+          </a:p>
+        </p:txBody>
+      </p:sp>
+      <p:sp>
+        <p:nvSpPr>
+          <p:cNvPr id="4" name="Text Placeholder 3"/>
           <p:cNvSpPr>
             <a:spLocks noGrp="1"/>
           </p:cNvSpPr>
@@ -2592,48 +2622,62 @@
         </p:nvSpPr>
         <p:spPr>
           <a:xfrm>
-            <a:off x="839788" y="2057400"/>
-            <a:ext cx="3932237" cy="3811588"/>
+            <a:off x="914400" y="6108589"/>
+            <a:ext cx="9982200" cy="597011"/>
           </a:xfrm>
         </p:spPr>
         <p:txBody>
-          <a:bodyPr/>
+          <a:bodyPr>
+            <a:normAutofit/>
+          </a:bodyPr>
           <a:lstStyle>
             <a:lvl1pPr marL="0" indent="0">
-              <a:buNone/>
-              <a:defRPr sz="1600"/>
+              <a:lnSpc>
+                <a:spcPct val="100000"/>
+              </a:lnSpc>
+              <a:spcBef>
+                <a:spcPts val="800"/>
+              </a:spcBef>
+              <a:buNone/>
+              <a:defRPr sz="1300">
+                <a:solidFill>
+                  <a:schemeClr val="bg1">
+                    <a:lumMod val="85000"/>
+                  </a:schemeClr>
+                </a:solidFill>
+              </a:defRPr>
             </a:lvl1pPr>
             <a:lvl2pPr marL="457200" indent="0">
               <a:buNone/>
-              <a:defRPr sz="1400"/>
+              <a:defRPr sz="1200"/>
             </a:lvl2pPr>
             <a:lvl3pPr marL="914400" indent="0">
               <a:buNone/>
-              <a:defRPr sz="1200"/>
+              <a:defRPr sz="1000"/>
             </a:lvl3pPr>
             <a:lvl4pPr marL="1371600" indent="0">
               <a:buNone/>
-              <a:defRPr sz="1000"/>
+              <a:defRPr sz="900"/>
             </a:lvl4pPr>
             <a:lvl5pPr marL="1828800" indent="0">
               <a:buNone/>
-              <a:defRPr sz="1000"/>
+              <a:defRPr sz="900"/>
             </a:lvl5pPr>
             <a:lvl6pPr marL="2286000" indent="0">
               <a:buNone/>
-              <a:defRPr sz="1000"/>
+              <a:defRPr sz="900"/>
             </a:lvl6pPr>
             <a:lvl7pPr marL="2743200" indent="0">
               <a:buNone/>
-              <a:defRPr sz="1000"/>
+              <a:defRPr sz="900"/>
             </a:lvl7pPr>
             <a:lvl8pPr marL="3200400" indent="0">
               <a:buNone/>
-              <a:defRPr sz="1000"/>
+              <a:defRPr sz="900"/>
             </a:lvl8pPr>
             <a:lvl9pPr marL="3657600" indent="0">
               <a:buNone/>
-              <a:defRPr sz="1000"/>
+              <a:defRPr sz="900"/>
             </a:lvl9pPr>
           </a:lstStyle>
           <a:p>
@@ -2647,13 +2691,7 @@
       </p:sp>
       <p:sp>
         <p:nvSpPr>
-          <p:cNvPr id="5" name="Дата 4">
-            <a:extLst>
-              <a:ext uri="{FF2B5EF4-FFF2-40B4-BE49-F238E27FC236}">
-                <a16:creationId xmlns:a16="http://schemas.microsoft.com/office/drawing/2014/main" id="{AB212152-9072-4EC2-834F-539435507947}"/>
-              </a:ext>
-            </a:extLst>
-          </p:cNvPr>
+          <p:cNvPr id="5" name="Date Placeholder 4"/>
           <p:cNvSpPr>
             <a:spLocks noGrp="1"/>
           </p:cNvSpPr>
@@ -2668,7 +2706,7 @@
           <a:p>
             <a:fld id="{191AF15F-3945-47C9-AE07-E35D5231879B}" type="datetimeFigureOut">
               <a:rPr lang="ru-RU" smtClean="0"/>
-              <a:t>12.04.2022</a:t>
+              <a:t>14.04.2022</a:t>
             </a:fld>
             <a:endParaRPr lang="ru-RU"/>
           </a:p>
@@ -2676,13 +2714,7 @@
       </p:sp>
       <p:sp>
         <p:nvSpPr>
-          <p:cNvPr id="6" name="Нижний колонтитул 5">
-            <a:extLst>
-              <a:ext uri="{FF2B5EF4-FFF2-40B4-BE49-F238E27FC236}">
-                <a16:creationId xmlns:a16="http://schemas.microsoft.com/office/drawing/2014/main" id="{5DE5447D-93E9-4CD6-AE96-6A806B8B6F89}"/>
-              </a:ext>
-            </a:extLst>
-          </p:cNvPr>
+          <p:cNvPr id="6" name="Footer Placeholder 5"/>
           <p:cNvSpPr>
             <a:spLocks noGrp="1"/>
           </p:cNvSpPr>
@@ -2701,13 +2733,7 @@
       </p:sp>
       <p:sp>
         <p:nvSpPr>
-          <p:cNvPr id="7" name="Номер слайда 6">
-            <a:extLst>
-              <a:ext uri="{FF2B5EF4-FFF2-40B4-BE49-F238E27FC236}">
-                <a16:creationId xmlns:a16="http://schemas.microsoft.com/office/drawing/2014/main" id="{BF1C15BC-ED55-452B-B226-43F5BEC64DB4}"/>
-              </a:ext>
-            </a:extLst>
-          </p:cNvPr>
+          <p:cNvPr id="7" name="Slide Number Placeholder 6"/>
           <p:cNvSpPr>
             <a:spLocks noGrp="1"/>
           </p:cNvSpPr>
@@ -2731,7 +2757,7 @@
     </p:spTree>
     <p:extLst>
       <p:ext uri="{BB962C8B-B14F-4D97-AF65-F5344CB8AC3E}">
-        <p14:creationId xmlns:p14="http://schemas.microsoft.com/office/powerpoint/2010/main" val="500369367"/>
+        <p14:creationId xmlns:p14="http://schemas.microsoft.com/office/powerpoint/2010/main" val="1258273848"/>
       </p:ext>
     </p:extLst>
   </p:cSld>
@@ -2745,9 +2771,14 @@
 <p:sldMaster xmlns:a="http://schemas.openxmlformats.org/drawingml/2006/main" xmlns:r="http://schemas.openxmlformats.org/officeDocument/2006/relationships" xmlns:p="http://schemas.openxmlformats.org/presentationml/2006/main">
   <p:cSld>
     <p:bg>
-      <p:bgRef idx="1001">
-        <a:schemeClr val="bg1"/>
-      </p:bgRef>
+      <p:bgPr>
+        <a:solidFill>
+          <a:schemeClr val="accent2">
+            <a:lumMod val="75000"/>
+          </a:schemeClr>
+        </a:solidFill>
+        <a:effectLst/>
+      </p:bgPr>
     </p:bg>
     <p:spTree>
       <p:nvGrpSpPr>
@@ -2765,31 +2796,65 @@
       </p:grpSpPr>
       <p:sp>
         <p:nvSpPr>
-          <p:cNvPr id="2" name="Заголовок 1">
-            <a:extLst>
-              <a:ext uri="{FF2B5EF4-FFF2-40B4-BE49-F238E27FC236}">
-                <a16:creationId xmlns:a16="http://schemas.microsoft.com/office/drawing/2014/main" id="{668C7700-4307-4602-957B-99A89D3C290C}"/>
-              </a:ext>
-            </a:extLst>
-          </p:cNvPr>
-          <p:cNvSpPr>
-            <a:spLocks noGrp="1"/>
-          </p:cNvSpPr>
-          <p:nvPr>
-            <p:ph type="title"/>
-          </p:nvPr>
+          <p:cNvPr id="7" name="Rectangle 6"/>
+          <p:cNvSpPr/>
+          <p:nvPr/>
         </p:nvSpPr>
         <p:spPr>
           <a:xfrm>
-            <a:off x="838200" y="365125"/>
-            <a:ext cx="10515600" cy="1325563"/>
+            <a:off x="11292840" y="0"/>
+            <a:ext cx="914400" cy="6858000"/>
+          </a:xfrm>
+          <a:prstGeom prst="rect">
+            <a:avLst/>
+          </a:prstGeom>
+          <a:solidFill>
+            <a:schemeClr val="tx2">
+              <a:lumMod val="75000"/>
+            </a:schemeClr>
+          </a:solidFill>
+          <a:ln>
+            <a:noFill/>
+          </a:ln>
+        </p:spPr>
+        <p:style>
+          <a:lnRef idx="2">
+            <a:schemeClr val="accent1">
+              <a:shade val="50000"/>
+            </a:schemeClr>
+          </a:lnRef>
+          <a:fillRef idx="1">
+            <a:schemeClr val="accent1"/>
+          </a:fillRef>
+          <a:effectRef idx="0">
+            <a:schemeClr val="accent1"/>
+          </a:effectRef>
+          <a:fontRef idx="minor">
+            <a:schemeClr val="lt1"/>
+          </a:fontRef>
+        </p:style>
+      </p:sp>
+      <p:sp>
+        <p:nvSpPr>
+          <p:cNvPr id="2" name="Title Placeholder 1"/>
+          <p:cNvSpPr>
+            <a:spLocks noGrp="1"/>
+          </p:cNvSpPr>
+          <p:nvPr>
+            <p:ph type="title"/>
+          </p:nvPr>
+        </p:nvSpPr>
+        <p:spPr>
+          <a:xfrm>
+            <a:off x="1261872" y="365760"/>
+            <a:ext cx="9692640" cy="1325562"/>
           </a:xfrm>
           <a:prstGeom prst="rect">
             <a:avLst/>
           </a:prstGeom>
         </p:spPr>
         <p:txBody>
-          <a:bodyPr vert="horz" lIns="91440" tIns="45720" rIns="91440" bIns="45720" rtlCol="0" anchor="ctr">
+          <a:bodyPr vert="horz" lIns="91440" tIns="45720" rIns="91440" bIns="45720" rtlCol="0" anchor="b">
             <a:normAutofit/>
           </a:bodyPr>
           <a:lstStyle/>
@@ -2798,18 +2863,13 @@
               <a:rPr lang="ru-RU"/>
               <a:t>Образец заголовка</a:t>
             </a:r>
-          </a:p>
-        </p:txBody>
-      </p:sp>
-      <p:sp>
-        <p:nvSpPr>
-          <p:cNvPr id="3" name="Текст 2">
-            <a:extLst>
-              <a:ext uri="{FF2B5EF4-FFF2-40B4-BE49-F238E27FC236}">
-                <a16:creationId xmlns:a16="http://schemas.microsoft.com/office/drawing/2014/main" id="{AA1997D4-53C6-4FAF-8DA2-44069F468385}"/>
-              </a:ext>
-            </a:extLst>
-          </p:cNvPr>
+            <a:endParaRPr lang="en-US" dirty="0"/>
+          </a:p>
+        </p:txBody>
+      </p:sp>
+      <p:sp>
+        <p:nvSpPr>
+          <p:cNvPr id="3" name="Text Placeholder 2"/>
           <p:cNvSpPr>
             <a:spLocks noGrp="1"/>
           </p:cNvSpPr>
@@ -2819,8 +2879,8 @@
         </p:nvSpPr>
         <p:spPr>
           <a:xfrm>
-            <a:off x="838200" y="1825625"/>
-            <a:ext cx="10515600" cy="4351338"/>
+            <a:off x="1261872" y="1828800"/>
+            <a:ext cx="8595360" cy="4351337"/>
           </a:xfrm>
           <a:prstGeom prst="rect">
             <a:avLst/>
@@ -2865,18 +2925,13 @@
               <a:rPr lang="ru-RU"/>
               <a:t>Пятый уровень</a:t>
             </a:r>
-          </a:p>
-        </p:txBody>
-      </p:sp>
-      <p:sp>
-        <p:nvSpPr>
-          <p:cNvPr id="4" name="Дата 3">
-            <a:extLst>
-              <a:ext uri="{FF2B5EF4-FFF2-40B4-BE49-F238E27FC236}">
-                <a16:creationId xmlns:a16="http://schemas.microsoft.com/office/drawing/2014/main" id="{A46D659B-C62C-4A48-B5E4-4BFD70B41134}"/>
-              </a:ext>
-            </a:extLst>
-          </p:cNvPr>
+            <a:endParaRPr lang="en-US" dirty="0"/>
+          </a:p>
+        </p:txBody>
+      </p:sp>
+      <p:sp>
+        <p:nvSpPr>
+          <p:cNvPr id="4" name="Date Placeholder 3"/>
           <p:cNvSpPr>
             <a:spLocks noGrp="1"/>
           </p:cNvSpPr>
@@ -2885,9 +2940,9 @@
           </p:nvPr>
         </p:nvSpPr>
         <p:spPr>
-          <a:xfrm>
-            <a:off x="838200" y="6356350"/>
-            <a:ext cx="2743200" cy="365125"/>
+          <a:xfrm rot="16200000">
+            <a:off x="10797542" y="998537"/>
+            <a:ext cx="1904999" cy="365125"/>
           </a:xfrm>
           <a:prstGeom prst="rect">
             <a:avLst/>
@@ -2896,11 +2951,12 @@
         <p:txBody>
           <a:bodyPr vert="horz" lIns="91440" tIns="45720" rIns="91440" bIns="45720" rtlCol="0" anchor="ctr"/>
           <a:lstStyle>
-            <a:lvl1pPr algn="l">
-              <a:defRPr sz="1200">
+            <a:lvl1pPr algn="r">
+              <a:defRPr sz="1050" b="0">
                 <a:solidFill>
-                  <a:schemeClr val="tx1">
-                    <a:tint val="75000"/>
+                  <a:schemeClr val="tx2">
+                    <a:lumMod val="20000"/>
+                    <a:lumOff val="80000"/>
                   </a:schemeClr>
                 </a:solidFill>
               </a:defRPr>
@@ -2909,7 +2965,7 @@
           <a:p>
             <a:fld id="{191AF15F-3945-47C9-AE07-E35D5231879B}" type="datetimeFigureOut">
               <a:rPr lang="ru-RU" smtClean="0"/>
-              <a:t>12.04.2022</a:t>
+              <a:t>14.04.2022</a:t>
             </a:fld>
             <a:endParaRPr lang="ru-RU"/>
           </a:p>
@@ -2917,13 +2973,7 @@
       </p:sp>
       <p:sp>
         <p:nvSpPr>
-          <p:cNvPr id="5" name="Нижний колонтитул 4">
-            <a:extLst>
-              <a:ext uri="{FF2B5EF4-FFF2-40B4-BE49-F238E27FC236}">
-                <a16:creationId xmlns:a16="http://schemas.microsoft.com/office/drawing/2014/main" id="{B5E1C9AE-DDBD-41EE-A224-C64AB958E087}"/>
-              </a:ext>
-            </a:extLst>
-          </p:cNvPr>
+          <p:cNvPr id="5" name="Footer Placeholder 4"/>
           <p:cNvSpPr>
             <a:spLocks noGrp="1"/>
           </p:cNvSpPr>
@@ -2932,9 +2982,9 @@
           </p:nvPr>
         </p:nvSpPr>
         <p:spPr>
-          <a:xfrm>
-            <a:off x="4038600" y="6356350"/>
-            <a:ext cx="4114800" cy="365125"/>
+          <a:xfrm rot="16200000">
+            <a:off x="9959341" y="4046537"/>
+            <a:ext cx="3581400" cy="365125"/>
           </a:xfrm>
           <a:prstGeom prst="rect">
             <a:avLst/>
@@ -2943,11 +2993,12 @@
         <p:txBody>
           <a:bodyPr vert="horz" lIns="91440" tIns="45720" rIns="91440" bIns="45720" rtlCol="0" anchor="ctr"/>
           <a:lstStyle>
-            <a:lvl1pPr algn="ctr">
-              <a:defRPr sz="1200">
+            <a:lvl1pPr algn="l">
+              <a:defRPr sz="1050">
                 <a:solidFill>
-                  <a:schemeClr val="tx1">
-                    <a:tint val="75000"/>
+                  <a:schemeClr val="tx2">
+                    <a:lumMod val="20000"/>
+                    <a:lumOff val="80000"/>
                   </a:schemeClr>
                 </a:solidFill>
               </a:defRPr>
@@ -2960,13 +3011,7 @@
       </p:sp>
       <p:sp>
         <p:nvSpPr>
-          <p:cNvPr id="6" name="Номер слайда 5">
-            <a:extLst>
-              <a:ext uri="{FF2B5EF4-FFF2-40B4-BE49-F238E27FC236}">
-                <a16:creationId xmlns:a16="http://schemas.microsoft.com/office/drawing/2014/main" id="{BA7D9CDF-5AE8-421E-BF27-E395DDE9285D}"/>
-              </a:ext>
-            </a:extLst>
-          </p:cNvPr>
+          <p:cNvPr id="6" name="Slide Number Placeholder 5"/>
           <p:cNvSpPr>
             <a:spLocks noGrp="1"/>
           </p:cNvSpPr>
@@ -2976,21 +3021,24 @@
         </p:nvSpPr>
         <p:spPr>
           <a:xfrm>
-            <a:off x="8610600" y="6356350"/>
-            <a:ext cx="2743200" cy="365125"/>
+            <a:off x="11292840" y="6172200"/>
+            <a:ext cx="914400" cy="593725"/>
           </a:xfrm>
           <a:prstGeom prst="rect">
             <a:avLst/>
           </a:prstGeom>
         </p:spPr>
         <p:txBody>
-          <a:bodyPr vert="horz" lIns="91440" tIns="45720" rIns="91440" bIns="45720" rtlCol="0" anchor="ctr"/>
+          <a:bodyPr vert="horz" lIns="45720" tIns="45720" rIns="45720" bIns="45720" rtlCol="0" anchor="ctr">
+            <a:normAutofit/>
+          </a:bodyPr>
           <a:lstStyle>
-            <a:lvl1pPr algn="r">
-              <a:defRPr sz="1200">
+            <a:lvl1pPr algn="ctr">
+              <a:defRPr sz="3600">
                 <a:solidFill>
-                  <a:schemeClr val="tx1">
-                    <a:tint val="75000"/>
+                  <a:schemeClr val="tx2">
+                    <a:lumMod val="60000"/>
+                    <a:lumOff val="40000"/>
                   </a:schemeClr>
                 </a:solidFill>
               </a:defRPr>
@@ -3008,23 +3056,23 @@
     </p:spTree>
     <p:extLst>
       <p:ext uri="{BB962C8B-B14F-4D97-AF65-F5344CB8AC3E}">
-        <p14:creationId xmlns:p14="http://schemas.microsoft.com/office/powerpoint/2010/main" val="3160941581"/>
+        <p14:creationId xmlns:p14="http://schemas.microsoft.com/office/powerpoint/2010/main" val="1328213121"/>
       </p:ext>
     </p:extLst>
   </p:cSld>
   <p:clrMap bg1="lt1" tx1="dk1" bg2="lt2" tx2="dk2" accent1="accent1" accent2="accent2" accent3="accent3" accent4="accent4" accent5="accent5" accent6="accent6" hlink="hlink" folHlink="folHlink"/>
   <p:sldLayoutIdLst>
-    <p:sldLayoutId id="2147483649" r:id="rId1"/>
-    <p:sldLayoutId id="2147483650" r:id="rId2"/>
-    <p:sldLayoutId id="2147483651" r:id="rId3"/>
-    <p:sldLayoutId id="2147483652" r:id="rId4"/>
-    <p:sldLayoutId id="2147483653" r:id="rId5"/>
-    <p:sldLayoutId id="2147483654" r:id="rId6"/>
-    <p:sldLayoutId id="2147483655" r:id="rId7"/>
-    <p:sldLayoutId id="2147483656" r:id="rId8"/>
-    <p:sldLayoutId id="2147483657" r:id="rId9"/>
-    <p:sldLayoutId id="2147483658" r:id="rId10"/>
-    <p:sldLayoutId id="2147483659" r:id="rId11"/>
+    <p:sldLayoutId id="2147483661" r:id="rId1"/>
+    <p:sldLayoutId id="2147483662" r:id="rId2"/>
+    <p:sldLayoutId id="2147483663" r:id="rId3"/>
+    <p:sldLayoutId id="2147483664" r:id="rId4"/>
+    <p:sldLayoutId id="2147483665" r:id="rId5"/>
+    <p:sldLayoutId id="2147483666" r:id="rId6"/>
+    <p:sldLayoutId id="2147483667" r:id="rId7"/>
+    <p:sldLayoutId id="2147483668" r:id="rId8"/>
+    <p:sldLayoutId id="2147483669" r:id="rId9"/>
+    <p:sldLayoutId id="2147483670" r:id="rId10"/>
+    <p:sldLayoutId id="2147483671" r:id="rId11"/>
   </p:sldLayoutIdLst>
   <p:txStyles>
     <p:titleStyle>
@@ -3036,7 +3084,7 @@
           <a:spcPct val="0"/>
         </a:spcBef>
         <a:buNone/>
-        <a:defRPr sz="4400" kern="1200">
+        <a:defRPr sz="4400" kern="1200" spc="-50" baseline="0">
           <a:solidFill>
             <a:schemeClr val="tx1"/>
           </a:solidFill>
@@ -3047,16 +3095,23 @@
       </a:lvl1pPr>
     </p:titleStyle>
     <p:bodyStyle>
-      <a:lvl1pPr marL="228600" indent="-228600" algn="l" defTabSz="914400" rtl="0" eaLnBrk="1" latinLnBrk="0" hangingPunct="1">
+      <a:lvl1pPr marL="182880" indent="-182880" algn="l" defTabSz="914400" rtl="0" eaLnBrk="1" latinLnBrk="0" hangingPunct="1">
         <a:lnSpc>
-          <a:spcPct val="90000"/>
+          <a:spcPct val="95000"/>
         </a:lnSpc>
         <a:spcBef>
-          <a:spcPts val="1000"/>
+          <a:spcPts val="1400"/>
         </a:spcBef>
-        <a:buFont typeface="Arial" panose="020B0604020202020204" pitchFamily="34" charset="0"/>
+        <a:spcAft>
+          <a:spcPts val="200"/>
+        </a:spcAft>
+        <a:buClr>
+          <a:schemeClr val="accent1"/>
+        </a:buClr>
+        <a:buSzPct val="80000"/>
+        <a:buFont typeface="Arial" pitchFamily="34" charset="0"/>
         <a:buChar char="•"/>
-        <a:defRPr sz="2800" kern="1200">
+        <a:defRPr sz="1800" kern="1200" spc="10" baseline="0">
           <a:solidFill>
             <a:schemeClr val="tx1"/>
           </a:solidFill>
@@ -3065,144 +3120,216 @@
           <a:cs typeface="+mn-cs"/>
         </a:defRPr>
       </a:lvl1pPr>
-      <a:lvl2pPr marL="685800" indent="-228600" algn="l" defTabSz="914400" rtl="0" eaLnBrk="1" latinLnBrk="0" hangingPunct="1">
+      <a:lvl2pPr marL="457200" indent="-182880" algn="l" defTabSz="914400" rtl="0" eaLnBrk="1" latinLnBrk="0" hangingPunct="1">
         <a:lnSpc>
           <a:spcPct val="90000"/>
         </a:lnSpc>
         <a:spcBef>
-          <a:spcPts val="500"/>
+          <a:spcPts val="300"/>
         </a:spcBef>
-        <a:buFont typeface="Arial" panose="020B0604020202020204" pitchFamily="34" charset="0"/>
-        <a:buChar char="•"/>
-        <a:defRPr sz="2400" kern="1200">
+        <a:spcAft>
+          <a:spcPts val="300"/>
+        </a:spcAft>
+        <a:buClr>
+          <a:schemeClr val="accent1"/>
+        </a:buClr>
+        <a:buFont typeface="Wingdings 2" pitchFamily="18" charset="2"/>
+        <a:buChar char=""/>
+        <a:defRPr sz="1600" kern="1200">
           <a:solidFill>
-            <a:schemeClr val="tx1"/>
+            <a:schemeClr val="tx1">
+              <a:lumMod val="85000"/>
+              <a:lumOff val="15000"/>
+            </a:schemeClr>
           </a:solidFill>
           <a:latin typeface="+mn-lt"/>
           <a:ea typeface="+mn-ea"/>
           <a:cs typeface="+mn-cs"/>
         </a:defRPr>
       </a:lvl2pPr>
-      <a:lvl3pPr marL="1143000" indent="-228600" algn="l" defTabSz="914400" rtl="0" eaLnBrk="1" latinLnBrk="0" hangingPunct="1">
+      <a:lvl3pPr marL="731520" indent="-182880" algn="l" defTabSz="914400" rtl="0" eaLnBrk="1" latinLnBrk="0" hangingPunct="1">
         <a:lnSpc>
           <a:spcPct val="90000"/>
         </a:lnSpc>
         <a:spcBef>
-          <a:spcPts val="500"/>
+          <a:spcPts val="300"/>
         </a:spcBef>
-        <a:buFont typeface="Arial" panose="020B0604020202020204" pitchFamily="34" charset="0"/>
-        <a:buChar char="•"/>
-        <a:defRPr sz="2000" kern="1200">
+        <a:spcAft>
+          <a:spcPts val="300"/>
+        </a:spcAft>
+        <a:buClr>
+          <a:schemeClr val="accent1"/>
+        </a:buClr>
+        <a:buFont typeface="Wingdings 2" pitchFamily="18" charset="2"/>
+        <a:buChar char=""/>
+        <a:defRPr sz="1400" kern="1200">
           <a:solidFill>
-            <a:schemeClr val="tx1"/>
+            <a:schemeClr val="tx1">
+              <a:lumMod val="85000"/>
+              <a:lumOff val="15000"/>
+            </a:schemeClr>
           </a:solidFill>
           <a:latin typeface="+mn-lt"/>
           <a:ea typeface="+mn-ea"/>
           <a:cs typeface="+mn-cs"/>
         </a:defRPr>
       </a:lvl3pPr>
-      <a:lvl4pPr marL="1600200" indent="-228600" algn="l" defTabSz="914400" rtl="0" eaLnBrk="1" latinLnBrk="0" hangingPunct="1">
+      <a:lvl4pPr marL="1005840" indent="-182880" algn="l" defTabSz="914400" rtl="0" eaLnBrk="1" latinLnBrk="0" hangingPunct="1">
         <a:lnSpc>
           <a:spcPct val="90000"/>
         </a:lnSpc>
         <a:spcBef>
-          <a:spcPts val="500"/>
+          <a:spcPts val="300"/>
         </a:spcBef>
-        <a:buFont typeface="Arial" panose="020B0604020202020204" pitchFamily="34" charset="0"/>
-        <a:buChar char="•"/>
-        <a:defRPr sz="1800" kern="1200">
+        <a:spcAft>
+          <a:spcPts val="300"/>
+        </a:spcAft>
+        <a:buClr>
+          <a:schemeClr val="accent1"/>
+        </a:buClr>
+        <a:buFont typeface="Wingdings 2" pitchFamily="18" charset="2"/>
+        <a:buChar char=""/>
+        <a:defRPr sz="1400" kern="1200">
           <a:solidFill>
-            <a:schemeClr val="tx1"/>
+            <a:schemeClr val="tx1">
+              <a:lumMod val="85000"/>
+              <a:lumOff val="15000"/>
+            </a:schemeClr>
           </a:solidFill>
           <a:latin typeface="+mn-lt"/>
           <a:ea typeface="+mn-ea"/>
           <a:cs typeface="+mn-cs"/>
         </a:defRPr>
       </a:lvl4pPr>
-      <a:lvl5pPr marL="2057400" indent="-228600" algn="l" defTabSz="914400" rtl="0" eaLnBrk="1" latinLnBrk="0" hangingPunct="1">
+      <a:lvl5pPr marL="1280160" indent="-182880" algn="l" defTabSz="914400" rtl="0" eaLnBrk="1" latinLnBrk="0" hangingPunct="1">
         <a:lnSpc>
           <a:spcPct val="90000"/>
         </a:lnSpc>
         <a:spcBef>
-          <a:spcPts val="500"/>
+          <a:spcPts val="300"/>
         </a:spcBef>
-        <a:buFont typeface="Arial" panose="020B0604020202020204" pitchFamily="34" charset="0"/>
-        <a:buChar char="•"/>
-        <a:defRPr sz="1800" kern="1200">
+        <a:spcAft>
+          <a:spcPts val="300"/>
+        </a:spcAft>
+        <a:buClr>
+          <a:schemeClr val="accent1"/>
+        </a:buClr>
+        <a:buFont typeface="Wingdings 2" pitchFamily="18" charset="2"/>
+        <a:buChar char=""/>
+        <a:defRPr sz="1400" kern="1200">
           <a:solidFill>
-            <a:schemeClr val="tx1"/>
+            <a:schemeClr val="tx1">
+              <a:lumMod val="85000"/>
+              <a:lumOff val="15000"/>
+            </a:schemeClr>
           </a:solidFill>
           <a:latin typeface="+mn-lt"/>
           <a:ea typeface="+mn-ea"/>
           <a:cs typeface="+mn-cs"/>
         </a:defRPr>
       </a:lvl5pPr>
-      <a:lvl6pPr marL="2514600" indent="-228600" algn="l" defTabSz="914400" rtl="0" eaLnBrk="1" latinLnBrk="0" hangingPunct="1">
+      <a:lvl6pPr marL="1600000" indent="-228600" algn="l" defTabSz="914400" rtl="0" eaLnBrk="1" latinLnBrk="0" hangingPunct="1">
         <a:lnSpc>
           <a:spcPct val="90000"/>
         </a:lnSpc>
         <a:spcBef>
-          <a:spcPts val="500"/>
+          <a:spcPts val="300"/>
         </a:spcBef>
-        <a:buFont typeface="Arial" panose="020B0604020202020204" pitchFamily="34" charset="0"/>
-        <a:buChar char="•"/>
-        <a:defRPr sz="1800" kern="1200">
+        <a:spcAft>
+          <a:spcPts val="300"/>
+        </a:spcAft>
+        <a:buClr>
+          <a:schemeClr val="accent1"/>
+        </a:buClr>
+        <a:buFont typeface="Wingdings 2" pitchFamily="18" charset="2"/>
+        <a:buChar char=""/>
+        <a:defRPr sz="1400" kern="1200">
           <a:solidFill>
-            <a:schemeClr val="tx1"/>
+            <a:schemeClr val="tx1">
+              <a:lumMod val="85000"/>
+              <a:lumOff val="15000"/>
+            </a:schemeClr>
           </a:solidFill>
           <a:latin typeface="+mn-lt"/>
           <a:ea typeface="+mn-ea"/>
           <a:cs typeface="+mn-cs"/>
         </a:defRPr>
       </a:lvl6pPr>
-      <a:lvl7pPr marL="2971800" indent="-228600" algn="l" defTabSz="914400" rtl="0" eaLnBrk="1" latinLnBrk="0" hangingPunct="1">
+      <a:lvl7pPr marL="1900000" indent="-228600" algn="l" defTabSz="914400" rtl="0" eaLnBrk="1" latinLnBrk="0" hangingPunct="1">
         <a:lnSpc>
           <a:spcPct val="90000"/>
         </a:lnSpc>
         <a:spcBef>
-          <a:spcPts val="500"/>
+          <a:spcPts val="300"/>
         </a:spcBef>
-        <a:buFont typeface="Arial" panose="020B0604020202020204" pitchFamily="34" charset="0"/>
-        <a:buChar char="•"/>
-        <a:defRPr sz="1800" kern="1200">
+        <a:spcAft>
+          <a:spcPts val="300"/>
+        </a:spcAft>
+        <a:buClr>
+          <a:schemeClr val="accent1"/>
+        </a:buClr>
+        <a:buFont typeface="Wingdings 2" pitchFamily="18" charset="2"/>
+        <a:buChar char=""/>
+        <a:defRPr sz="1400" kern="1200">
           <a:solidFill>
-            <a:schemeClr val="tx1"/>
+            <a:schemeClr val="tx1">
+              <a:lumMod val="85000"/>
+              <a:lumOff val="15000"/>
+            </a:schemeClr>
           </a:solidFill>
           <a:latin typeface="+mn-lt"/>
           <a:ea typeface="+mn-ea"/>
           <a:cs typeface="+mn-cs"/>
         </a:defRPr>
       </a:lvl7pPr>
-      <a:lvl8pPr marL="3429000" indent="-228600" algn="l" defTabSz="914400" rtl="0" eaLnBrk="1" latinLnBrk="0" hangingPunct="1">
+      <a:lvl8pPr marL="2200000" indent="-228600" algn="l" defTabSz="914400" rtl="0" eaLnBrk="1" latinLnBrk="0" hangingPunct="1">
         <a:lnSpc>
           <a:spcPct val="90000"/>
         </a:lnSpc>
         <a:spcBef>
-          <a:spcPts val="500"/>
+          <a:spcPts val="300"/>
         </a:spcBef>
-        <a:buFont typeface="Arial" panose="020B0604020202020204" pitchFamily="34" charset="0"/>
-        <a:buChar char="•"/>
-        <a:defRPr sz="1800" kern="1200">
+        <a:spcAft>
+          <a:spcPts val="300"/>
+        </a:spcAft>
+        <a:buClr>
+          <a:schemeClr val="accent1"/>
+        </a:buClr>
+        <a:buFont typeface="Wingdings 2" pitchFamily="18" charset="2"/>
+        <a:buChar char=""/>
+        <a:defRPr sz="1400" kern="1200">
           <a:solidFill>
-            <a:schemeClr val="tx1"/>
+            <a:schemeClr val="tx1">
+              <a:lumMod val="85000"/>
+              <a:lumOff val="15000"/>
+            </a:schemeClr>
           </a:solidFill>
           <a:latin typeface="+mn-lt"/>
           <a:ea typeface="+mn-ea"/>
           <a:cs typeface="+mn-cs"/>
         </a:defRPr>
       </a:lvl8pPr>
-      <a:lvl9pPr marL="3886200" indent="-228600" algn="l" defTabSz="914400" rtl="0" eaLnBrk="1" latinLnBrk="0" hangingPunct="1">
+      <a:lvl9pPr marL="2500000" indent="-228600" algn="l" defTabSz="914400" rtl="0" eaLnBrk="1" latinLnBrk="0" hangingPunct="1">
         <a:lnSpc>
           <a:spcPct val="90000"/>
         </a:lnSpc>
         <a:spcBef>
-          <a:spcPts val="500"/>
+          <a:spcPts val="300"/>
         </a:spcBef>
-        <a:buFont typeface="Arial" panose="020B0604020202020204" pitchFamily="34" charset="0"/>
-        <a:buChar char="•"/>
-        <a:defRPr sz="1800" kern="1200">
+        <a:spcAft>
+          <a:spcPts val="300"/>
+        </a:spcAft>
+        <a:buClr>
+          <a:schemeClr val="accent1"/>
+        </a:buClr>
+        <a:buFont typeface="Wingdings 2" pitchFamily="18" charset="2"/>
+        <a:buChar char=""/>
+        <a:defRPr sz="1400" kern="1200">
           <a:solidFill>
-            <a:schemeClr val="tx1"/>
+            <a:schemeClr val="tx1">
+              <a:lumMod val="85000"/>
+              <a:lumOff val="15000"/>
+            </a:schemeClr>
           </a:solidFill>
           <a:latin typeface="+mn-lt"/>
           <a:ea typeface="+mn-ea"/>
@@ -3212,7 +3339,7 @@
     </p:bodyStyle>
     <p:otherStyle>
       <a:defPPr>
-        <a:defRPr lang="ru-RU"/>
+        <a:defRPr lang="en-US"/>
       </a:defPPr>
       <a:lvl1pPr marL="0" algn="l" defTabSz="914400" rtl="0" eaLnBrk="1" latinLnBrk="0" hangingPunct="1">
         <a:defRPr sz="1800" kern="1200">
@@ -3342,15 +3469,36 @@
             <p:ph type="ctrTitle"/>
           </p:nvPr>
         </p:nvSpPr>
-        <p:spPr/>
-        <p:txBody>
-          <a:bodyPr/>
-          <a:lstStyle/>
-          <a:p>
-            <a:r>
-              <a:rPr lang="ru-RU" dirty="0"/>
-              <a:t>Презентация по проекту</a:t>
-            </a:r>
+        <p:spPr>
+          <a:xfrm>
+            <a:off x="1386840" y="1489434"/>
+            <a:ext cx="9418320" cy="2255363"/>
+          </a:xfrm>
+        </p:spPr>
+        <p:txBody>
+          <a:bodyPr>
+            <a:normAutofit/>
+          </a:bodyPr>
+          <a:lstStyle/>
+          <a:p>
+            <a:pPr algn="ctr"/>
+            <a:r>
+              <a:rPr lang="ru-RU" sz="6000" dirty="0"/>
+              <a:t>Проект по Яндекс Лицею </a:t>
+            </a:r>
+            <a:r>
+              <a:rPr lang="en-US" sz="6000" dirty="0"/>
+              <a:t>“</a:t>
+            </a:r>
+            <a:r>
+              <a:rPr lang="ru-RU" sz="6000" dirty="0"/>
+              <a:t>Книжный Бот</a:t>
+            </a:r>
+            <a:r>
+              <a:rPr lang="en-US" sz="6000" dirty="0"/>
+              <a:t>”</a:t>
+            </a:r>
+            <a:endParaRPr lang="ru-RU" sz="6000" dirty="0"/>
           </a:p>
         </p:txBody>
       </p:sp>
@@ -3375,7 +3523,31 @@
           <a:bodyPr/>
           <a:lstStyle/>
           <a:p>
-            <a:endParaRPr lang="ru-RU" dirty="0"/>
+            <a:pPr algn="ctr"/>
+            <a:r>
+              <a:rPr lang="ru-RU" b="1" dirty="0">
+                <a:solidFill>
+                  <a:schemeClr val="tx1"/>
+                </a:solidFill>
+              </a:rPr>
+              <a:t>Выполнили Курганская Мария и </a:t>
+            </a:r>
+            <a:r>
+              <a:rPr lang="ru-RU" b="1" dirty="0" err="1">
+                <a:solidFill>
+                  <a:schemeClr val="tx1"/>
+                </a:solidFill>
+              </a:rPr>
+              <a:t>Сущёва</a:t>
+            </a:r>
+            <a:r>
+              <a:rPr lang="ru-RU" b="1" dirty="0">
+                <a:solidFill>
+                  <a:schemeClr val="tx1"/>
+                </a:solidFill>
+              </a:rPr>
+              <a:t> Мария</a:t>
+            </a:r>
           </a:p>
         </p:txBody>
       </p:sp>
@@ -3430,38 +3602,49 @@
           <a:bodyPr/>
           <a:lstStyle/>
           <a:p>
+            <a:pPr algn="ctr"/>
             <a:r>
               <a:rPr lang="ru-RU" dirty="0"/>
-              <a:t>Описание проекта</a:t>
-            </a:r>
-          </a:p>
-        </p:txBody>
-      </p:sp>
-      <p:sp>
-        <p:nvSpPr>
-          <p:cNvPr id="3" name="Объект 2">
+              <a:t>Задача проекта:</a:t>
+            </a:r>
+          </a:p>
+        </p:txBody>
+      </p:sp>
+      <p:pic>
+        <p:nvPicPr>
+          <p:cNvPr id="5" name="Объект 4">
             <a:extLst>
               <a:ext uri="{FF2B5EF4-FFF2-40B4-BE49-F238E27FC236}">
-                <a16:creationId xmlns:a16="http://schemas.microsoft.com/office/drawing/2014/main" id="{F0745173-20DE-4469-A486-CFC546198F36}"/>
+                <a16:creationId xmlns:a16="http://schemas.microsoft.com/office/drawing/2014/main" id="{EBA70625-5974-4DCD-AC9C-893664FCF5AB}"/>
               </a:ext>
             </a:extLst>
           </p:cNvPr>
-          <p:cNvSpPr>
-            <a:spLocks noGrp="1"/>
-          </p:cNvSpPr>
+          <p:cNvPicPr>
+            <a:picLocks noGrp="1" noChangeAspect="1"/>
+          </p:cNvPicPr>
           <p:nvPr>
             <p:ph idx="1"/>
           </p:nvPr>
-        </p:nvSpPr>
-        <p:spPr/>
-        <p:txBody>
-          <a:bodyPr/>
-          <a:lstStyle/>
-          <a:p>
-            <a:endParaRPr lang="ru-RU"/>
-          </a:p>
-        </p:txBody>
-      </p:sp>
+        </p:nvPicPr>
+        <p:blipFill>
+          <a:blip r:embed="rId2">
+            <a:extLst>
+              <a:ext uri="{28A0092B-C50C-407E-A947-70E740481C1C}">
+                <a14:useLocalDpi xmlns:a14="http://schemas.microsoft.com/office/drawing/2010/main" val="0"/>
+              </a:ext>
+            </a:extLst>
+          </a:blip>
+          <a:stretch>
+            <a:fillRect/>
+          </a:stretch>
+        </p:blipFill>
+        <p:spPr>
+          <a:xfrm>
+            <a:off x="7305775" y="2642166"/>
+            <a:ext cx="3922116" cy="3922116"/>
+          </a:xfrm>
+        </p:spPr>
+      </p:pic>
     </p:spTree>
     <p:extLst>
       <p:ext uri="{BB962C8B-B14F-4D97-AF65-F5344CB8AC3E}">
@@ -3513,38 +3696,49 @@
           <a:bodyPr/>
           <a:lstStyle/>
           <a:p>
+            <a:pPr algn="ctr"/>
             <a:r>
               <a:rPr lang="ru-RU" dirty="0"/>
-              <a:t>Задачи проекта</a:t>
-            </a:r>
-          </a:p>
-        </p:txBody>
-      </p:sp>
-      <p:sp>
-        <p:nvSpPr>
-          <p:cNvPr id="3" name="Объект 2">
+              <a:t>Вид программы</a:t>
+            </a:r>
+          </a:p>
+        </p:txBody>
+      </p:sp>
+      <p:pic>
+        <p:nvPicPr>
+          <p:cNvPr id="5" name="Объект 4">
             <a:extLst>
               <a:ext uri="{FF2B5EF4-FFF2-40B4-BE49-F238E27FC236}">
-                <a16:creationId xmlns:a16="http://schemas.microsoft.com/office/drawing/2014/main" id="{5FFABDC5-EC68-4B0E-A1E4-77717B13CD2F}"/>
+                <a16:creationId xmlns:a16="http://schemas.microsoft.com/office/drawing/2014/main" id="{9BAE497F-B6B3-4ECD-9531-4994A868ACCF}"/>
               </a:ext>
             </a:extLst>
           </p:cNvPr>
-          <p:cNvSpPr>
-            <a:spLocks noGrp="1"/>
-          </p:cNvSpPr>
+          <p:cNvPicPr>
+            <a:picLocks noGrp="1" noChangeAspect="1"/>
+          </p:cNvPicPr>
           <p:nvPr>
             <p:ph idx="1"/>
           </p:nvPr>
-        </p:nvSpPr>
-        <p:spPr/>
-        <p:txBody>
-          <a:bodyPr/>
-          <a:lstStyle/>
-          <a:p>
-            <a:endParaRPr lang="ru-RU"/>
-          </a:p>
-        </p:txBody>
-      </p:sp>
+        </p:nvPicPr>
+        <p:blipFill>
+          <a:blip r:embed="rId2">
+            <a:extLst>
+              <a:ext uri="{28A0092B-C50C-407E-A947-70E740481C1C}">
+                <a14:useLocalDpi xmlns:a14="http://schemas.microsoft.com/office/drawing/2010/main" val="0"/>
+              </a:ext>
+            </a:extLst>
+          </a:blip>
+          <a:stretch>
+            <a:fillRect/>
+          </a:stretch>
+        </p:blipFill>
+        <p:spPr>
+          <a:xfrm>
+            <a:off x="7475457" y="3113506"/>
+            <a:ext cx="3479056" cy="3479056"/>
+          </a:xfrm>
+        </p:spPr>
+      </p:pic>
     </p:spTree>
     <p:extLst>
       <p:ext uri="{BB962C8B-B14F-4D97-AF65-F5344CB8AC3E}">
@@ -3603,15 +3797,51 @@
           </a:p>
         </p:txBody>
       </p:sp>
-      <p:sp>
-        <p:nvSpPr>
-          <p:cNvPr id="3" name="Объект 2">
+      <p:pic>
+        <p:nvPicPr>
+          <p:cNvPr id="10" name="Рисунок 9">
             <a:extLst>
               <a:ext uri="{FF2B5EF4-FFF2-40B4-BE49-F238E27FC236}">
-                <a16:creationId xmlns:a16="http://schemas.microsoft.com/office/drawing/2014/main" id="{482D9549-E4BC-44CB-B102-A215F51EC558}"/>
+                <a16:creationId xmlns:a16="http://schemas.microsoft.com/office/drawing/2014/main" id="{5186AE53-1B36-49C7-9CD5-FD9845502E59}"/>
               </a:ext>
             </a:extLst>
           </p:cNvPr>
+          <p:cNvPicPr>
+            <a:picLocks noChangeAspect="1"/>
+          </p:cNvPicPr>
+          <p:nvPr/>
+        </p:nvPicPr>
+        <p:blipFill>
+          <a:blip r:embed="rId2">
+            <a:extLst>
+              <a:ext uri="{28A0092B-C50C-407E-A947-70E740481C1C}">
+                <a14:useLocalDpi xmlns:a14="http://schemas.microsoft.com/office/drawing/2010/main" val="0"/>
+              </a:ext>
+            </a:extLst>
+          </a:blip>
+          <a:stretch>
+            <a:fillRect/>
+          </a:stretch>
+        </p:blipFill>
+        <p:spPr>
+          <a:xfrm>
+            <a:off x="7334644" y="2894029"/>
+            <a:ext cx="3359280" cy="3359280"/>
+          </a:xfrm>
+          <a:prstGeom prst="rect">
+            <a:avLst/>
+          </a:prstGeom>
+        </p:spPr>
+      </p:pic>
+      <p:sp>
+        <p:nvSpPr>
+          <p:cNvPr id="11" name="Объект 10">
+            <a:extLst>
+              <a:ext uri="{FF2B5EF4-FFF2-40B4-BE49-F238E27FC236}">
+                <a16:creationId xmlns:a16="http://schemas.microsoft.com/office/drawing/2014/main" id="{A9FA86BA-3BEE-4FA5-A933-735EC7B13869}"/>
+              </a:ext>
+            </a:extLst>
+          </p:cNvPr>
           <p:cNvSpPr>
             <a:spLocks noGrp="1"/>
           </p:cNvSpPr>
@@ -3619,12 +3849,19 @@
             <p:ph idx="1"/>
           </p:nvPr>
         </p:nvSpPr>
-        <p:spPr/>
-        <p:txBody>
-          <a:bodyPr/>
-          <a:lstStyle/>
-          <a:p>
-            <a:endParaRPr lang="ru-RU"/>
+        <p:spPr>
+          <a:xfrm>
+            <a:off x="1261872" y="5910606"/>
+            <a:ext cx="1754705" cy="269531"/>
+          </a:xfrm>
+        </p:spPr>
+        <p:txBody>
+          <a:bodyPr>
+            <a:normAutofit fontScale="85000" lnSpcReduction="20000"/>
+          </a:bodyPr>
+          <a:lstStyle/>
+          <a:p>
+            <a:endParaRPr lang="ru-RU" dirty="0"/>
           </a:p>
         </p:txBody>
       </p:sp>
@@ -3686,31 +3923,41 @@
           </a:p>
         </p:txBody>
       </p:sp>
-      <p:sp>
-        <p:nvSpPr>
-          <p:cNvPr id="3" name="Объект 2">
+      <p:pic>
+        <p:nvPicPr>
+          <p:cNvPr id="5" name="Объект 4">
             <a:extLst>
               <a:ext uri="{FF2B5EF4-FFF2-40B4-BE49-F238E27FC236}">
-                <a16:creationId xmlns:a16="http://schemas.microsoft.com/office/drawing/2014/main" id="{397C496B-1BB1-41E6-8C4C-11D9DB77C316}"/>
+                <a16:creationId xmlns:a16="http://schemas.microsoft.com/office/drawing/2014/main" id="{8317A710-AB30-45F5-AFB5-675AEE563A7C}"/>
               </a:ext>
             </a:extLst>
           </p:cNvPr>
-          <p:cNvSpPr>
-            <a:spLocks noGrp="1"/>
-          </p:cNvSpPr>
+          <p:cNvPicPr>
+            <a:picLocks noGrp="1" noChangeAspect="1"/>
+          </p:cNvPicPr>
           <p:nvPr>
             <p:ph idx="1"/>
           </p:nvPr>
-        </p:nvSpPr>
-        <p:spPr/>
-        <p:txBody>
-          <a:bodyPr/>
-          <a:lstStyle/>
-          <a:p>
-            <a:endParaRPr lang="ru-RU"/>
-          </a:p>
-        </p:txBody>
-      </p:sp>
+        </p:nvPicPr>
+        <p:blipFill>
+          <a:blip r:embed="rId2">
+            <a:extLst>
+              <a:ext uri="{28A0092B-C50C-407E-A947-70E740481C1C}">
+                <a14:useLocalDpi xmlns:a14="http://schemas.microsoft.com/office/drawing/2010/main" val="0"/>
+              </a:ext>
+            </a:extLst>
+          </a:blip>
+          <a:stretch>
+            <a:fillRect/>
+          </a:stretch>
+        </p:blipFill>
+        <p:spPr>
+          <a:xfrm>
+            <a:off x="7702099" y="3429000"/>
+            <a:ext cx="3153266" cy="3153266"/>
+          </a:xfrm>
+        </p:spPr>
+      </p:pic>
     </p:spTree>
     <p:extLst>
       <p:ext uri="{BB962C8B-B14F-4D97-AF65-F5344CB8AC3E}">
@@ -3764,36 +4011,46 @@
           <a:p>
             <a:r>
               <a:rPr lang="ru-RU" dirty="0"/>
-              <a:t>Итог</a:t>
-            </a:r>
-          </a:p>
-        </p:txBody>
-      </p:sp>
-      <p:sp>
-        <p:nvSpPr>
-          <p:cNvPr id="3" name="Объект 2">
+              <a:t>Итоги, выводы, рекомендации</a:t>
+            </a:r>
+          </a:p>
+        </p:txBody>
+      </p:sp>
+      <p:pic>
+        <p:nvPicPr>
+          <p:cNvPr id="5" name="Объект 4">
             <a:extLst>
               <a:ext uri="{FF2B5EF4-FFF2-40B4-BE49-F238E27FC236}">
-                <a16:creationId xmlns:a16="http://schemas.microsoft.com/office/drawing/2014/main" id="{B0D300A6-362B-4A52-A784-87AE53EE2765}"/>
+                <a16:creationId xmlns:a16="http://schemas.microsoft.com/office/drawing/2014/main" id="{648C8143-9CD1-450C-9DEA-B8495898BB6B}"/>
               </a:ext>
             </a:extLst>
           </p:cNvPr>
-          <p:cNvSpPr>
-            <a:spLocks noGrp="1"/>
-          </p:cNvSpPr>
+          <p:cNvPicPr>
+            <a:picLocks noGrp="1" noChangeAspect="1"/>
+          </p:cNvPicPr>
           <p:nvPr>
             <p:ph idx="1"/>
           </p:nvPr>
-        </p:nvSpPr>
-        <p:spPr/>
-        <p:txBody>
-          <a:bodyPr/>
-          <a:lstStyle/>
-          <a:p>
-            <a:endParaRPr lang="ru-RU"/>
-          </a:p>
-        </p:txBody>
-      </p:sp>
+        </p:nvPicPr>
+        <p:blipFill>
+          <a:blip r:embed="rId2">
+            <a:extLst>
+              <a:ext uri="{28A0092B-C50C-407E-A947-70E740481C1C}">
+                <a14:useLocalDpi xmlns:a14="http://schemas.microsoft.com/office/drawing/2010/main" val="0"/>
+              </a:ext>
+            </a:extLst>
+          </a:blip>
+          <a:stretch>
+            <a:fillRect/>
+          </a:stretch>
+        </p:blipFill>
+        <p:spPr>
+          <a:xfrm>
+            <a:off x="6947089" y="2545237"/>
+            <a:ext cx="4737837" cy="4737837"/>
+          </a:xfrm>
+        </p:spPr>
+      </p:pic>
     </p:spTree>
     <p:extLst>
       <p:ext uri="{BB962C8B-B14F-4D97-AF65-F5344CB8AC3E}">
@@ -3808,110 +4065,58 @@
 </file>
 
 <file path=ppt/theme/theme1.xml><?xml version="1.0" encoding="utf-8"?>
-<a:theme xmlns:a="http://schemas.openxmlformats.org/drawingml/2006/main" name="Тема Office">
+<a:theme xmlns:a="http://schemas.openxmlformats.org/drawingml/2006/main" name="Вид">
   <a:themeElements>
-    <a:clrScheme name="Стандартная">
+    <a:clrScheme name="Вид">
       <a:dk1>
-        <a:sysClr val="windowText" lastClr="000000"/>
+        <a:srgbClr val="000000"/>
       </a:dk1>
       <a:lt1>
-        <a:sysClr val="window" lastClr="FFFFFF"/>
+        <a:srgbClr val="FFFFFF"/>
       </a:lt1>
       <a:dk2>
-        <a:srgbClr val="44546A"/>
+        <a:srgbClr val="46464A"/>
       </a:dk2>
       <a:lt2>
-        <a:srgbClr val="E7E6E6"/>
+        <a:srgbClr val="D6D3CC"/>
       </a:lt2>
       <a:accent1>
-        <a:srgbClr val="4472C4"/>
+        <a:srgbClr val="6F6F74"/>
       </a:accent1>
       <a:accent2>
-        <a:srgbClr val="ED7D31"/>
+        <a:srgbClr val="92A9B9"/>
       </a:accent2>
       <a:accent3>
-        <a:srgbClr val="A5A5A5"/>
+        <a:srgbClr val="A7B789"/>
       </a:accent3>
       <a:accent4>
-        <a:srgbClr val="FFC000"/>
+        <a:srgbClr val="B9A489"/>
       </a:accent4>
       <a:accent5>
-        <a:srgbClr val="5B9BD5"/>
+        <a:srgbClr val="8D6374"/>
       </a:accent5>
       <a:accent6>
-        <a:srgbClr val="70AD47"/>
+        <a:srgbClr val="9B7362"/>
       </a:accent6>
       <a:hlink>
-        <a:srgbClr val="0563C1"/>
+        <a:srgbClr val="67AABF"/>
       </a:hlink>
       <a:folHlink>
-        <a:srgbClr val="954F72"/>
+        <a:srgbClr val="ABAFA5"/>
       </a:folHlink>
     </a:clrScheme>
-    <a:fontScheme name="Стандартная">
+    <a:fontScheme name="Вид">
       <a:majorFont>
-        <a:latin typeface="Calibri Light" panose="020F0302020204030204"/>
+        <a:latin typeface="Century Schoolbook" panose="02040604050505020304"/>
         <a:ea typeface=""/>
         <a:cs typeface=""/>
-        <a:font script="Jpan" typeface="游ゴシック Light"/>
+        <a:font script="Jpan" typeface="ＭＳ ゴシック"/>
         <a:font script="Hang" typeface="맑은 고딕"/>
-        <a:font script="Hans" typeface="等线 Light"/>
+        <a:font script="Hans" typeface="宋体"/>
         <a:font script="Hant" typeface="新細明體"/>
-        <a:font script="Arab" typeface="Times New Roman"/>
-        <a:font script="Hebr" typeface="Times New Roman"/>
-        <a:font script="Thai" typeface="Angsana New"/>
-        <a:font script="Ethi" typeface="Nyala"/>
-        <a:font script="Beng" typeface="Vrinda"/>
-        <a:font script="Gujr" typeface="Shruti"/>
-        <a:font script="Khmr" typeface="MoolBoran"/>
-        <a:font script="Knda" typeface="Tunga"/>
-        <a:font script="Guru" typeface="Raavi"/>
-        <a:font script="Cans" typeface="Euphemia"/>
-        <a:font script="Cher" typeface="Plantagenet Cherokee"/>
-        <a:font script="Yiii" typeface="Microsoft Yi Baiti"/>
-        <a:font script="Tibt" typeface="Microsoft Himalaya"/>
-        <a:font script="Thaa" typeface="MV Boli"/>
-        <a:font script="Deva" typeface="Mangal"/>
-        <a:font script="Telu" typeface="Gautami"/>
-        <a:font script="Taml" typeface="Latha"/>
-        <a:font script="Syrc" typeface="Estrangelo Edessa"/>
-        <a:font script="Orya" typeface="Kalinga"/>
-        <a:font script="Mlym" typeface="Kartika"/>
-        <a:font script="Laoo" typeface="DokChampa"/>
-        <a:font script="Sinh" typeface="Iskoola Pota"/>
-        <a:font script="Mong" typeface="Mongolian Baiti"/>
-        <a:font script="Viet" typeface="Times New Roman"/>
-        <a:font script="Uigh" typeface="Microsoft Uighur"/>
-        <a:font script="Geor" typeface="Sylfaen"/>
-        <a:font script="Armn" typeface="Arial"/>
-        <a:font script="Bugi" typeface="Leelawadee UI"/>
-        <a:font script="Bopo" typeface="Microsoft JhengHei"/>
-        <a:font script="Java" typeface="Javanese Text"/>
-        <a:font script="Lisu" typeface="Segoe UI"/>
-        <a:font script="Mymr" typeface="Myanmar Text"/>
-        <a:font script="Nkoo" typeface="Ebrima"/>
-        <a:font script="Olck" typeface="Nirmala UI"/>
-        <a:font script="Osma" typeface="Ebrima"/>
-        <a:font script="Phag" typeface="Phagspa"/>
-        <a:font script="Syrn" typeface="Estrangelo Edessa"/>
-        <a:font script="Syrj" typeface="Estrangelo Edessa"/>
-        <a:font script="Syre" typeface="Estrangelo Edessa"/>
-        <a:font script="Sora" typeface="Nirmala UI"/>
-        <a:font script="Tale" typeface="Microsoft Tai Le"/>
-        <a:font script="Talu" typeface="Microsoft New Tai Lue"/>
-        <a:font script="Tfng" typeface="Ebrima"/>
-      </a:majorFont>
-      <a:minorFont>
-        <a:latin typeface="Calibri" panose="020F0502020204030204"/>
-        <a:ea typeface=""/>
-        <a:cs typeface=""/>
-        <a:font script="Jpan" typeface="游ゴシック"/>
-        <a:font script="Hang" typeface="맑은 고딕"/>
-        <a:font script="Hans" typeface="等线"/>
-        <a:font script="Hant" typeface="新細明體"/>
-        <a:font script="Arab" typeface="Arial"/>
-        <a:font script="Hebr" typeface="Arial"/>
-        <a:font script="Thai" typeface="Cordia New"/>
+        <a:font script="Arab" typeface="Tahoma"/>
+        <a:font script="Hebr" typeface="Gisha"/>
+        <a:font script="Thai" typeface="DilleniaUPC"/>
         <a:font script="Ethi" typeface="Nyala"/>
         <a:font script="Beng" typeface="Vrinda"/>
         <a:font script="Gujr" typeface="Shruti"/>
@@ -3932,107 +4137,86 @@
         <a:font script="Laoo" typeface="DokChampa"/>
         <a:font script="Sinh" typeface="Iskoola Pota"/>
         <a:font script="Mong" typeface="Mongolian Baiti"/>
-        <a:font script="Viet" typeface="Arial"/>
+        <a:font script="Viet" typeface="Tahoma"/>
         <a:font script="Uigh" typeface="Microsoft Uighur"/>
         <a:font script="Geor" typeface="Sylfaen"/>
-        <a:font script="Armn" typeface="Arial"/>
-        <a:font script="Bugi" typeface="Leelawadee UI"/>
-        <a:font script="Bopo" typeface="Microsoft JhengHei"/>
-        <a:font script="Java" typeface="Javanese Text"/>
-        <a:font script="Lisu" typeface="Segoe UI"/>
-        <a:font script="Mymr" typeface="Myanmar Text"/>
-        <a:font script="Nkoo" typeface="Ebrima"/>
-        <a:font script="Olck" typeface="Nirmala UI"/>
-        <a:font script="Osma" typeface="Ebrima"/>
-        <a:font script="Phag" typeface="Phagspa"/>
-        <a:font script="Syrn" typeface="Estrangelo Edessa"/>
-        <a:font script="Syrj" typeface="Estrangelo Edessa"/>
-        <a:font script="Syre" typeface="Estrangelo Edessa"/>
-        <a:font script="Sora" typeface="Nirmala UI"/>
-        <a:font script="Tale" typeface="Microsoft Tai Le"/>
-        <a:font script="Talu" typeface="Microsoft New Tai Lue"/>
-        <a:font script="Tfng" typeface="Ebrima"/>
+      </a:majorFont>
+      <a:minorFont>
+        <a:latin typeface="Century Schoolbook" panose="02040604050505020304"/>
+        <a:ea typeface=""/>
+        <a:cs typeface=""/>
+        <a:font script="Jpan" typeface="ＭＳ ゴシック"/>
+        <a:font script="Hang" typeface="맑은 고딕"/>
+        <a:font script="Hans" typeface="宋体"/>
+        <a:font script="Hant" typeface="新細明體"/>
+        <a:font script="Arab" typeface="Tahoma"/>
+        <a:font script="Hebr" typeface="Gisha"/>
+        <a:font script="Thai" typeface="DilleniaUPC"/>
+        <a:font script="Ethi" typeface="Nyala"/>
+        <a:font script="Beng" typeface="Vrinda"/>
+        <a:font script="Gujr" typeface="Shruti"/>
+        <a:font script="Khmr" typeface="DaunPenh"/>
+        <a:font script="Knda" typeface="Tunga"/>
+        <a:font script="Guru" typeface="Raavi"/>
+        <a:font script="Cans" typeface="Euphemia"/>
+        <a:font script="Cher" typeface="Plantagenet Cherokee"/>
+        <a:font script="Yiii" typeface="Microsoft Yi Baiti"/>
+        <a:font script="Tibt" typeface="Microsoft Himalaya"/>
+        <a:font script="Thaa" typeface="MV Boli"/>
+        <a:font script="Deva" typeface="Mangal"/>
+        <a:font script="Telu" typeface="Gautami"/>
+        <a:font script="Taml" typeface="Latha"/>
+        <a:font script="Syrc" typeface="Estrangelo Edessa"/>
+        <a:font script="Orya" typeface="Kalinga"/>
+        <a:font script="Mlym" typeface="Kartika"/>
+        <a:font script="Laoo" typeface="DokChampa"/>
+        <a:font script="Sinh" typeface="Iskoola Pota"/>
+        <a:font script="Mong" typeface="Mongolian Baiti"/>
+        <a:font script="Viet" typeface="Verdana"/>
+        <a:font script="Uigh" typeface="Microsoft Uighur"/>
+        <a:font script="Geor" typeface="Sylfaen"/>
       </a:minorFont>
     </a:fontScheme>
-    <a:fmtScheme name="Стандартная">
+    <a:fmtScheme name="Вид">
       <a:fillStyleLst>
         <a:solidFill>
           <a:schemeClr val="phClr"/>
         </a:solidFill>
-        <a:gradFill rotWithShape="1">
-          <a:gsLst>
-            <a:gs pos="0">
-              <a:schemeClr val="phClr">
-                <a:lumMod val="110000"/>
-                <a:satMod val="105000"/>
-                <a:tint val="67000"/>
-              </a:schemeClr>
-            </a:gs>
-            <a:gs pos="50000">
-              <a:schemeClr val="phClr">
-                <a:lumMod val="105000"/>
-                <a:satMod val="103000"/>
-                <a:tint val="73000"/>
-              </a:schemeClr>
-            </a:gs>
-            <a:gs pos="100000">
-              <a:schemeClr val="phClr">
-                <a:lumMod val="105000"/>
-                <a:satMod val="109000"/>
-                <a:tint val="81000"/>
-              </a:schemeClr>
-            </a:gs>
-          </a:gsLst>
-          <a:lin ang="5400000" scaled="0"/>
-        </a:gradFill>
-        <a:gradFill rotWithShape="1">
-          <a:gsLst>
-            <a:gs pos="0">
-              <a:schemeClr val="phClr">
-                <a:satMod val="103000"/>
-                <a:lumMod val="102000"/>
-                <a:tint val="94000"/>
-              </a:schemeClr>
-            </a:gs>
-            <a:gs pos="50000">
-              <a:schemeClr val="phClr">
-                <a:satMod val="110000"/>
-                <a:lumMod val="100000"/>
-                <a:shade val="100000"/>
-              </a:schemeClr>
-            </a:gs>
-            <a:gs pos="100000">
-              <a:schemeClr val="phClr">
-                <a:lumMod val="99000"/>
-                <a:satMod val="120000"/>
-                <a:shade val="78000"/>
-              </a:schemeClr>
-            </a:gs>
-          </a:gsLst>
-          <a:lin ang="5400000" scaled="0"/>
-        </a:gradFill>
+        <a:solidFill>
+          <a:schemeClr val="phClr">
+            <a:tint val="60000"/>
+            <a:satMod val="120000"/>
+          </a:schemeClr>
+        </a:solidFill>
+        <a:solidFill>
+          <a:schemeClr val="phClr">
+            <a:shade val="75000"/>
+            <a:satMod val="160000"/>
+          </a:schemeClr>
+        </a:solidFill>
       </a:fillStyleLst>
       <a:lnStyleLst>
-        <a:ln w="6350" cap="flat" cmpd="sng" algn="ctr">
+        <a:ln w="9525" cap="flat" cmpd="sng" algn="ctr">
           <a:solidFill>
             <a:schemeClr val="phClr"/>
           </a:solidFill>
           <a:prstDash val="solid"/>
-          <a:miter lim="800000"/>
         </a:ln>
-        <a:ln w="12700" cap="flat" cmpd="sng" algn="ctr">
+        <a:ln w="13970" cap="flat" cmpd="sng" algn="ctr">
           <a:solidFill>
             <a:schemeClr val="phClr"/>
           </a:solidFill>
           <a:prstDash val="solid"/>
-          <a:miter lim="800000"/>
         </a:ln>
-        <a:ln w="19050" cap="flat" cmpd="sng" algn="ctr">
+        <a:ln w="17145" cap="flat" cmpd="sng" algn="ctr">
           <a:solidFill>
-            <a:schemeClr val="phClr"/>
+            <a:schemeClr val="phClr">
+              <a:shade val="95000"/>
+              <a:alpha val="95000"/>
+              <a:satMod val="150000"/>
+            </a:schemeClr>
           </a:solidFill>
           <a:prstDash val="solid"/>
-          <a:miter lim="800000"/>
         </a:ln>
       </a:lnStyleLst>
       <a:effectStyleLst>
@@ -4040,16 +4224,52 @@
           <a:effectLst/>
         </a:effectStyle>
         <a:effectStyle>
-          <a:effectLst/>
+          <a:effectLst>
+            <a:outerShdw blurRad="50800" dist="15240" dir="5400000" algn="tl" rotWithShape="0">
+              <a:srgbClr val="000000">
+                <a:alpha val="75000"/>
+              </a:srgbClr>
+            </a:outerShdw>
+          </a:effectLst>
+          <a:scene3d>
+            <a:camera prst="orthographicFront">
+              <a:rot lat="0" lon="0" rev="0"/>
+            </a:camera>
+            <a:lightRig rig="brightRoom" dir="tl"/>
+          </a:scene3d>
+          <a:sp3d contourW="9525" prstMaterial="flat">
+            <a:bevelT w="0" h="0" prst="coolSlant"/>
+            <a:contourClr>
+              <a:schemeClr val="phClr">
+                <a:shade val="35000"/>
+                <a:satMod val="130000"/>
+              </a:schemeClr>
+            </a:contourClr>
+          </a:sp3d>
         </a:effectStyle>
         <a:effectStyle>
           <a:effectLst>
-            <a:outerShdw blurRad="57150" dist="19050" dir="5400000" algn="ctr" rotWithShape="0">
+            <a:outerShdw blurRad="76200" dist="25400" dir="5400000" algn="tl" rotWithShape="0">
               <a:srgbClr val="000000">
-                <a:alpha val="63000"/>
+                <a:alpha val="55000"/>
               </a:srgbClr>
             </a:outerShdw>
           </a:effectLst>
+          <a:scene3d>
+            <a:camera prst="orthographicFront">
+              <a:rot lat="0" lon="0" rev="0"/>
+            </a:camera>
+            <a:lightRig rig="brightRoom" dir="tl"/>
+          </a:scene3d>
+          <a:sp3d contourW="19050" prstMaterial="flat">
+            <a:bevelT w="0" h="0" prst="coolSlant"/>
+            <a:contourClr>
+              <a:schemeClr val="phClr">
+                <a:shade val="25000"/>
+                <a:satMod val="140000"/>
+              </a:schemeClr>
+            </a:contourClr>
+          </a:sp3d>
         </a:effectStyle>
       </a:effectStyleLst>
       <a:bgFillStyleLst>
@@ -4066,28 +4286,23 @@
           <a:gsLst>
             <a:gs pos="0">
               <a:schemeClr val="phClr">
-                <a:tint val="93000"/>
-                <a:satMod val="150000"/>
+                <a:tint val="94000"/>
                 <a:shade val="98000"/>
+                <a:satMod val="130000"/>
                 <a:lumMod val="102000"/>
-              </a:schemeClr>
-            </a:gs>
-            <a:gs pos="50000">
-              <a:schemeClr val="phClr">
-                <a:tint val="98000"/>
-                <a:satMod val="130000"/>
-                <a:shade val="90000"/>
-                <a:lumMod val="103000"/>
               </a:schemeClr>
             </a:gs>
             <a:gs pos="100000">
               <a:schemeClr val="phClr">
-                <a:shade val="63000"/>
-                <a:satMod val="120000"/>
+                <a:tint val="98000"/>
+                <a:shade val="78000"/>
+                <a:satMod val="140000"/>
               </a:schemeClr>
             </a:gs>
           </a:gsLst>
-          <a:lin ang="5400000" scaled="0"/>
+          <a:path path="circle">
+            <a:fillToRect l="100000" t="100000" r="100000" b="100000"/>
+          </a:path>
         </a:gradFill>
       </a:bgFillStyleLst>
     </a:fmtScheme>
@@ -4096,7 +4311,7 @@
   <a:extraClrSchemeLst/>
   <a:extLst>
     <a:ext uri="{05A4C25C-085E-4340-85A3-A5531E510DB2}">
-      <thm15:themeFamily xmlns:thm15="http://schemas.microsoft.com/office/thememl/2012/main" name="Office Theme" id="{62F939B6-93AF-4DB8-9C6B-D6C7DFDC589F}" vid="{4A3C46E8-61CC-4603-A589-7422A47A8E4A}"/>
+      <thm15:themeFamily xmlns:thm15="http://schemas.microsoft.com/office/thememl/2012/main" name="View" id="{BA0EB5A6-F2D4-4F82-977B-64ADEE4A2A69}" vid="{3969A8A2-35DB-4E3B-8885-16FD20568674}"/>
     </a:ext>
   </a:extLst>
 </a:theme>

--- a/Презентация по проекту.pptx
+++ b/Презентация по проекту.pptx
@@ -3597,7 +3597,12 @@
             <p:ph type="title"/>
           </p:nvPr>
         </p:nvSpPr>
-        <p:spPr/>
+        <p:spPr>
+          <a:xfrm>
+            <a:off x="564288" y="441175"/>
+            <a:ext cx="9692640" cy="1325562"/>
+          </a:xfrm>
+        </p:spPr>
         <p:txBody>
           <a:bodyPr/>
           <a:lstStyle/>
@@ -3640,8 +3645,8 @@
         </p:blipFill>
         <p:spPr>
           <a:xfrm>
-            <a:off x="7305775" y="2642166"/>
-            <a:ext cx="3922116" cy="3922116"/>
+            <a:off x="6711885" y="2048276"/>
+            <a:ext cx="4516006" cy="4516006"/>
           </a:xfrm>
         </p:spPr>
       </p:pic>
@@ -3734,8 +3739,8 @@
         </p:blipFill>
         <p:spPr>
           <a:xfrm>
-            <a:off x="7475457" y="3113506"/>
-            <a:ext cx="3479056" cy="3479056"/>
+            <a:off x="6938128" y="2576177"/>
+            <a:ext cx="4016385" cy="4016385"/>
           </a:xfrm>
         </p:spPr>
       </p:pic>
@@ -3825,8 +3830,8 @@
         </p:blipFill>
         <p:spPr>
           <a:xfrm>
-            <a:off x="7334644" y="2894029"/>
-            <a:ext cx="3359280" cy="3359280"/>
+            <a:off x="6834433" y="2393818"/>
+            <a:ext cx="3859491" cy="3859491"/>
           </a:xfrm>
           <a:prstGeom prst="rect">
             <a:avLst/>
@@ -3953,8 +3958,8 @@
         </p:blipFill>
         <p:spPr>
           <a:xfrm>
-            <a:off x="7702099" y="3429000"/>
-            <a:ext cx="3153266" cy="3153266"/>
+            <a:off x="7107810" y="2834711"/>
+            <a:ext cx="3747555" cy="3747555"/>
           </a:xfrm>
         </p:spPr>
       </p:pic>
@@ -4004,7 +4009,12 @@
             <p:ph type="title"/>
           </p:nvPr>
         </p:nvSpPr>
-        <p:spPr/>
+        <p:spPr>
+          <a:xfrm>
+            <a:off x="565608" y="365760"/>
+            <a:ext cx="10388904" cy="963420"/>
+          </a:xfrm>
+        </p:spPr>
         <p:txBody>
           <a:bodyPr/>
           <a:lstStyle/>
@@ -4046,8 +4056,8 @@
         </p:blipFill>
         <p:spPr>
           <a:xfrm>
-            <a:off x="6947089" y="2545237"/>
-            <a:ext cx="4737837" cy="4737837"/>
+            <a:off x="6268825" y="1866973"/>
+            <a:ext cx="5416101" cy="5416101"/>
           </a:xfrm>
         </p:spPr>
       </p:pic>

--- a/Презентация по проекту.pptx
+++ b/Презентация по проекту.pptx
@@ -8,9 +8,14 @@
     <p:sldId id="256" r:id="rId2"/>
     <p:sldId id="257" r:id="rId3"/>
     <p:sldId id="258" r:id="rId4"/>
-    <p:sldId id="259" r:id="rId5"/>
-    <p:sldId id="260" r:id="rId6"/>
-    <p:sldId id="261" r:id="rId7"/>
+    <p:sldId id="262" r:id="rId5"/>
+    <p:sldId id="263" r:id="rId6"/>
+    <p:sldId id="264" r:id="rId7"/>
+    <p:sldId id="266" r:id="rId8"/>
+    <p:sldId id="259" r:id="rId9"/>
+    <p:sldId id="260" r:id="rId10"/>
+    <p:sldId id="265" r:id="rId11"/>
+    <p:sldId id="261" r:id="rId12"/>
   </p:sldIdLst>
   <p:sldSz cx="12192000" cy="6858000"/>
   <p:notesSz cx="6858000" cy="9144000"/>
@@ -275,7 +280,7 @@
           <a:p>
             <a:fld id="{191AF15F-3945-47C9-AE07-E35D5231879B}" type="datetimeFigureOut">
               <a:rPr lang="ru-RU" smtClean="0"/>
-              <a:t>14.04.2022</a:t>
+              <a:t>24.04.2022</a:t>
             </a:fld>
             <a:endParaRPr lang="ru-RU"/>
           </a:p>
@@ -503,7 +508,7 @@
           <a:p>
             <a:fld id="{191AF15F-3945-47C9-AE07-E35D5231879B}" type="datetimeFigureOut">
               <a:rPr lang="ru-RU" smtClean="0"/>
-              <a:t>14.04.2022</a:t>
+              <a:t>24.04.2022</a:t>
             </a:fld>
             <a:endParaRPr lang="ru-RU"/>
           </a:p>
@@ -683,7 +688,7 @@
           <a:p>
             <a:fld id="{191AF15F-3945-47C9-AE07-E35D5231879B}" type="datetimeFigureOut">
               <a:rPr lang="ru-RU" smtClean="0"/>
-              <a:t>14.04.2022</a:t>
+              <a:t>24.04.2022</a:t>
             </a:fld>
             <a:endParaRPr lang="ru-RU"/>
           </a:p>
@@ -853,7 +858,7 @@
           <a:p>
             <a:fld id="{191AF15F-3945-47C9-AE07-E35D5231879B}" type="datetimeFigureOut">
               <a:rPr lang="ru-RU" smtClean="0"/>
-              <a:t>14.04.2022</a:t>
+              <a:t>24.04.2022</a:t>
             </a:fld>
             <a:endParaRPr lang="ru-RU"/>
           </a:p>
@@ -1107,7 +1112,7 @@
           <a:p>
             <a:fld id="{191AF15F-3945-47C9-AE07-E35D5231879B}" type="datetimeFigureOut">
               <a:rPr lang="ru-RU" smtClean="0"/>
-              <a:t>14.04.2022</a:t>
+              <a:t>24.04.2022</a:t>
             </a:fld>
             <a:endParaRPr lang="ru-RU"/>
           </a:p>
@@ -1433,7 +1438,7 @@
           <a:p>
             <a:fld id="{191AF15F-3945-47C9-AE07-E35D5231879B}" type="datetimeFigureOut">
               <a:rPr lang="ru-RU" smtClean="0"/>
-              <a:t>14.04.2022</a:t>
+              <a:t>24.04.2022</a:t>
             </a:fld>
             <a:endParaRPr lang="ru-RU"/>
           </a:p>
@@ -1884,7 +1889,7 @@
           <a:p>
             <a:fld id="{191AF15F-3945-47C9-AE07-E35D5231879B}" type="datetimeFigureOut">
               <a:rPr lang="ru-RU" smtClean="0"/>
-              <a:t>14.04.2022</a:t>
+              <a:t>24.04.2022</a:t>
             </a:fld>
             <a:endParaRPr lang="ru-RU"/>
           </a:p>
@@ -2002,7 +2007,7 @@
           <a:p>
             <a:fld id="{191AF15F-3945-47C9-AE07-E35D5231879B}" type="datetimeFigureOut">
               <a:rPr lang="ru-RU" smtClean="0"/>
-              <a:t>14.04.2022</a:t>
+              <a:t>24.04.2022</a:t>
             </a:fld>
             <a:endParaRPr lang="ru-RU"/>
           </a:p>
@@ -2097,7 +2102,7 @@
           <a:p>
             <a:fld id="{191AF15F-3945-47C9-AE07-E35D5231879B}" type="datetimeFigureOut">
               <a:rPr lang="ru-RU" smtClean="0"/>
-              <a:t>14.04.2022</a:t>
+              <a:t>24.04.2022</a:t>
             </a:fld>
             <a:endParaRPr lang="ru-RU"/>
           </a:p>
@@ -2384,7 +2389,7 @@
           <a:p>
             <a:fld id="{191AF15F-3945-47C9-AE07-E35D5231879B}" type="datetimeFigureOut">
               <a:rPr lang="ru-RU" smtClean="0"/>
-              <a:t>14.04.2022</a:t>
+              <a:t>24.04.2022</a:t>
             </a:fld>
             <a:endParaRPr lang="ru-RU"/>
           </a:p>
@@ -2706,7 +2711,7 @@
           <a:p>
             <a:fld id="{191AF15F-3945-47C9-AE07-E35D5231879B}" type="datetimeFigureOut">
               <a:rPr lang="ru-RU" smtClean="0"/>
-              <a:t>14.04.2022</a:t>
+              <a:t>24.04.2022</a:t>
             </a:fld>
             <a:endParaRPr lang="ru-RU"/>
           </a:p>
@@ -2965,7 +2970,7 @@
           <a:p>
             <a:fld id="{191AF15F-3945-47C9-AE07-E35D5231879B}" type="datetimeFigureOut">
               <a:rPr lang="ru-RU" smtClean="0"/>
-              <a:t>14.04.2022</a:t>
+              <a:t>24.04.2022</a:t>
             </a:fld>
             <a:endParaRPr lang="ru-RU"/>
           </a:p>
@@ -3564,6 +3569,321 @@
 </p:sld>
 </file>
 
+<file path=ppt/slides/slide10.xml><?xml version="1.0" encoding="utf-8"?>
+<p:sld xmlns:a="http://schemas.openxmlformats.org/drawingml/2006/main" xmlns:r="http://schemas.openxmlformats.org/officeDocument/2006/relationships" xmlns:p="http://schemas.openxmlformats.org/presentationml/2006/main">
+  <p:cSld>
+    <p:spTree>
+      <p:nvGrpSpPr>
+        <p:cNvPr id="1" name=""/>
+        <p:cNvGrpSpPr/>
+        <p:nvPr/>
+      </p:nvGrpSpPr>
+      <p:grpSpPr>
+        <a:xfrm>
+          <a:off x="0" y="0"/>
+          <a:ext cx="0" cy="0"/>
+          <a:chOff x="0" y="0"/>
+          <a:chExt cx="0" cy="0"/>
+        </a:xfrm>
+      </p:grpSpPr>
+      <p:sp>
+        <p:nvSpPr>
+          <p:cNvPr id="2" name="Заголовок 1">
+            <a:extLst>
+              <a:ext uri="{FF2B5EF4-FFF2-40B4-BE49-F238E27FC236}">
+                <a16:creationId xmlns:a16="http://schemas.microsoft.com/office/drawing/2014/main" id="{AB6075B7-5E89-4A55-9E1F-5BC6F2E85CE2}"/>
+              </a:ext>
+            </a:extLst>
+          </p:cNvPr>
+          <p:cNvSpPr>
+            <a:spLocks noGrp="1"/>
+          </p:cNvSpPr>
+          <p:nvPr>
+            <p:ph type="title"/>
+          </p:nvPr>
+        </p:nvSpPr>
+        <p:spPr>
+          <a:xfrm>
+            <a:off x="1249679" y="363563"/>
+            <a:ext cx="9692640" cy="729788"/>
+          </a:xfrm>
+        </p:spPr>
+        <p:txBody>
+          <a:bodyPr/>
+          <a:lstStyle/>
+          <a:p>
+            <a:pPr algn="ctr"/>
+            <a:r>
+              <a:rPr lang="en-US" dirty="0"/>
+              <a:t>CSV</a:t>
+            </a:r>
+            <a:r>
+              <a:rPr lang="ru-RU" dirty="0"/>
+              <a:t> и текстовый файлы</a:t>
+            </a:r>
+          </a:p>
+        </p:txBody>
+      </p:sp>
+      <p:pic>
+        <p:nvPicPr>
+          <p:cNvPr id="4" name="Объект 3">
+            <a:extLst>
+              <a:ext uri="{FF2B5EF4-FFF2-40B4-BE49-F238E27FC236}">
+                <a16:creationId xmlns:a16="http://schemas.microsoft.com/office/drawing/2014/main" id="{6FAF329D-DFCB-492C-9AE7-EFF672958A1B}"/>
+              </a:ext>
+            </a:extLst>
+          </p:cNvPr>
+          <p:cNvPicPr>
+            <a:picLocks noGrp="1" noChangeAspect="1"/>
+          </p:cNvPicPr>
+          <p:nvPr>
+            <p:ph idx="1"/>
+          </p:nvPr>
+        </p:nvPicPr>
+        <p:blipFill>
+          <a:blip r:embed="rId2"/>
+          <a:stretch>
+            <a:fillRect/>
+          </a:stretch>
+        </p:blipFill>
+        <p:spPr>
+          <a:xfrm>
+            <a:off x="3318690" y="1552717"/>
+            <a:ext cx="5554619" cy="3521364"/>
+          </a:xfrm>
+          <a:prstGeom prst="rect">
+            <a:avLst/>
+          </a:prstGeom>
+        </p:spPr>
+      </p:pic>
+      <p:pic>
+        <p:nvPicPr>
+          <p:cNvPr id="5" name="Рисунок 4">
+            <a:extLst>
+              <a:ext uri="{FF2B5EF4-FFF2-40B4-BE49-F238E27FC236}">
+                <a16:creationId xmlns:a16="http://schemas.microsoft.com/office/drawing/2014/main" id="{C1A67BCD-1920-4B1C-B3B8-7F4C03E26B09}"/>
+              </a:ext>
+            </a:extLst>
+          </p:cNvPr>
+          <p:cNvPicPr>
+            <a:picLocks noChangeAspect="1"/>
+          </p:cNvPicPr>
+          <p:nvPr/>
+        </p:nvPicPr>
+        <p:blipFill>
+          <a:blip r:embed="rId3"/>
+          <a:stretch>
+            <a:fillRect/>
+          </a:stretch>
+        </p:blipFill>
+        <p:spPr>
+          <a:xfrm>
+            <a:off x="1651407" y="5533447"/>
+            <a:ext cx="9108215" cy="597971"/>
+          </a:xfrm>
+          <a:prstGeom prst="rect">
+            <a:avLst/>
+          </a:prstGeom>
+        </p:spPr>
+      </p:pic>
+    </p:spTree>
+    <p:extLst>
+      <p:ext uri="{BB962C8B-B14F-4D97-AF65-F5344CB8AC3E}">
+        <p14:creationId xmlns:p14="http://schemas.microsoft.com/office/powerpoint/2010/main" val="2069621584"/>
+      </p:ext>
+    </p:extLst>
+  </p:cSld>
+  <p:clrMapOvr>
+    <a:masterClrMapping/>
+  </p:clrMapOvr>
+</p:sld>
+</file>
+
+<file path=ppt/slides/slide11.xml><?xml version="1.0" encoding="utf-8"?>
+<p:sld xmlns:a="http://schemas.openxmlformats.org/drawingml/2006/main" xmlns:r="http://schemas.openxmlformats.org/officeDocument/2006/relationships" xmlns:p="http://schemas.openxmlformats.org/presentationml/2006/main">
+  <p:cSld>
+    <p:spTree>
+      <p:nvGrpSpPr>
+        <p:cNvPr id="1" name=""/>
+        <p:cNvGrpSpPr/>
+        <p:nvPr/>
+      </p:nvGrpSpPr>
+      <p:grpSpPr>
+        <a:xfrm>
+          <a:off x="0" y="0"/>
+          <a:ext cx="0" cy="0"/>
+          <a:chOff x="0" y="0"/>
+          <a:chExt cx="0" cy="0"/>
+        </a:xfrm>
+      </p:grpSpPr>
+      <p:sp>
+        <p:nvSpPr>
+          <p:cNvPr id="2" name="Заголовок 1">
+            <a:extLst>
+              <a:ext uri="{FF2B5EF4-FFF2-40B4-BE49-F238E27FC236}">
+                <a16:creationId xmlns:a16="http://schemas.microsoft.com/office/drawing/2014/main" id="{D4225F31-362D-4003-8BAB-44D14E1759EA}"/>
+              </a:ext>
+            </a:extLst>
+          </p:cNvPr>
+          <p:cNvSpPr>
+            <a:spLocks noGrp="1"/>
+          </p:cNvSpPr>
+          <p:nvPr>
+            <p:ph type="title"/>
+          </p:nvPr>
+        </p:nvSpPr>
+        <p:spPr>
+          <a:xfrm>
+            <a:off x="565608" y="365760"/>
+            <a:ext cx="10388904" cy="963420"/>
+          </a:xfrm>
+        </p:spPr>
+        <p:txBody>
+          <a:bodyPr/>
+          <a:lstStyle/>
+          <a:p>
+            <a:r>
+              <a:rPr lang="ru-RU" dirty="0"/>
+              <a:t>Итоги, выводы, рекомендации</a:t>
+            </a:r>
+          </a:p>
+        </p:txBody>
+      </p:sp>
+      <p:pic>
+        <p:nvPicPr>
+          <p:cNvPr id="5" name="Объект 4">
+            <a:extLst>
+              <a:ext uri="{FF2B5EF4-FFF2-40B4-BE49-F238E27FC236}">
+                <a16:creationId xmlns:a16="http://schemas.microsoft.com/office/drawing/2014/main" id="{648C8143-9CD1-450C-9DEA-B8495898BB6B}"/>
+              </a:ext>
+            </a:extLst>
+          </p:cNvPr>
+          <p:cNvPicPr>
+            <a:picLocks noGrp="1" noChangeAspect="1"/>
+          </p:cNvPicPr>
+          <p:nvPr>
+            <p:ph idx="1"/>
+          </p:nvPr>
+        </p:nvPicPr>
+        <p:blipFill>
+          <a:blip r:embed="rId2">
+            <a:extLst>
+              <a:ext uri="{28A0092B-C50C-407E-A947-70E740481C1C}">
+                <a14:useLocalDpi xmlns:a14="http://schemas.microsoft.com/office/drawing/2010/main" val="0"/>
+              </a:ext>
+            </a:extLst>
+          </a:blip>
+          <a:stretch>
+            <a:fillRect/>
+          </a:stretch>
+        </p:blipFill>
+        <p:spPr>
+          <a:xfrm>
+            <a:off x="6268825" y="1866973"/>
+            <a:ext cx="5416101" cy="5416101"/>
+          </a:xfrm>
+        </p:spPr>
+      </p:pic>
+      <p:sp>
+        <p:nvSpPr>
+          <p:cNvPr id="3" name="TextBox 2">
+            <a:extLst>
+              <a:ext uri="{FF2B5EF4-FFF2-40B4-BE49-F238E27FC236}">
+                <a16:creationId xmlns:a16="http://schemas.microsoft.com/office/drawing/2014/main" id="{42A51BB7-B7A1-4267-B616-420144C3A704}"/>
+              </a:ext>
+            </a:extLst>
+          </p:cNvPr>
+          <p:cNvSpPr txBox="1"/>
+          <p:nvPr/>
+        </p:nvSpPr>
+        <p:spPr>
+          <a:xfrm>
+            <a:off x="565608" y="2696067"/>
+            <a:ext cx="7447176" cy="2800767"/>
+          </a:xfrm>
+          <a:prstGeom prst="rect">
+            <a:avLst/>
+          </a:prstGeom>
+          <a:noFill/>
+        </p:spPr>
+        <p:txBody>
+          <a:bodyPr wrap="square" rtlCol="0">
+            <a:spAutoFit/>
+          </a:bodyPr>
+          <a:lstStyle/>
+          <a:p>
+            <a:pPr marL="285750" indent="-285750">
+              <a:buFont typeface="Arial" panose="020B0604020202020204" pitchFamily="34" charset="0"/>
+              <a:buChar char="•"/>
+            </a:pPr>
+            <a:r>
+              <a:rPr lang="ru-RU" sz="2800" dirty="0"/>
+              <a:t>Усовершенствовать тест по книгам</a:t>
+            </a:r>
+          </a:p>
+          <a:p>
+            <a:pPr marL="285750" indent="-285750">
+              <a:buFont typeface="Arial" panose="020B0604020202020204" pitchFamily="34" charset="0"/>
+              <a:buChar char="•"/>
+            </a:pPr>
+            <a:endParaRPr lang="ru-RU" sz="2800" dirty="0"/>
+          </a:p>
+          <a:p>
+            <a:pPr marL="285750" indent="-285750">
+              <a:buFont typeface="Arial" panose="020B0604020202020204" pitchFamily="34" charset="0"/>
+              <a:buChar char="•"/>
+            </a:pPr>
+            <a:r>
+              <a:rPr lang="ru-RU" sz="2800" dirty="0"/>
+              <a:t>Расширить поисковую систему</a:t>
+            </a:r>
+          </a:p>
+          <a:p>
+            <a:pPr marL="285750" indent="-285750">
+              <a:buFont typeface="Arial" panose="020B0604020202020204" pitchFamily="34" charset="0"/>
+              <a:buChar char="•"/>
+            </a:pPr>
+            <a:endParaRPr lang="ru-RU" sz="2800" dirty="0"/>
+          </a:p>
+          <a:p>
+            <a:pPr marL="285750" indent="-285750">
+              <a:buFont typeface="Arial" panose="020B0604020202020204" pitchFamily="34" charset="0"/>
+              <a:buChar char="•"/>
+            </a:pPr>
+            <a:r>
+              <a:rPr lang="ru-RU" sz="2800" dirty="0"/>
+              <a:t>Дополнить бот функциями</a:t>
+            </a:r>
+          </a:p>
+          <a:p>
+            <a:pPr marL="285750" indent="-285750">
+              <a:buFont typeface="Arial" panose="020B0604020202020204" pitchFamily="34" charset="0"/>
+              <a:buChar char="•"/>
+            </a:pPr>
+            <a:endParaRPr lang="ru-RU" dirty="0"/>
+          </a:p>
+          <a:p>
+            <a:pPr marL="285750" indent="-285750">
+              <a:buFont typeface="Arial" panose="020B0604020202020204" pitchFamily="34" charset="0"/>
+              <a:buChar char="•"/>
+            </a:pPr>
+            <a:endParaRPr lang="ru-RU" dirty="0"/>
+          </a:p>
+        </p:txBody>
+      </p:sp>
+    </p:spTree>
+    <p:extLst>
+      <p:ext uri="{BB962C8B-B14F-4D97-AF65-F5344CB8AC3E}">
+        <p14:creationId xmlns:p14="http://schemas.microsoft.com/office/powerpoint/2010/main" val="2106561315"/>
+      </p:ext>
+    </p:extLst>
+  </p:cSld>
+  <p:clrMapOvr>
+    <a:masterClrMapping/>
+  </p:clrMapOvr>
+</p:sld>
+</file>
+
 <file path=ppt/slides/slide2.xml><?xml version="1.0" encoding="utf-8"?>
 <p:sld xmlns:a="http://schemas.openxmlformats.org/drawingml/2006/main" xmlns:r="http://schemas.openxmlformats.org/officeDocument/2006/relationships" xmlns:p="http://schemas.openxmlformats.org/presentationml/2006/main">
   <p:cSld>
@@ -3650,6 +3970,86 @@
           </a:xfrm>
         </p:spPr>
       </p:pic>
+      <p:sp>
+        <p:nvSpPr>
+          <p:cNvPr id="3" name="TextBox 2">
+            <a:extLst>
+              <a:ext uri="{FF2B5EF4-FFF2-40B4-BE49-F238E27FC236}">
+                <a16:creationId xmlns:a16="http://schemas.microsoft.com/office/drawing/2014/main" id="{56D971CD-BEFE-45FF-8AFB-22F54FCAEC2A}"/>
+              </a:ext>
+            </a:extLst>
+          </p:cNvPr>
+          <p:cNvSpPr txBox="1"/>
+          <p:nvPr/>
+        </p:nvSpPr>
+        <p:spPr>
+          <a:xfrm>
+            <a:off x="697582" y="2691710"/>
+            <a:ext cx="6259399" cy="2677656"/>
+          </a:xfrm>
+          <a:prstGeom prst="rect">
+            <a:avLst/>
+          </a:prstGeom>
+          <a:noFill/>
+        </p:spPr>
+        <p:txBody>
+          <a:bodyPr wrap="square" rtlCol="0">
+            <a:spAutoFit/>
+          </a:bodyPr>
+          <a:lstStyle/>
+          <a:p>
+            <a:pPr marL="285750" indent="-285750">
+              <a:buFont typeface="Arial" panose="020B0604020202020204" pitchFamily="34" charset="0"/>
+              <a:buChar char="•"/>
+            </a:pPr>
+            <a:r>
+              <a:rPr lang="ru-RU" sz="2800" dirty="0"/>
+              <a:t>Помочь людям находить книги, не зная их полных названий</a:t>
+            </a:r>
+            <a:endParaRPr lang="en-US" sz="2800" dirty="0"/>
+          </a:p>
+          <a:p>
+            <a:pPr marL="285750" indent="-285750">
+              <a:buFont typeface="Arial" panose="020B0604020202020204" pitchFamily="34" charset="0"/>
+              <a:buChar char="•"/>
+            </a:pPr>
+            <a:endParaRPr lang="ru-RU" sz="2800" dirty="0"/>
+          </a:p>
+          <a:p>
+            <a:pPr marL="285750" indent="-285750">
+              <a:buFont typeface="Arial" panose="020B0604020202020204" pitchFamily="34" charset="0"/>
+              <a:buChar char="•"/>
+            </a:pPr>
+            <a:r>
+              <a:rPr lang="ru-RU" sz="2800" dirty="0"/>
+              <a:t>Упростить систему поиска книг</a:t>
+            </a:r>
+            <a:endParaRPr lang="en-US" sz="2800" dirty="0"/>
+          </a:p>
+          <a:p>
+            <a:pPr marL="285750" indent="-285750">
+              <a:buFont typeface="Arial" panose="020B0604020202020204" pitchFamily="34" charset="0"/>
+              <a:buChar char="•"/>
+            </a:pPr>
+            <a:endParaRPr lang="ru-RU" sz="2800" dirty="0"/>
+          </a:p>
+          <a:p>
+            <a:pPr marL="285750" indent="-285750">
+              <a:buFont typeface="Arial" panose="020B0604020202020204" pitchFamily="34" charset="0"/>
+              <a:buChar char="•"/>
+            </a:pPr>
+            <a:r>
+              <a:rPr lang="ru-RU" sz="2800" dirty="0"/>
+              <a:t>Сделать Чат Бот в </a:t>
+            </a:r>
+            <a:r>
+              <a:rPr lang="en-US" sz="2800" dirty="0"/>
+              <a:t>Telegram</a:t>
+            </a:r>
+            <a:endParaRPr lang="ru-RU" sz="2800" dirty="0"/>
+          </a:p>
+        </p:txBody>
+      </p:sp>
     </p:spTree>
     <p:extLst>
       <p:ext uri="{BB962C8B-B14F-4D97-AF65-F5344CB8AC3E}">
@@ -3696,7 +4096,12 @@
             <p:ph type="title"/>
           </p:nvPr>
         </p:nvSpPr>
-        <p:spPr/>
+        <p:spPr>
+          <a:xfrm>
+            <a:off x="733970" y="707011"/>
+            <a:ext cx="9692640" cy="899470"/>
+          </a:xfrm>
+        </p:spPr>
         <p:txBody>
           <a:bodyPr/>
           <a:lstStyle/>
@@ -3744,6 +4149,101 @@
           </a:xfrm>
         </p:spPr>
       </p:pic>
+      <p:sp>
+        <p:nvSpPr>
+          <p:cNvPr id="3" name="TextBox 2">
+            <a:extLst>
+              <a:ext uri="{FF2B5EF4-FFF2-40B4-BE49-F238E27FC236}">
+                <a16:creationId xmlns:a16="http://schemas.microsoft.com/office/drawing/2014/main" id="{F08708FD-5A2C-4B86-A919-CD386563F7A3}"/>
+              </a:ext>
+            </a:extLst>
+          </p:cNvPr>
+          <p:cNvSpPr txBox="1"/>
+          <p:nvPr/>
+        </p:nvSpPr>
+        <p:spPr>
+          <a:xfrm>
+            <a:off x="414779" y="2133117"/>
+            <a:ext cx="6099143" cy="3785652"/>
+          </a:xfrm>
+          <a:prstGeom prst="rect">
+            <a:avLst/>
+          </a:prstGeom>
+          <a:noFill/>
+        </p:spPr>
+        <p:txBody>
+          <a:bodyPr wrap="square" rtlCol="0">
+            <a:spAutoFit/>
+          </a:bodyPr>
+          <a:lstStyle/>
+          <a:p>
+            <a:pPr marL="285750" indent="-285750">
+              <a:buFont typeface="Wingdings" panose="05000000000000000000" pitchFamily="2" charset="2"/>
+              <a:buChar char="q"/>
+            </a:pPr>
+            <a:r>
+              <a:rPr lang="ru-RU" sz="2400" dirty="0"/>
+              <a:t>Регистрация пользователя (данные о нём заносятся в базу данных)</a:t>
+            </a:r>
+          </a:p>
+          <a:p>
+            <a:pPr marL="285750" indent="-285750">
+              <a:buFont typeface="Wingdings" panose="05000000000000000000" pitchFamily="2" charset="2"/>
+              <a:buChar char="q"/>
+            </a:pPr>
+            <a:endParaRPr lang="ru-RU" sz="2400" dirty="0"/>
+          </a:p>
+          <a:p>
+            <a:pPr marL="285750" indent="-285750">
+              <a:buFont typeface="Wingdings" panose="05000000000000000000" pitchFamily="2" charset="2"/>
+              <a:buChar char="q"/>
+            </a:pPr>
+            <a:r>
+              <a:rPr lang="ru-RU" sz="2400" dirty="0"/>
+              <a:t>Меню с разными функциями нашего Бота</a:t>
+            </a:r>
+          </a:p>
+          <a:p>
+            <a:pPr marL="285750" indent="-285750">
+              <a:buFont typeface="Wingdings" panose="05000000000000000000" pitchFamily="2" charset="2"/>
+              <a:buChar char="q"/>
+            </a:pPr>
+            <a:endParaRPr lang="ru-RU" sz="2400" dirty="0"/>
+          </a:p>
+          <a:p>
+            <a:pPr marL="285750" indent="-285750">
+              <a:buFont typeface="Wingdings" panose="05000000000000000000" pitchFamily="2" charset="2"/>
+              <a:buChar char="q"/>
+            </a:pPr>
+            <a:r>
+              <a:rPr lang="ru-RU" sz="2400" dirty="0"/>
+              <a:t>Поиск книг по словам или именам авторов</a:t>
+            </a:r>
+            <a:r>
+              <a:rPr lang="en-US" sz="2400" dirty="0"/>
+              <a:t> </a:t>
+            </a:r>
+            <a:endParaRPr lang="ru-RU" sz="2400" dirty="0"/>
+          </a:p>
+          <a:p>
+            <a:pPr marL="285750" indent="-285750">
+              <a:buFont typeface="Wingdings" panose="05000000000000000000" pitchFamily="2" charset="2"/>
+              <a:buChar char="q"/>
+            </a:pPr>
+            <a:endParaRPr lang="ru-RU" sz="2400" dirty="0"/>
+          </a:p>
+          <a:p>
+            <a:pPr marL="285750" indent="-285750">
+              <a:buFont typeface="Wingdings" panose="05000000000000000000" pitchFamily="2" charset="2"/>
+              <a:buChar char="q"/>
+            </a:pPr>
+            <a:r>
+              <a:rPr lang="ru-RU" sz="2400" dirty="0"/>
+              <a:t>Литературный тест</a:t>
+            </a:r>
+          </a:p>
+        </p:txBody>
+      </p:sp>
     </p:spTree>
     <p:extLst>
       <p:ext uri="{BB962C8B-B14F-4D97-AF65-F5344CB8AC3E}">
@@ -3779,6 +4279,569 @@
           <p:cNvPr id="2" name="Заголовок 1">
             <a:extLst>
               <a:ext uri="{FF2B5EF4-FFF2-40B4-BE49-F238E27FC236}">
+                <a16:creationId xmlns:a16="http://schemas.microsoft.com/office/drawing/2014/main" id="{DDB1084B-4403-4A0D-968E-50979E3C8FA5}"/>
+              </a:ext>
+            </a:extLst>
+          </p:cNvPr>
+          <p:cNvSpPr>
+            <a:spLocks noGrp="1"/>
+          </p:cNvSpPr>
+          <p:nvPr>
+            <p:ph type="title"/>
+          </p:nvPr>
+        </p:nvSpPr>
+        <p:spPr>
+          <a:xfrm>
+            <a:off x="1249680" y="249812"/>
+            <a:ext cx="9692640" cy="880617"/>
+          </a:xfrm>
+        </p:spPr>
+        <p:txBody>
+          <a:bodyPr/>
+          <a:lstStyle/>
+          <a:p>
+            <a:pPr algn="ctr"/>
+            <a:r>
+              <a:rPr lang="ru-RU" dirty="0"/>
+              <a:t>Регистрация пользователя</a:t>
+            </a:r>
+          </a:p>
+        </p:txBody>
+      </p:sp>
+      <p:pic>
+        <p:nvPicPr>
+          <p:cNvPr id="4" name="Объект 3">
+            <a:extLst>
+              <a:ext uri="{FF2B5EF4-FFF2-40B4-BE49-F238E27FC236}">
+                <a16:creationId xmlns:a16="http://schemas.microsoft.com/office/drawing/2014/main" id="{805F54CE-137C-4EAD-9654-D9482AFDC0EB}"/>
+              </a:ext>
+            </a:extLst>
+          </p:cNvPr>
+          <p:cNvPicPr>
+            <a:picLocks noGrp="1" noChangeAspect="1"/>
+          </p:cNvPicPr>
+          <p:nvPr>
+            <p:ph idx="1"/>
+          </p:nvPr>
+        </p:nvPicPr>
+        <p:blipFill>
+          <a:blip r:embed="rId2"/>
+          <a:stretch>
+            <a:fillRect/>
+          </a:stretch>
+        </p:blipFill>
+        <p:spPr>
+          <a:xfrm>
+            <a:off x="2125863" y="1526853"/>
+            <a:ext cx="3547384" cy="4807957"/>
+          </a:xfrm>
+          <a:prstGeom prst="rect">
+            <a:avLst/>
+          </a:prstGeom>
+        </p:spPr>
+      </p:pic>
+      <p:pic>
+        <p:nvPicPr>
+          <p:cNvPr id="5" name="Рисунок 4">
+            <a:extLst>
+              <a:ext uri="{FF2B5EF4-FFF2-40B4-BE49-F238E27FC236}">
+                <a16:creationId xmlns:a16="http://schemas.microsoft.com/office/drawing/2014/main" id="{A4E05EAC-23E2-4096-BC5C-269176279AFF}"/>
+              </a:ext>
+            </a:extLst>
+          </p:cNvPr>
+          <p:cNvPicPr>
+            <a:picLocks noChangeAspect="1"/>
+          </p:cNvPicPr>
+          <p:nvPr/>
+        </p:nvPicPr>
+        <p:blipFill>
+          <a:blip r:embed="rId3"/>
+          <a:stretch>
+            <a:fillRect/>
+          </a:stretch>
+        </p:blipFill>
+        <p:spPr>
+          <a:xfrm>
+            <a:off x="6518754" y="1526853"/>
+            <a:ext cx="3547383" cy="4807957"/>
+          </a:xfrm>
+          <a:prstGeom prst="rect">
+            <a:avLst/>
+          </a:prstGeom>
+        </p:spPr>
+      </p:pic>
+    </p:spTree>
+    <p:extLst>
+      <p:ext uri="{BB962C8B-B14F-4D97-AF65-F5344CB8AC3E}">
+        <p14:creationId xmlns:p14="http://schemas.microsoft.com/office/powerpoint/2010/main" val="105923762"/>
+      </p:ext>
+    </p:extLst>
+  </p:cSld>
+  <p:clrMapOvr>
+    <a:masterClrMapping/>
+  </p:clrMapOvr>
+</p:sld>
+</file>
+
+<file path=ppt/slides/slide5.xml><?xml version="1.0" encoding="utf-8"?>
+<p:sld xmlns:a="http://schemas.openxmlformats.org/drawingml/2006/main" xmlns:r="http://schemas.openxmlformats.org/officeDocument/2006/relationships" xmlns:p="http://schemas.openxmlformats.org/presentationml/2006/main">
+  <p:cSld>
+    <p:spTree>
+      <p:nvGrpSpPr>
+        <p:cNvPr id="1" name=""/>
+        <p:cNvGrpSpPr/>
+        <p:nvPr/>
+      </p:nvGrpSpPr>
+      <p:grpSpPr>
+        <a:xfrm>
+          <a:off x="0" y="0"/>
+          <a:ext cx="0" cy="0"/>
+          <a:chOff x="0" y="0"/>
+          <a:chExt cx="0" cy="0"/>
+        </a:xfrm>
+      </p:grpSpPr>
+      <p:sp>
+        <p:nvSpPr>
+          <p:cNvPr id="2" name="Заголовок 1">
+            <a:extLst>
+              <a:ext uri="{FF2B5EF4-FFF2-40B4-BE49-F238E27FC236}">
+                <a16:creationId xmlns:a16="http://schemas.microsoft.com/office/drawing/2014/main" id="{0B5B3332-CD8C-4D21-BFCE-2C421BFA44EA}"/>
+              </a:ext>
+            </a:extLst>
+          </p:cNvPr>
+          <p:cNvSpPr>
+            <a:spLocks noGrp="1"/>
+          </p:cNvSpPr>
+          <p:nvPr>
+            <p:ph type="title"/>
+          </p:nvPr>
+        </p:nvSpPr>
+        <p:spPr>
+          <a:xfrm>
+            <a:off x="1344891" y="432380"/>
+            <a:ext cx="9162853" cy="734038"/>
+          </a:xfrm>
+        </p:spPr>
+        <p:txBody>
+          <a:bodyPr>
+            <a:normAutofit/>
+          </a:bodyPr>
+          <a:lstStyle/>
+          <a:p>
+            <a:pPr algn="ctr"/>
+            <a:r>
+              <a:rPr lang="ru-RU" dirty="0"/>
+              <a:t>Меню с функциями нашего Бота</a:t>
+            </a:r>
+          </a:p>
+        </p:txBody>
+      </p:sp>
+      <p:pic>
+        <p:nvPicPr>
+          <p:cNvPr id="4" name="Объект 3">
+            <a:extLst>
+              <a:ext uri="{FF2B5EF4-FFF2-40B4-BE49-F238E27FC236}">
+                <a16:creationId xmlns:a16="http://schemas.microsoft.com/office/drawing/2014/main" id="{C5DAA99E-09EA-41AD-9AED-292781E4FFF1}"/>
+              </a:ext>
+            </a:extLst>
+          </p:cNvPr>
+          <p:cNvPicPr>
+            <a:picLocks noGrp="1" noChangeAspect="1"/>
+          </p:cNvPicPr>
+          <p:nvPr>
+            <p:ph idx="1"/>
+          </p:nvPr>
+        </p:nvPicPr>
+        <p:blipFill>
+          <a:blip r:embed="rId2"/>
+          <a:stretch>
+            <a:fillRect/>
+          </a:stretch>
+        </p:blipFill>
+        <p:spPr>
+          <a:xfrm>
+            <a:off x="1344891" y="1569208"/>
+            <a:ext cx="4628560" cy="4374391"/>
+          </a:xfrm>
+          <a:prstGeom prst="rect">
+            <a:avLst/>
+          </a:prstGeom>
+        </p:spPr>
+      </p:pic>
+      <p:pic>
+        <p:nvPicPr>
+          <p:cNvPr id="5" name="Рисунок 4">
+            <a:extLst>
+              <a:ext uri="{FF2B5EF4-FFF2-40B4-BE49-F238E27FC236}">
+                <a16:creationId xmlns:a16="http://schemas.microsoft.com/office/drawing/2014/main" id="{95C09612-4671-4388-9AA6-3DF9E1F1ABE1}"/>
+              </a:ext>
+            </a:extLst>
+          </p:cNvPr>
+          <p:cNvPicPr>
+            <a:picLocks noChangeAspect="1"/>
+          </p:cNvPicPr>
+          <p:nvPr/>
+        </p:nvPicPr>
+        <p:blipFill>
+          <a:blip r:embed="rId3"/>
+          <a:stretch>
+            <a:fillRect/>
+          </a:stretch>
+        </p:blipFill>
+        <p:spPr>
+          <a:xfrm>
+            <a:off x="6985263" y="1369352"/>
+            <a:ext cx="3346514" cy="4924292"/>
+          </a:xfrm>
+          <a:prstGeom prst="rect">
+            <a:avLst/>
+          </a:prstGeom>
+        </p:spPr>
+      </p:pic>
+    </p:spTree>
+    <p:extLst>
+      <p:ext uri="{BB962C8B-B14F-4D97-AF65-F5344CB8AC3E}">
+        <p14:creationId xmlns:p14="http://schemas.microsoft.com/office/powerpoint/2010/main" val="1333542530"/>
+      </p:ext>
+    </p:extLst>
+  </p:cSld>
+  <p:clrMapOvr>
+    <a:masterClrMapping/>
+  </p:clrMapOvr>
+</p:sld>
+</file>
+
+<file path=ppt/slides/slide6.xml><?xml version="1.0" encoding="utf-8"?>
+<p:sld xmlns:a="http://schemas.openxmlformats.org/drawingml/2006/main" xmlns:r="http://schemas.openxmlformats.org/officeDocument/2006/relationships" xmlns:p="http://schemas.openxmlformats.org/presentationml/2006/main">
+  <p:cSld>
+    <p:spTree>
+      <p:nvGrpSpPr>
+        <p:cNvPr id="1" name=""/>
+        <p:cNvGrpSpPr/>
+        <p:nvPr/>
+      </p:nvGrpSpPr>
+      <p:grpSpPr>
+        <a:xfrm>
+          <a:off x="0" y="0"/>
+          <a:ext cx="0" cy="0"/>
+          <a:chOff x="0" y="0"/>
+          <a:chExt cx="0" cy="0"/>
+        </a:xfrm>
+      </p:grpSpPr>
+      <p:sp>
+        <p:nvSpPr>
+          <p:cNvPr id="2" name="Заголовок 1">
+            <a:extLst>
+              <a:ext uri="{FF2B5EF4-FFF2-40B4-BE49-F238E27FC236}">
+                <a16:creationId xmlns:a16="http://schemas.microsoft.com/office/drawing/2014/main" id="{DC60F4CE-4DA1-48C1-91FA-D9FF3FDA8AAB}"/>
+              </a:ext>
+            </a:extLst>
+          </p:cNvPr>
+          <p:cNvSpPr>
+            <a:spLocks noGrp="1"/>
+          </p:cNvSpPr>
+          <p:nvPr>
+            <p:ph type="title"/>
+          </p:nvPr>
+        </p:nvSpPr>
+        <p:spPr>
+          <a:xfrm>
+            <a:off x="809385" y="575036"/>
+            <a:ext cx="9692640" cy="758068"/>
+          </a:xfrm>
+        </p:spPr>
+        <p:txBody>
+          <a:bodyPr>
+            <a:normAutofit/>
+          </a:bodyPr>
+          <a:lstStyle/>
+          <a:p>
+            <a:pPr algn="ctr"/>
+            <a:r>
+              <a:rPr lang="ru-RU" dirty="0"/>
+              <a:t>Поиск книг</a:t>
+            </a:r>
+          </a:p>
+        </p:txBody>
+      </p:sp>
+      <p:pic>
+        <p:nvPicPr>
+          <p:cNvPr id="6" name="Объект 5">
+            <a:extLst>
+              <a:ext uri="{FF2B5EF4-FFF2-40B4-BE49-F238E27FC236}">
+                <a16:creationId xmlns:a16="http://schemas.microsoft.com/office/drawing/2014/main" id="{511D623D-AA90-4593-BE92-E8DCC8C5BEA9}"/>
+              </a:ext>
+            </a:extLst>
+          </p:cNvPr>
+          <p:cNvPicPr>
+            <a:picLocks noGrp="1" noChangeAspect="1"/>
+          </p:cNvPicPr>
+          <p:nvPr>
+            <p:ph idx="1"/>
+          </p:nvPr>
+        </p:nvPicPr>
+        <p:blipFill>
+          <a:blip r:embed="rId2"/>
+          <a:stretch>
+            <a:fillRect/>
+          </a:stretch>
+        </p:blipFill>
+        <p:spPr>
+          <a:xfrm>
+            <a:off x="6016151" y="1828798"/>
+            <a:ext cx="2254365" cy="3733991"/>
+          </a:xfrm>
+          <a:prstGeom prst="rect">
+            <a:avLst/>
+          </a:prstGeom>
+        </p:spPr>
+      </p:pic>
+      <p:pic>
+        <p:nvPicPr>
+          <p:cNvPr id="4" name="Рисунок 3">
+            <a:extLst>
+              <a:ext uri="{FF2B5EF4-FFF2-40B4-BE49-F238E27FC236}">
+                <a16:creationId xmlns:a16="http://schemas.microsoft.com/office/drawing/2014/main" id="{4F6C421C-2039-4391-AF4D-C068A9A0ACE2}"/>
+              </a:ext>
+            </a:extLst>
+          </p:cNvPr>
+          <p:cNvPicPr>
+            <a:picLocks noChangeAspect="1"/>
+          </p:cNvPicPr>
+          <p:nvPr/>
+        </p:nvPicPr>
+        <p:blipFill>
+          <a:blip r:embed="rId3"/>
+          <a:stretch>
+            <a:fillRect/>
+          </a:stretch>
+        </p:blipFill>
+        <p:spPr>
+          <a:xfrm>
+            <a:off x="434524" y="1828800"/>
+            <a:ext cx="2254366" cy="3733992"/>
+          </a:xfrm>
+          <a:prstGeom prst="rect">
+            <a:avLst/>
+          </a:prstGeom>
+        </p:spPr>
+      </p:pic>
+      <p:pic>
+        <p:nvPicPr>
+          <p:cNvPr id="5" name="Рисунок 4">
+            <a:extLst>
+              <a:ext uri="{FF2B5EF4-FFF2-40B4-BE49-F238E27FC236}">
+                <a16:creationId xmlns:a16="http://schemas.microsoft.com/office/drawing/2014/main" id="{8304EA9F-ED12-4E34-BA7C-8FC1DE4F4DE8}"/>
+              </a:ext>
+            </a:extLst>
+          </p:cNvPr>
+          <p:cNvPicPr>
+            <a:picLocks noChangeAspect="1"/>
+          </p:cNvPicPr>
+          <p:nvPr/>
+        </p:nvPicPr>
+        <p:blipFill>
+          <a:blip r:embed="rId4"/>
+          <a:stretch>
+            <a:fillRect/>
+          </a:stretch>
+        </p:blipFill>
+        <p:spPr>
+          <a:xfrm>
+            <a:off x="3225338" y="1828798"/>
+            <a:ext cx="2254366" cy="3733991"/>
+          </a:xfrm>
+          <a:prstGeom prst="rect">
+            <a:avLst/>
+          </a:prstGeom>
+        </p:spPr>
+      </p:pic>
+      <p:pic>
+        <p:nvPicPr>
+          <p:cNvPr id="7" name="Рисунок 6">
+            <a:extLst>
+              <a:ext uri="{FF2B5EF4-FFF2-40B4-BE49-F238E27FC236}">
+                <a16:creationId xmlns:a16="http://schemas.microsoft.com/office/drawing/2014/main" id="{9ABDE960-EB28-42EF-9DB1-68988CB5A360}"/>
+              </a:ext>
+            </a:extLst>
+          </p:cNvPr>
+          <p:cNvPicPr>
+            <a:picLocks noChangeAspect="1"/>
+          </p:cNvPicPr>
+          <p:nvPr/>
+        </p:nvPicPr>
+        <p:blipFill>
+          <a:blip r:embed="rId5"/>
+          <a:stretch>
+            <a:fillRect/>
+          </a:stretch>
+        </p:blipFill>
+        <p:spPr>
+          <a:xfrm>
+            <a:off x="8796306" y="1828798"/>
+            <a:ext cx="2254365" cy="3733991"/>
+          </a:xfrm>
+          <a:prstGeom prst="rect">
+            <a:avLst/>
+          </a:prstGeom>
+        </p:spPr>
+      </p:pic>
+    </p:spTree>
+    <p:extLst>
+      <p:ext uri="{BB962C8B-B14F-4D97-AF65-F5344CB8AC3E}">
+        <p14:creationId xmlns:p14="http://schemas.microsoft.com/office/powerpoint/2010/main" val="2008959678"/>
+      </p:ext>
+    </p:extLst>
+  </p:cSld>
+  <p:clrMapOvr>
+    <a:masterClrMapping/>
+  </p:clrMapOvr>
+</p:sld>
+</file>
+
+<file path=ppt/slides/slide7.xml><?xml version="1.0" encoding="utf-8"?>
+<p:sld xmlns:a="http://schemas.openxmlformats.org/drawingml/2006/main" xmlns:r="http://schemas.openxmlformats.org/officeDocument/2006/relationships" xmlns:p="http://schemas.openxmlformats.org/presentationml/2006/main">
+  <p:cSld>
+    <p:spTree>
+      <p:nvGrpSpPr>
+        <p:cNvPr id="1" name=""/>
+        <p:cNvGrpSpPr/>
+        <p:nvPr/>
+      </p:nvGrpSpPr>
+      <p:grpSpPr>
+        <a:xfrm>
+          <a:off x="0" y="0"/>
+          <a:ext cx="0" cy="0"/>
+          <a:chOff x="0" y="0"/>
+          <a:chExt cx="0" cy="0"/>
+        </a:xfrm>
+      </p:grpSpPr>
+      <p:sp>
+        <p:nvSpPr>
+          <p:cNvPr id="2" name="Заголовок 1">
+            <a:extLst>
+              <a:ext uri="{FF2B5EF4-FFF2-40B4-BE49-F238E27FC236}">
+                <a16:creationId xmlns:a16="http://schemas.microsoft.com/office/drawing/2014/main" id="{B67F4D67-7CBE-46E1-91F5-88AC8CD3D3A3}"/>
+              </a:ext>
+            </a:extLst>
+          </p:cNvPr>
+          <p:cNvSpPr>
+            <a:spLocks noGrp="1"/>
+          </p:cNvSpPr>
+          <p:nvPr>
+            <p:ph type="title"/>
+          </p:nvPr>
+        </p:nvSpPr>
+        <p:spPr/>
+        <p:txBody>
+          <a:bodyPr/>
+          <a:lstStyle/>
+          <a:p>
+            <a:pPr algn="ctr"/>
+            <a:r>
+              <a:rPr lang="ru-RU" dirty="0"/>
+              <a:t>Литературный тест</a:t>
+            </a:r>
+          </a:p>
+        </p:txBody>
+      </p:sp>
+      <p:pic>
+        <p:nvPicPr>
+          <p:cNvPr id="4" name="Объект 3">
+            <a:extLst>
+              <a:ext uri="{FF2B5EF4-FFF2-40B4-BE49-F238E27FC236}">
+                <a16:creationId xmlns:a16="http://schemas.microsoft.com/office/drawing/2014/main" id="{130C09D4-6504-45C8-A6CC-3F20AB733E2C}"/>
+              </a:ext>
+            </a:extLst>
+          </p:cNvPr>
+          <p:cNvPicPr>
+            <a:picLocks noGrp="1" noChangeAspect="1"/>
+          </p:cNvPicPr>
+          <p:nvPr>
+            <p:ph idx="1"/>
+          </p:nvPr>
+        </p:nvPicPr>
+        <p:blipFill>
+          <a:blip r:embed="rId2"/>
+          <a:stretch>
+            <a:fillRect/>
+          </a:stretch>
+        </p:blipFill>
+        <p:spPr>
+          <a:xfrm>
+            <a:off x="1582382" y="1881969"/>
+            <a:ext cx="3394969" cy="4307499"/>
+          </a:xfrm>
+          <a:prstGeom prst="rect">
+            <a:avLst/>
+          </a:prstGeom>
+        </p:spPr>
+      </p:pic>
+      <p:pic>
+        <p:nvPicPr>
+          <p:cNvPr id="5" name="Рисунок 4">
+            <a:extLst>
+              <a:ext uri="{FF2B5EF4-FFF2-40B4-BE49-F238E27FC236}">
+                <a16:creationId xmlns:a16="http://schemas.microsoft.com/office/drawing/2014/main" id="{35C89D44-D032-4B85-B79D-4CC716592BD7}"/>
+              </a:ext>
+            </a:extLst>
+          </p:cNvPr>
+          <p:cNvPicPr>
+            <a:picLocks noChangeAspect="1"/>
+          </p:cNvPicPr>
+          <p:nvPr/>
+        </p:nvPicPr>
+        <p:blipFill>
+          <a:blip r:embed="rId3"/>
+          <a:stretch>
+            <a:fillRect/>
+          </a:stretch>
+        </p:blipFill>
+        <p:spPr>
+          <a:xfrm>
+            <a:off x="5557143" y="1881969"/>
+            <a:ext cx="4510683" cy="4307499"/>
+          </a:xfrm>
+          <a:prstGeom prst="rect">
+            <a:avLst/>
+          </a:prstGeom>
+        </p:spPr>
+      </p:pic>
+    </p:spTree>
+    <p:extLst>
+      <p:ext uri="{BB962C8B-B14F-4D97-AF65-F5344CB8AC3E}">
+        <p14:creationId xmlns:p14="http://schemas.microsoft.com/office/powerpoint/2010/main" val="2620215057"/>
+      </p:ext>
+    </p:extLst>
+  </p:cSld>
+  <p:clrMapOvr>
+    <a:masterClrMapping/>
+  </p:clrMapOvr>
+</p:sld>
+</file>
+
+<file path=ppt/slides/slide8.xml><?xml version="1.0" encoding="utf-8"?>
+<p:sld xmlns:a="http://schemas.openxmlformats.org/drawingml/2006/main" xmlns:r="http://schemas.openxmlformats.org/officeDocument/2006/relationships" xmlns:p="http://schemas.openxmlformats.org/presentationml/2006/main">
+  <p:cSld>
+    <p:spTree>
+      <p:nvGrpSpPr>
+        <p:cNvPr id="1" name=""/>
+        <p:cNvGrpSpPr/>
+        <p:nvPr/>
+      </p:nvGrpSpPr>
+      <p:grpSpPr>
+        <a:xfrm>
+          <a:off x="0" y="0"/>
+          <a:ext cx="0" cy="0"/>
+          <a:chOff x="0" y="0"/>
+          <a:chExt cx="0" cy="0"/>
+        </a:xfrm>
+      </p:grpSpPr>
+      <p:sp>
+        <p:nvSpPr>
+          <p:cNvPr id="2" name="Заголовок 1">
+            <a:extLst>
+              <a:ext uri="{FF2B5EF4-FFF2-40B4-BE49-F238E27FC236}">
                 <a16:creationId xmlns:a16="http://schemas.microsoft.com/office/drawing/2014/main" id="{1FFB2338-6F9C-447A-85DE-597914F24C12}"/>
               </a:ext>
             </a:extLst>
@@ -3795,6 +4858,7 @@
           <a:bodyPr/>
           <a:lstStyle/>
           <a:p>
+            <a:pPr algn="ctr"/>
             <a:r>
               <a:rPr lang="ru-RU" dirty="0"/>
               <a:t>Что использовалось </a:t>
@@ -3830,46 +4894,46 @@
         </p:blipFill>
         <p:spPr>
           <a:xfrm>
-            <a:off x="6834433" y="2393818"/>
-            <a:ext cx="3859491" cy="3859491"/>
+            <a:off x="7555072" y="2498103"/>
+            <a:ext cx="3640297" cy="3640297"/>
           </a:xfrm>
           <a:prstGeom prst="rect">
             <a:avLst/>
           </a:prstGeom>
         </p:spPr>
       </p:pic>
-      <p:sp>
-        <p:nvSpPr>
-          <p:cNvPr id="11" name="Объект 10">
+      <p:pic>
+        <p:nvPicPr>
+          <p:cNvPr id="3" name="Объект 2">
             <a:extLst>
               <a:ext uri="{FF2B5EF4-FFF2-40B4-BE49-F238E27FC236}">
-                <a16:creationId xmlns:a16="http://schemas.microsoft.com/office/drawing/2014/main" id="{A9FA86BA-3BEE-4FA5-A933-735EC7B13869}"/>
+                <a16:creationId xmlns:a16="http://schemas.microsoft.com/office/drawing/2014/main" id="{F5FA2502-BD1A-43A3-973D-84AD49840CC4}"/>
               </a:ext>
             </a:extLst>
           </p:cNvPr>
-          <p:cNvSpPr>
-            <a:spLocks noGrp="1"/>
-          </p:cNvSpPr>
+          <p:cNvPicPr>
+            <a:picLocks noGrp="1" noChangeAspect="1"/>
+          </p:cNvPicPr>
           <p:nvPr>
             <p:ph idx="1"/>
           </p:nvPr>
-        </p:nvSpPr>
-        <p:spPr>
-          <a:xfrm>
-            <a:off x="1261872" y="5910606"/>
-            <a:ext cx="1754705" cy="269531"/>
-          </a:xfrm>
-        </p:spPr>
-        <p:txBody>
-          <a:bodyPr>
-            <a:normAutofit fontScale="85000" lnSpcReduction="20000"/>
-          </a:bodyPr>
-          <a:lstStyle/>
-          <a:p>
-            <a:endParaRPr lang="ru-RU" dirty="0"/>
-          </a:p>
-        </p:txBody>
-      </p:sp>
+        </p:nvPicPr>
+        <p:blipFill>
+          <a:blip r:embed="rId3"/>
+          <a:stretch>
+            <a:fillRect/>
+          </a:stretch>
+        </p:blipFill>
+        <p:spPr>
+          <a:xfrm>
+            <a:off x="160814" y="2377466"/>
+            <a:ext cx="7070215" cy="3859491"/>
+          </a:xfrm>
+          <a:prstGeom prst="rect">
+            <a:avLst/>
+          </a:prstGeom>
+        </p:spPr>
+      </p:pic>
     </p:spTree>
     <p:extLst>
       <p:ext uri="{BB962C8B-B14F-4D97-AF65-F5344CB8AC3E}">
@@ -3883,7 +4947,7 @@
 </p:sld>
 </file>
 
-<file path=ppt/slides/slide5.xml><?xml version="1.0" encoding="utf-8"?>
+<file path=ppt/slides/slide9.xml><?xml version="1.0" encoding="utf-8"?>
 <p:sld xmlns:a="http://schemas.openxmlformats.org/drawingml/2006/main" xmlns:r="http://schemas.openxmlformats.org/officeDocument/2006/relationships" xmlns:p="http://schemas.openxmlformats.org/presentationml/2006/main">
   <p:cSld>
     <p:spTree>
@@ -3916,14 +4980,20 @@
             <p:ph type="title"/>
           </p:nvPr>
         </p:nvSpPr>
-        <p:spPr/>
+        <p:spPr>
+          <a:xfrm>
+            <a:off x="1249680" y="386499"/>
+            <a:ext cx="9692640" cy="824056"/>
+          </a:xfrm>
+        </p:spPr>
         <p:txBody>
           <a:bodyPr/>
           <a:lstStyle/>
           <a:p>
+            <a:pPr algn="ctr"/>
             <a:r>
               <a:rPr lang="ru-RU" dirty="0"/>
-              <a:t>Работа с базами данных</a:t>
+              <a:t>Работа с базой данных</a:t>
             </a:r>
           </a:p>
         </p:txBody>
@@ -3963,108 +5033,40 @@
           </a:xfrm>
         </p:spPr>
       </p:pic>
+      <p:pic>
+        <p:nvPicPr>
+          <p:cNvPr id="3" name="Рисунок 2">
+            <a:extLst>
+              <a:ext uri="{FF2B5EF4-FFF2-40B4-BE49-F238E27FC236}">
+                <a16:creationId xmlns:a16="http://schemas.microsoft.com/office/drawing/2014/main" id="{F2E668CE-4622-47C4-8BDB-21CD9DC382B1}"/>
+              </a:ext>
+            </a:extLst>
+          </p:cNvPr>
+          <p:cNvPicPr>
+            <a:picLocks noChangeAspect="1"/>
+          </p:cNvPicPr>
+          <p:nvPr/>
+        </p:nvPicPr>
+        <p:blipFill>
+          <a:blip r:embed="rId3"/>
+          <a:stretch>
+            <a:fillRect/>
+          </a:stretch>
+        </p:blipFill>
+        <p:spPr>
+          <a:xfrm>
+            <a:off x="961535" y="1585430"/>
+            <a:ext cx="5231876" cy="4886071"/>
+          </a:xfrm>
+          <a:prstGeom prst="rect">
+            <a:avLst/>
+          </a:prstGeom>
+        </p:spPr>
+      </p:pic>
     </p:spTree>
     <p:extLst>
       <p:ext uri="{BB962C8B-B14F-4D97-AF65-F5344CB8AC3E}">
         <p14:creationId xmlns:p14="http://schemas.microsoft.com/office/powerpoint/2010/main" val="2729101840"/>
-      </p:ext>
-    </p:extLst>
-  </p:cSld>
-  <p:clrMapOvr>
-    <a:masterClrMapping/>
-  </p:clrMapOvr>
-</p:sld>
-</file>
-
-<file path=ppt/slides/slide6.xml><?xml version="1.0" encoding="utf-8"?>
-<p:sld xmlns:a="http://schemas.openxmlformats.org/drawingml/2006/main" xmlns:r="http://schemas.openxmlformats.org/officeDocument/2006/relationships" xmlns:p="http://schemas.openxmlformats.org/presentationml/2006/main">
-  <p:cSld>
-    <p:spTree>
-      <p:nvGrpSpPr>
-        <p:cNvPr id="1" name=""/>
-        <p:cNvGrpSpPr/>
-        <p:nvPr/>
-      </p:nvGrpSpPr>
-      <p:grpSpPr>
-        <a:xfrm>
-          <a:off x="0" y="0"/>
-          <a:ext cx="0" cy="0"/>
-          <a:chOff x="0" y="0"/>
-          <a:chExt cx="0" cy="0"/>
-        </a:xfrm>
-      </p:grpSpPr>
-      <p:sp>
-        <p:nvSpPr>
-          <p:cNvPr id="2" name="Заголовок 1">
-            <a:extLst>
-              <a:ext uri="{FF2B5EF4-FFF2-40B4-BE49-F238E27FC236}">
-                <a16:creationId xmlns:a16="http://schemas.microsoft.com/office/drawing/2014/main" id="{D4225F31-362D-4003-8BAB-44D14E1759EA}"/>
-              </a:ext>
-            </a:extLst>
-          </p:cNvPr>
-          <p:cNvSpPr>
-            <a:spLocks noGrp="1"/>
-          </p:cNvSpPr>
-          <p:nvPr>
-            <p:ph type="title"/>
-          </p:nvPr>
-        </p:nvSpPr>
-        <p:spPr>
-          <a:xfrm>
-            <a:off x="565608" y="365760"/>
-            <a:ext cx="10388904" cy="963420"/>
-          </a:xfrm>
-        </p:spPr>
-        <p:txBody>
-          <a:bodyPr/>
-          <a:lstStyle/>
-          <a:p>
-            <a:r>
-              <a:rPr lang="ru-RU" dirty="0"/>
-              <a:t>Итоги, выводы, рекомендации</a:t>
-            </a:r>
-          </a:p>
-        </p:txBody>
-      </p:sp>
-      <p:pic>
-        <p:nvPicPr>
-          <p:cNvPr id="5" name="Объект 4">
-            <a:extLst>
-              <a:ext uri="{FF2B5EF4-FFF2-40B4-BE49-F238E27FC236}">
-                <a16:creationId xmlns:a16="http://schemas.microsoft.com/office/drawing/2014/main" id="{648C8143-9CD1-450C-9DEA-B8495898BB6B}"/>
-              </a:ext>
-            </a:extLst>
-          </p:cNvPr>
-          <p:cNvPicPr>
-            <a:picLocks noGrp="1" noChangeAspect="1"/>
-          </p:cNvPicPr>
-          <p:nvPr>
-            <p:ph idx="1"/>
-          </p:nvPr>
-        </p:nvPicPr>
-        <p:blipFill>
-          <a:blip r:embed="rId2">
-            <a:extLst>
-              <a:ext uri="{28A0092B-C50C-407E-A947-70E740481C1C}">
-                <a14:useLocalDpi xmlns:a14="http://schemas.microsoft.com/office/drawing/2010/main" val="0"/>
-              </a:ext>
-            </a:extLst>
-          </a:blip>
-          <a:stretch>
-            <a:fillRect/>
-          </a:stretch>
-        </p:blipFill>
-        <p:spPr>
-          <a:xfrm>
-            <a:off x="6268825" y="1866973"/>
-            <a:ext cx="5416101" cy="5416101"/>
-          </a:xfrm>
-        </p:spPr>
-      </p:pic>
-    </p:spTree>
-    <p:extLst>
-      <p:ext uri="{BB962C8B-B14F-4D97-AF65-F5344CB8AC3E}">
-        <p14:creationId xmlns:p14="http://schemas.microsoft.com/office/powerpoint/2010/main" val="2106561315"/>
       </p:ext>
     </p:extLst>
   </p:cSld>
